--- a/Führung Folien Robin.pptx
+++ b/Führung Folien Robin.pptx
@@ -5,24 +5,33 @@
     <p:sldMasterId id="2147483648" r:id="rId1"/>
   </p:sldMasterIdLst>
   <p:notesMasterIdLst>
-    <p:notesMasterId r:id="rId14"/>
+    <p:notesMasterId r:id="rId23"/>
   </p:notesMasterIdLst>
   <p:handoutMasterIdLst>
-    <p:handoutMasterId r:id="rId15"/>
+    <p:handoutMasterId r:id="rId24"/>
   </p:handoutMasterIdLst>
   <p:sldIdLst>
     <p:sldId id="402" r:id="rId2"/>
-    <p:sldId id="404" r:id="rId3"/>
-    <p:sldId id="405" r:id="rId4"/>
-    <p:sldId id="406" r:id="rId5"/>
-    <p:sldId id="407" r:id="rId6"/>
-    <p:sldId id="408" r:id="rId7"/>
-    <p:sldId id="409" r:id="rId8"/>
-    <p:sldId id="410" r:id="rId9"/>
-    <p:sldId id="411" r:id="rId10"/>
-    <p:sldId id="412" r:id="rId11"/>
-    <p:sldId id="413" r:id="rId12"/>
-    <p:sldId id="414" r:id="rId13"/>
+    <p:sldId id="415" r:id="rId3"/>
+    <p:sldId id="404" r:id="rId4"/>
+    <p:sldId id="405" r:id="rId5"/>
+    <p:sldId id="416" r:id="rId6"/>
+    <p:sldId id="417" r:id="rId7"/>
+    <p:sldId id="406" r:id="rId8"/>
+    <p:sldId id="407" r:id="rId9"/>
+    <p:sldId id="408" r:id="rId10"/>
+    <p:sldId id="409" r:id="rId11"/>
+    <p:sldId id="422" r:id="rId12"/>
+    <p:sldId id="410" r:id="rId13"/>
+    <p:sldId id="418" r:id="rId14"/>
+    <p:sldId id="411" r:id="rId15"/>
+    <p:sldId id="412" r:id="rId16"/>
+    <p:sldId id="419" r:id="rId17"/>
+    <p:sldId id="413" r:id="rId18"/>
+    <p:sldId id="420" r:id="rId19"/>
+    <p:sldId id="414" r:id="rId20"/>
+    <p:sldId id="423" r:id="rId21"/>
+    <p:sldId id="421" r:id="rId22"/>
   </p:sldIdLst>
   <p:sldSz cx="9144000" cy="6858000" type="screen4x3"/>
   <p:notesSz cx="6858000" cy="9661525"/>
@@ -294,14 +303,14 @@
           <a:effectLst/>
           <a:extLst>
             <a:ext uri="{909E8E84-426E-40dd-AFC4-6F175D3DCCD1}">
-              <a14:hiddenFill xmlns="" xmlns:a14="http://schemas.microsoft.com/office/drawing/2010/main">
+              <a14:hiddenFill xmlns:a14="http://schemas.microsoft.com/office/drawing/2010/main" xmlns="">
                 <a:solidFill>
                   <a:schemeClr val="accent1"/>
                 </a:solidFill>
               </a14:hiddenFill>
             </a:ext>
             <a:ext uri="{91240B29-F687-4f45-9708-019B960494DF}">
-              <a14:hiddenLine xmlns="" xmlns:a14="http://schemas.microsoft.com/office/drawing/2010/main" w="9525">
+              <a14:hiddenLine xmlns:a14="http://schemas.microsoft.com/office/drawing/2010/main" xmlns="" w="9525">
                 <a:solidFill>
                   <a:schemeClr val="tx1"/>
                 </a:solidFill>
@@ -311,7 +320,7 @@
               </a14:hiddenLine>
             </a:ext>
             <a:ext uri="{AF507438-7753-43e0-B8FC-AC1667EBCBE1}">
-              <a14:hiddenEffects xmlns="" xmlns:a14="http://schemas.microsoft.com/office/drawing/2010/main">
+              <a14:hiddenEffects xmlns:a14="http://schemas.microsoft.com/office/drawing/2010/main" xmlns="">
                 <a:effectLst>
                   <a:outerShdw blurRad="63500" dist="38099" dir="2700000" algn="ctr" rotWithShape="0">
                     <a:schemeClr val="bg2">
@@ -322,7 +331,7 @@
               </a14:hiddenEffects>
             </a:ext>
             <a:ext uri="{FAA26D3D-D897-4be2-8F04-BA451C77F1D7}">
-              <ma14:placeholderFlag xmlns="" xmlns:ma14="http://schemas.microsoft.com/office/mac/drawingml/2011/main" val="1"/>
+              <ma14:placeholderFlag xmlns:ma14="http://schemas.microsoft.com/office/mac/drawingml/2011/main" xmlns="" val="1"/>
             </a:ext>
           </a:extLst>
         </p:spPr>
@@ -376,14 +385,14 @@
           <a:effectLst/>
           <a:extLst>
             <a:ext uri="{909E8E84-426E-40dd-AFC4-6F175D3DCCD1}">
-              <a14:hiddenFill xmlns="" xmlns:a14="http://schemas.microsoft.com/office/drawing/2010/main">
+              <a14:hiddenFill xmlns:a14="http://schemas.microsoft.com/office/drawing/2010/main" xmlns="">
                 <a:solidFill>
                   <a:schemeClr val="accent1"/>
                 </a:solidFill>
               </a14:hiddenFill>
             </a:ext>
             <a:ext uri="{91240B29-F687-4f45-9708-019B960494DF}">
-              <a14:hiddenLine xmlns="" xmlns:a14="http://schemas.microsoft.com/office/drawing/2010/main" w="9525">
+              <a14:hiddenLine xmlns:a14="http://schemas.microsoft.com/office/drawing/2010/main" xmlns="" w="9525">
                 <a:solidFill>
                   <a:schemeClr val="tx1"/>
                 </a:solidFill>
@@ -393,7 +402,7 @@
               </a14:hiddenLine>
             </a:ext>
             <a:ext uri="{AF507438-7753-43e0-B8FC-AC1667EBCBE1}">
-              <a14:hiddenEffects xmlns="" xmlns:a14="http://schemas.microsoft.com/office/drawing/2010/main">
+              <a14:hiddenEffects xmlns:a14="http://schemas.microsoft.com/office/drawing/2010/main" xmlns="">
                 <a:effectLst>
                   <a:outerShdw blurRad="63500" dist="38099" dir="2700000" algn="ctr" rotWithShape="0">
                     <a:schemeClr val="bg2">
@@ -404,7 +413,7 @@
               </a14:hiddenEffects>
             </a:ext>
             <a:ext uri="{FAA26D3D-D897-4be2-8F04-BA451C77F1D7}">
-              <ma14:placeholderFlag xmlns="" xmlns:ma14="http://schemas.microsoft.com/office/mac/drawingml/2011/main" val="1"/>
+              <ma14:placeholderFlag xmlns:ma14="http://schemas.microsoft.com/office/mac/drawingml/2011/main" xmlns="" val="1"/>
             </a:ext>
           </a:extLst>
         </p:spPr>
@@ -458,14 +467,14 @@
           <a:effectLst/>
           <a:extLst>
             <a:ext uri="{909E8E84-426E-40dd-AFC4-6F175D3DCCD1}">
-              <a14:hiddenFill xmlns="" xmlns:a14="http://schemas.microsoft.com/office/drawing/2010/main">
+              <a14:hiddenFill xmlns:a14="http://schemas.microsoft.com/office/drawing/2010/main" xmlns="">
                 <a:solidFill>
                   <a:schemeClr val="accent1"/>
                 </a:solidFill>
               </a14:hiddenFill>
             </a:ext>
             <a:ext uri="{91240B29-F687-4f45-9708-019B960494DF}">
-              <a14:hiddenLine xmlns="" xmlns:a14="http://schemas.microsoft.com/office/drawing/2010/main" w="9525">
+              <a14:hiddenLine xmlns:a14="http://schemas.microsoft.com/office/drawing/2010/main" xmlns="" w="9525">
                 <a:solidFill>
                   <a:schemeClr val="tx1"/>
                 </a:solidFill>
@@ -475,7 +484,7 @@
               </a14:hiddenLine>
             </a:ext>
             <a:ext uri="{AF507438-7753-43e0-B8FC-AC1667EBCBE1}">
-              <a14:hiddenEffects xmlns="" xmlns:a14="http://schemas.microsoft.com/office/drawing/2010/main">
+              <a14:hiddenEffects xmlns:a14="http://schemas.microsoft.com/office/drawing/2010/main" xmlns="">
                 <a:effectLst>
                   <a:outerShdw blurRad="63500" dist="38099" dir="2700000" algn="ctr" rotWithShape="0">
                     <a:schemeClr val="bg2">
@@ -486,7 +495,7 @@
               </a14:hiddenEffects>
             </a:ext>
             <a:ext uri="{FAA26D3D-D897-4be2-8F04-BA451C77F1D7}">
-              <ma14:placeholderFlag xmlns="" xmlns:ma14="http://schemas.microsoft.com/office/mac/drawingml/2011/main" val="1"/>
+              <ma14:placeholderFlag xmlns:ma14="http://schemas.microsoft.com/office/mac/drawingml/2011/main" xmlns="" val="1"/>
             </a:ext>
           </a:extLst>
         </p:spPr>
@@ -540,14 +549,14 @@
           <a:effectLst/>
           <a:extLst>
             <a:ext uri="{909E8E84-426E-40dd-AFC4-6F175D3DCCD1}">
-              <a14:hiddenFill xmlns="" xmlns:a14="http://schemas.microsoft.com/office/drawing/2010/main">
+              <a14:hiddenFill xmlns:a14="http://schemas.microsoft.com/office/drawing/2010/main" xmlns="">
                 <a:solidFill>
                   <a:schemeClr val="accent1"/>
                 </a:solidFill>
               </a14:hiddenFill>
             </a:ext>
             <a:ext uri="{91240B29-F687-4f45-9708-019B960494DF}">
-              <a14:hiddenLine xmlns="" xmlns:a14="http://schemas.microsoft.com/office/drawing/2010/main" w="9525">
+              <a14:hiddenLine xmlns:a14="http://schemas.microsoft.com/office/drawing/2010/main" xmlns="" w="9525">
                 <a:solidFill>
                   <a:schemeClr val="tx1"/>
                 </a:solidFill>
@@ -557,7 +566,7 @@
               </a14:hiddenLine>
             </a:ext>
             <a:ext uri="{AF507438-7753-43e0-B8FC-AC1667EBCBE1}">
-              <a14:hiddenEffects xmlns="" xmlns:a14="http://schemas.microsoft.com/office/drawing/2010/main">
+              <a14:hiddenEffects xmlns:a14="http://schemas.microsoft.com/office/drawing/2010/main" xmlns="">
                 <a:effectLst>
                   <a:outerShdw blurRad="63500" dist="38099" dir="2700000" algn="ctr" rotWithShape="0">
                     <a:schemeClr val="bg2">
@@ -568,7 +577,7 @@
               </a14:hiddenEffects>
             </a:ext>
             <a:ext uri="{FAA26D3D-D897-4be2-8F04-BA451C77F1D7}">
-              <ma14:placeholderFlag xmlns="" xmlns:ma14="http://schemas.microsoft.com/office/mac/drawingml/2011/main" val="1"/>
+              <ma14:placeholderFlag xmlns:ma14="http://schemas.microsoft.com/office/mac/drawingml/2011/main" xmlns="" val="1"/>
             </a:ext>
           </a:extLst>
         </p:spPr>
@@ -664,7 +673,7 @@
           <a:effectLst/>
           <a:extLst>
             <a:ext uri="{AF507438-7753-43e0-B8FC-AC1667EBCBE1}">
-              <a14:hiddenEffects xmlns="" xmlns:a14="http://schemas.microsoft.com/office/drawing/2010/main">
+              <a14:hiddenEffects xmlns:a14="http://schemas.microsoft.com/office/drawing/2010/main" xmlns="">
                 <a:effectLst>
                   <a:outerShdw blurRad="63500" dist="38099" dir="2700000" algn="ctr" rotWithShape="0">
                     <a:srgbClr val="000000">
@@ -675,7 +684,7 @@
               </a14:hiddenEffects>
             </a:ext>
             <a:ext uri="{53640926-AAD7-44d8-BBD7-CCE9431645EC}">
-              <a14:shadowObscured xmlns="" xmlns:a14="http://schemas.microsoft.com/office/drawing/2010/main" val="1"/>
+              <a14:shadowObscured xmlns:a14="http://schemas.microsoft.com/office/drawing/2010/main" xmlns="" val="1"/>
             </a:ext>
           </a:extLst>
         </p:spPr>
@@ -705,14 +714,14 @@
           <a:effectLst/>
           <a:extLst>
             <a:ext uri="{909E8E84-426E-40dd-AFC4-6F175D3DCCD1}">
-              <a14:hiddenFill xmlns="" xmlns:a14="http://schemas.microsoft.com/office/drawing/2010/main">
+              <a14:hiddenFill xmlns:a14="http://schemas.microsoft.com/office/drawing/2010/main" xmlns="">
                 <a:solidFill>
                   <a:schemeClr val="accent1"/>
                 </a:solidFill>
               </a14:hiddenFill>
             </a:ext>
             <a:ext uri="{91240B29-F687-4f45-9708-019B960494DF}">
-              <a14:hiddenLine xmlns="" xmlns:a14="http://schemas.microsoft.com/office/drawing/2010/main" w="9525">
+              <a14:hiddenLine xmlns:a14="http://schemas.microsoft.com/office/drawing/2010/main" xmlns="" w="9525">
                 <a:solidFill>
                   <a:schemeClr val="tx1"/>
                 </a:solidFill>
@@ -722,7 +731,7 @@
               </a14:hiddenLine>
             </a:ext>
             <a:ext uri="{AF507438-7753-43e0-B8FC-AC1667EBCBE1}">
-              <a14:hiddenEffects xmlns="" xmlns:a14="http://schemas.microsoft.com/office/drawing/2010/main">
+              <a14:hiddenEffects xmlns:a14="http://schemas.microsoft.com/office/drawing/2010/main" xmlns="">
                 <a:effectLst>
                   <a:outerShdw blurRad="63500" dist="38099" dir="2700000" algn="ctr" rotWithShape="0">
                     <a:schemeClr val="bg2">
@@ -733,7 +742,7 @@
               </a14:hiddenEffects>
             </a:ext>
             <a:ext uri="{FAA26D3D-D897-4be2-8F04-BA451C77F1D7}">
-              <ma14:placeholderFlag xmlns="" xmlns:ma14="http://schemas.microsoft.com/office/mac/drawingml/2011/main" val="1"/>
+              <ma14:placeholderFlag xmlns:ma14="http://schemas.microsoft.com/office/mac/drawingml/2011/main" xmlns="" val="1"/>
             </a:ext>
           </a:extLst>
         </p:spPr>
@@ -917,7 +926,7 @@
           <a:ln/>
           <a:extLst>
             <a:ext uri="{FAA26D3D-D897-4be2-8F04-BA451C77F1D7}">
-              <ma14:placeholderFlag xmlns="" xmlns:ma14="http://schemas.microsoft.com/office/mac/drawingml/2011/main" val="1"/>
+              <ma14:placeholderFlag xmlns:ma14="http://schemas.microsoft.com/office/mac/drawingml/2011/main" xmlns="" val="1"/>
             </a:ext>
           </a:extLst>
         </p:spPr>
@@ -1151,14 +1160,14 @@
         <p:spPr>
           <a:extLst>
             <a:ext uri="{909E8E84-426E-40dd-AFC4-6F175D3DCCD1}">
-              <a14:hiddenFill xmlns="" xmlns:a14="http://schemas.microsoft.com/office/drawing/2010/main">
+              <a14:hiddenFill xmlns:a14="http://schemas.microsoft.com/office/drawing/2010/main" xmlns="">
                 <a:solidFill>
                   <a:schemeClr val="accent2"/>
                 </a:solidFill>
               </a14:hiddenFill>
             </a:ext>
             <a:ext uri="{91240B29-F687-4f45-9708-019B960494DF}">
-              <a14:hiddenLine xmlns="" xmlns:a14="http://schemas.microsoft.com/office/drawing/2010/main" w="9525">
+              <a14:hiddenLine xmlns:a14="http://schemas.microsoft.com/office/drawing/2010/main" xmlns="" w="9525">
                 <a:solidFill>
                   <a:schemeClr val="accent2"/>
                 </a:solidFill>
@@ -2541,14 +2550,14 @@
           <a:effectLst/>
           <a:extLst>
             <a:ext uri="{909E8E84-426E-40dd-AFC4-6F175D3DCCD1}">
-              <a14:hiddenFill xmlns="" xmlns:a14="http://schemas.microsoft.com/office/drawing/2010/main">
+              <a14:hiddenFill xmlns:a14="http://schemas.microsoft.com/office/drawing/2010/main" xmlns="">
                 <a:solidFill>
                   <a:schemeClr val="accent2"/>
                 </a:solidFill>
               </a14:hiddenFill>
             </a:ext>
             <a:ext uri="{AF507438-7753-43e0-B8FC-AC1667EBCBE1}">
-              <a14:hiddenEffects xmlns="" xmlns:a14="http://schemas.microsoft.com/office/drawing/2010/main">
+              <a14:hiddenEffects xmlns:a14="http://schemas.microsoft.com/office/drawing/2010/main" xmlns="">
                 <a:effectLst>
                   <a:outerShdw blurRad="63500" dist="35921" dir="2700000" algn="ctr" rotWithShape="0">
                     <a:schemeClr val="bg2"/>
@@ -2755,14 +2764,14 @@
           <a:effectLst/>
           <a:extLst>
             <a:ext uri="{909E8E84-426E-40dd-AFC4-6F175D3DCCD1}">
-              <a14:hiddenFill xmlns="" xmlns:a14="http://schemas.microsoft.com/office/drawing/2010/main">
+              <a14:hiddenFill xmlns:a14="http://schemas.microsoft.com/office/drawing/2010/main" xmlns="">
                 <a:solidFill>
                   <a:schemeClr val="accent1"/>
                 </a:solidFill>
               </a14:hiddenFill>
             </a:ext>
             <a:ext uri="{91240B29-F687-4f45-9708-019B960494DF}">
-              <a14:hiddenLine xmlns="" xmlns:a14="http://schemas.microsoft.com/office/drawing/2010/main" w="9525">
+              <a14:hiddenLine xmlns:a14="http://schemas.microsoft.com/office/drawing/2010/main" xmlns="" w="9525">
                 <a:solidFill>
                   <a:schemeClr val="tx1"/>
                 </a:solidFill>
@@ -2772,7 +2781,7 @@
               </a14:hiddenLine>
             </a:ext>
             <a:ext uri="{AF507438-7753-43e0-B8FC-AC1667EBCBE1}">
-              <a14:hiddenEffects xmlns="" xmlns:a14="http://schemas.microsoft.com/office/drawing/2010/main">
+              <a14:hiddenEffects xmlns:a14="http://schemas.microsoft.com/office/drawing/2010/main" xmlns="">
                 <a:effectLst>
                   <a:outerShdw blurRad="63500" dist="38099" dir="2700000" algn="ctr" rotWithShape="0">
                     <a:schemeClr val="bg2">
@@ -2783,7 +2792,7 @@
               </a14:hiddenEffects>
             </a:ext>
             <a:ext uri="{FAA26D3D-D897-4be2-8F04-BA451C77F1D7}">
-              <ma14:placeholderFlag xmlns="" xmlns:ma14="http://schemas.microsoft.com/office/mac/drawingml/2011/main" val="1"/>
+              <ma14:placeholderFlag xmlns:ma14="http://schemas.microsoft.com/office/mac/drawingml/2011/main" xmlns="" val="1"/>
             </a:ext>
           </a:extLst>
         </p:spPr>
@@ -2827,14 +2836,14 @@
           <a:effectLst/>
           <a:extLst>
             <a:ext uri="{909E8E84-426E-40dd-AFC4-6F175D3DCCD1}">
-              <a14:hiddenFill xmlns="" xmlns:a14="http://schemas.microsoft.com/office/drawing/2010/main">
+              <a14:hiddenFill xmlns:a14="http://schemas.microsoft.com/office/drawing/2010/main" xmlns="">
                 <a:solidFill>
                   <a:schemeClr val="accent1"/>
                 </a:solidFill>
               </a14:hiddenFill>
             </a:ext>
             <a:ext uri="{91240B29-F687-4f45-9708-019B960494DF}">
-              <a14:hiddenLine xmlns="" xmlns:a14="http://schemas.microsoft.com/office/drawing/2010/main" w="9525">
+              <a14:hiddenLine xmlns:a14="http://schemas.microsoft.com/office/drawing/2010/main" xmlns="" w="9525">
                 <a:solidFill>
                   <a:schemeClr val="tx1"/>
                 </a:solidFill>
@@ -2844,7 +2853,7 @@
               </a14:hiddenLine>
             </a:ext>
             <a:ext uri="{AF507438-7753-43e0-B8FC-AC1667EBCBE1}">
-              <a14:hiddenEffects xmlns="" xmlns:a14="http://schemas.microsoft.com/office/drawing/2010/main">
+              <a14:hiddenEffects xmlns:a14="http://schemas.microsoft.com/office/drawing/2010/main" xmlns="">
                 <a:effectLst>
                   <a:outerShdw blurRad="63500" dist="38099" dir="2700000" algn="ctr" rotWithShape="0">
                     <a:schemeClr val="bg2">
@@ -3144,14 +3153,14 @@
           <a:effectLst/>
           <a:extLst>
             <a:ext uri="{909E8E84-426E-40dd-AFC4-6F175D3DCCD1}">
-              <a14:hiddenFill xmlns="" xmlns:a14="http://schemas.microsoft.com/office/drawing/2010/main">
+              <a14:hiddenFill xmlns:a14="http://schemas.microsoft.com/office/drawing/2010/main" xmlns="">
                 <a:solidFill>
                   <a:schemeClr val="accent1"/>
                 </a:solidFill>
               </a14:hiddenFill>
             </a:ext>
             <a:ext uri="{91240B29-F687-4f45-9708-019B960494DF}">
-              <a14:hiddenLine xmlns="" xmlns:a14="http://schemas.microsoft.com/office/drawing/2010/main" w="9525">
+              <a14:hiddenLine xmlns:a14="http://schemas.microsoft.com/office/drawing/2010/main" xmlns="" w="9525">
                 <a:solidFill>
                   <a:schemeClr val="tx1"/>
                 </a:solidFill>
@@ -3161,7 +3170,7 @@
               </a14:hiddenLine>
             </a:ext>
             <a:ext uri="{AF507438-7753-43e0-B8FC-AC1667EBCBE1}">
-              <a14:hiddenEffects xmlns="" xmlns:a14="http://schemas.microsoft.com/office/drawing/2010/main">
+              <a14:hiddenEffects xmlns:a14="http://schemas.microsoft.com/office/drawing/2010/main" xmlns="">
                 <a:effectLst>
                   <a:outerShdw blurRad="63500" dist="38099" dir="2700000" algn="ctr" rotWithShape="0">
                     <a:schemeClr val="bg2">
@@ -3172,7 +3181,7 @@
               </a14:hiddenEffects>
             </a:ext>
             <a:ext uri="{FAA26D3D-D897-4be2-8F04-BA451C77F1D7}">
-              <ma14:placeholderFlag xmlns="" xmlns:ma14="http://schemas.microsoft.com/office/mac/drawingml/2011/main" val="1"/>
+              <ma14:placeholderFlag xmlns:ma14="http://schemas.microsoft.com/office/mac/drawingml/2011/main" xmlns="" val="1"/>
             </a:ext>
           </a:extLst>
         </p:spPr>
@@ -3741,14 +3750,14 @@
           <a:effectLst/>
           <a:extLst>
             <a:ext uri="{909E8E84-426E-40dd-AFC4-6F175D3DCCD1}">
-              <a14:hiddenFill xmlns="" xmlns:a14="http://schemas.microsoft.com/office/drawing/2010/main">
+              <a14:hiddenFill xmlns:a14="http://schemas.microsoft.com/office/drawing/2010/main" xmlns="">
                 <a:solidFill>
                   <a:schemeClr val="accent2"/>
                 </a:solidFill>
               </a14:hiddenFill>
             </a:ext>
             <a:ext uri="{91240B29-F687-4f45-9708-019B960494DF}">
-              <a14:hiddenLine xmlns="" xmlns:a14="http://schemas.microsoft.com/office/drawing/2010/main" w="9525">
+              <a14:hiddenLine xmlns:a14="http://schemas.microsoft.com/office/drawing/2010/main" xmlns="" w="9525">
                 <a:solidFill>
                   <a:schemeClr val="accent2"/>
                 </a:solidFill>
@@ -3758,7 +3767,7 @@
               </a14:hiddenLine>
             </a:ext>
             <a:ext uri="{AF507438-7753-43e0-B8FC-AC1667EBCBE1}">
-              <a14:hiddenEffects xmlns="" xmlns:a14="http://schemas.microsoft.com/office/drawing/2010/main">
+              <a14:hiddenEffects xmlns:a14="http://schemas.microsoft.com/office/drawing/2010/main" xmlns="">
                 <a:effectLst>
                   <a:outerShdw blurRad="63500" dist="38099" dir="2700000" algn="ctr" rotWithShape="0">
                     <a:schemeClr val="bg2">
@@ -3809,14 +3818,14 @@
           </a:xfrm>
           <a:extLst>
             <a:ext uri="{909E8E84-426E-40dd-AFC4-6F175D3DCCD1}">
-              <a14:hiddenFill xmlns="" xmlns:a14="http://schemas.microsoft.com/office/drawing/2010/main">
+              <a14:hiddenFill xmlns:a14="http://schemas.microsoft.com/office/drawing/2010/main" xmlns="">
                 <a:solidFill>
                   <a:schemeClr val="accent2"/>
                 </a:solidFill>
               </a14:hiddenFill>
             </a:ext>
             <a:ext uri="{91240B29-F687-4f45-9708-019B960494DF}">
-              <a14:hiddenLine xmlns="" xmlns:a14="http://schemas.microsoft.com/office/drawing/2010/main" w="9525">
+              <a14:hiddenLine xmlns:a14="http://schemas.microsoft.com/office/drawing/2010/main" xmlns="" w="9525">
                 <a:solidFill>
                   <a:schemeClr val="accent2"/>
                 </a:solidFill>
@@ -3932,7 +3941,7 @@
           <p:cNvPr id="2" name="Titel 1">
             <a:extLst>
               <a:ext uri="{FF2B5EF4-FFF2-40B4-BE49-F238E27FC236}">
-                <a16:creationId xmlns:a16="http://schemas.microsoft.com/office/drawing/2014/main" id="{E49DB72B-C4EB-7DFB-FCE5-B18DEAD14B02}"/>
+                <a16:creationId xmlns:a16="http://schemas.microsoft.com/office/drawing/2014/main" id="{6A337542-1EC9-FFF1-B800-7F0AF9DEF063}"/>
               </a:ext>
             </a:extLst>
           </p:cNvPr>
@@ -3946,7 +3955,7 @@
         <p:spPr>
           <a:xfrm>
             <a:off x="573088" y="188913"/>
-            <a:ext cx="8074025" cy="369332"/>
+            <a:ext cx="8074025" cy="738664"/>
           </a:xfrm>
         </p:spPr>
         <p:txBody>
@@ -3955,7 +3964,14 @@
           <a:p>
             <a:r>
               <a:rPr lang="de-DE" dirty="0"/>
-              <a:t>Praxisbeispiel Änderungskündigung</a:t>
+              <a:t>Einseitige Beendigung des Arbeitsverhältnisses</a:t>
+            </a:r>
+            <a:br>
+              <a:rPr lang="de-DE" dirty="0"/>
+            </a:br>
+            <a:r>
+              <a:rPr lang="de-DE" b="0" dirty="0"/>
+              <a:t>Die außerordentliche Kündigung</a:t>
             </a:r>
           </a:p>
         </p:txBody>
@@ -3965,7 +3981,7 @@
           <p:cNvPr id="3" name="Inhaltsplatzhalter 2">
             <a:extLst>
               <a:ext uri="{FF2B5EF4-FFF2-40B4-BE49-F238E27FC236}">
-                <a16:creationId xmlns:a16="http://schemas.microsoft.com/office/drawing/2014/main" id="{826EED29-EBDF-7B9C-DFE7-759CD3AACE51}"/>
+                <a16:creationId xmlns:a16="http://schemas.microsoft.com/office/drawing/2014/main" id="{3EC28CAD-1760-126C-051D-69B192E95AD4}"/>
               </a:ext>
             </a:extLst>
           </p:cNvPr>
@@ -3981,12 +3997,41 @@
           <a:bodyPr/>
           <a:lstStyle/>
           <a:p>
-            <a:pPr marL="0" indent="0">
-              <a:buNone/>
-            </a:pPr>
-            <a:r>
-              <a:rPr lang="de-DE" sz="2000" dirty="0"/>
-              <a:t>Der Arbeitgeber beschließt, den Fuhrpark auf wenige, unverzichtbare Fahrzeuge zu reduzieren. Damit verbunden ist der Wegfall des Arbeitsplatzes von Bärbel Bunt, die den Fuhrpark bislang verwaltet hat. Da in der Abteilung Einkauf eine Stelle nachbesetzt werden muss, verbindet der Arbeitgeber die Kündigung der Bärbel Bunt mit dem Angebot, das Arbeitsverhältnis zu geänderten Arbeitsbedingungen in der Abteilung Einkauf fortzusetzen.</a:t>
+            <a:r>
+              <a:rPr lang="de-DE" dirty="0"/>
+              <a:t>Dreiwochenfrist zur Klageerhebung nach §4 S. 1 KSchG</a:t>
+            </a:r>
+          </a:p>
+          <a:p>
+            <a:r>
+              <a:rPr lang="de-DE" dirty="0"/>
+              <a:t>Keine Kündigungsfrist nach §626 Abs. 1 BGB</a:t>
+            </a:r>
+          </a:p>
+          <a:p>
+            <a:r>
+              <a:rPr lang="de-DE" dirty="0"/>
+              <a:t>Nur für Ausnahmefälle </a:t>
+            </a:r>
+          </a:p>
+          <a:p>
+            <a:r>
+              <a:rPr lang="de-DE" dirty="0"/>
+              <a:t>Anforderungen</a:t>
+            </a:r>
+          </a:p>
+          <a:p>
+            <a:pPr lvl="1"/>
+            <a:r>
+              <a:rPr lang="de-DE" dirty="0"/>
+              <a:t>Wichtige Gründe aufgrund derer der Regelfall nicht zumutbar ist</a:t>
+            </a:r>
+          </a:p>
+          <a:p>
+            <a:pPr lvl="1"/>
+            <a:r>
+              <a:rPr lang="de-DE" dirty="0"/>
+              <a:t>Muss innerhalb von zwei Wochen nach Kenntnisnahme erfolgen</a:t>
             </a:r>
           </a:p>
         </p:txBody>
@@ -3996,7 +4041,7 @@
           <p:cNvPr id="4" name="Textplatzhalter 3">
             <a:extLst>
               <a:ext uri="{FF2B5EF4-FFF2-40B4-BE49-F238E27FC236}">
-                <a16:creationId xmlns:a16="http://schemas.microsoft.com/office/drawing/2014/main" id="{18AEF6BA-FC40-F87B-282A-659F653A0FFD}"/>
+                <a16:creationId xmlns:a16="http://schemas.microsoft.com/office/drawing/2014/main" id="{54EC0448-CE2D-5985-7764-ECD7171B00C2}"/>
               </a:ext>
             </a:extLst>
           </p:cNvPr>
@@ -4012,7 +4057,24 @@
           <a:bodyPr/>
           <a:lstStyle/>
           <a:p>
-            <a:endParaRPr lang="de-DE"/>
+            <a:r>
+              <a:rPr lang="de-DE" dirty="0"/>
+              <a:t>Robin Kierstein</a:t>
+            </a:r>
+          </a:p>
+          <a:p>
+            <a:r>
+              <a:rPr lang="de-DE" sz="800" kern="0" dirty="0"/>
+              <a:t>Vgl. </a:t>
+            </a:r>
+            <a:r>
+              <a:rPr lang="de-DE" sz="800" kern="0" dirty="0" err="1"/>
+              <a:t>Wolmerath</a:t>
+            </a:r>
+            <a:r>
+              <a:rPr lang="de-DE" sz="800" kern="0" dirty="0"/>
+              <a:t>, M. (2022), S. 125</a:t>
+            </a:r>
           </a:p>
         </p:txBody>
       </p:sp>
@@ -4021,7 +4083,7 @@
           <p:cNvPr id="5" name="Textplatzhalter 4">
             <a:extLst>
               <a:ext uri="{FF2B5EF4-FFF2-40B4-BE49-F238E27FC236}">
-                <a16:creationId xmlns:a16="http://schemas.microsoft.com/office/drawing/2014/main" id="{39404A89-BCB6-ABD8-54D2-69CD120A00F0}"/>
+                <a16:creationId xmlns:a16="http://schemas.microsoft.com/office/drawing/2014/main" id="{F4311258-F132-0B51-55E2-3D8EB5D7FC17}"/>
               </a:ext>
             </a:extLst>
           </p:cNvPr>
@@ -4044,7 +4106,7 @@
     </p:spTree>
     <p:extLst>
       <p:ext uri="{BB962C8B-B14F-4D97-AF65-F5344CB8AC3E}">
-        <p14:creationId xmlns:p14="http://schemas.microsoft.com/office/powerpoint/2010/main" val="3734032137"/>
+        <p14:creationId xmlns:p14="http://schemas.microsoft.com/office/powerpoint/2010/main" val="2227973568"/>
       </p:ext>
     </p:extLst>
   </p:cSld>
@@ -4084,7 +4146,7 @@
           <p:cNvPr id="2" name="Titel 1">
             <a:extLst>
               <a:ext uri="{FF2B5EF4-FFF2-40B4-BE49-F238E27FC236}">
-                <a16:creationId xmlns:a16="http://schemas.microsoft.com/office/drawing/2014/main" id="{5B33E5F4-4FBB-7220-E68C-B067FC3F35EF}"/>
+                <a16:creationId xmlns:a16="http://schemas.microsoft.com/office/drawing/2014/main" id="{92E85FD8-A437-8BD1-7FC7-F3E892D31F06}"/>
               </a:ext>
             </a:extLst>
           </p:cNvPr>
@@ -4098,7 +4160,7 @@
         <p:spPr>
           <a:xfrm>
             <a:off x="573088" y="188913"/>
-            <a:ext cx="8074025" cy="369332"/>
+            <a:ext cx="8074025" cy="738664"/>
           </a:xfrm>
         </p:spPr>
         <p:txBody>
@@ -4107,8 +4169,16 @@
           <a:p>
             <a:r>
               <a:rPr lang="de-DE" dirty="0"/>
-              <a:t>Praxisbeispiel Änderungskündigung</a:t>
-            </a:r>
+              <a:t>Die außerordentliche Kündigung</a:t>
+            </a:r>
+            <a:br>
+              <a:rPr lang="de-DE" b="0" dirty="0"/>
+            </a:br>
+            <a:r>
+              <a:rPr lang="de-DE" b="0" dirty="0"/>
+              <a:t>Wichtige Gründe</a:t>
+            </a:r>
+            <a:endParaRPr lang="de-DE" dirty="0"/>
           </a:p>
         </p:txBody>
       </p:sp>
@@ -4117,7 +4187,7 @@
           <p:cNvPr id="3" name="Inhaltsplatzhalter 2">
             <a:extLst>
               <a:ext uri="{FF2B5EF4-FFF2-40B4-BE49-F238E27FC236}">
-                <a16:creationId xmlns:a16="http://schemas.microsoft.com/office/drawing/2014/main" id="{E8B3C4E7-E9B2-C6AB-182C-CE287B000958}"/>
+                <a16:creationId xmlns:a16="http://schemas.microsoft.com/office/drawing/2014/main" id="{A2D6B0B8-2760-7B3F-9B6D-AA83275415AC}"/>
               </a:ext>
             </a:extLst>
           </p:cNvPr>
@@ -4133,12 +4203,45 @@
           <a:bodyPr/>
           <a:lstStyle/>
           <a:p>
-            <a:pPr marL="0" indent="0">
-              <a:buNone/>
-            </a:pPr>
-            <a:r>
-              <a:rPr lang="de-DE" sz="2000" dirty="0"/>
-              <a:t>Der neue Geschäftsführer kommt mit Martina Meier nicht zurecht, die als Assistentin der Geschäftsführung eingestellt wurde. So steht es auch in ihrem Arbeitsvertrag. Wenn der Geschäftsführer auf eine weitere Zusammenarbeit mit Frau Meier verzichten und sie stattdessen etwa als Teamleiterin in die Abteilung Einkauf versetzen möchte, dann kann er dies nicht im Wege der Ausübung des ihm übertragenen Weisungsrecht nach §106 S. 1 GewO bewirken. Der Arbeitsvertrag steht diesem Ansinnen im Wege, so dass er eine Änderungskündigung aussprechen muss, sofern sich Martina Meier nicht zu einer Änderung ihres Arbeitsvertrages einverstanden erklärt.</a:t>
+            <a:r>
+              <a:rPr lang="de-DE" dirty="0"/>
+              <a:t>Alkohol</a:t>
+            </a:r>
+          </a:p>
+          <a:p>
+            <a:r>
+              <a:rPr lang="de-DE" dirty="0"/>
+              <a:t>Arbeitsverweigerung</a:t>
+            </a:r>
+          </a:p>
+          <a:p>
+            <a:r>
+              <a:rPr lang="de-DE" dirty="0"/>
+              <a:t>Nebentätigkeit</a:t>
+            </a:r>
+          </a:p>
+          <a:p>
+            <a:r>
+              <a:rPr lang="de-DE" dirty="0"/>
+              <a:t>Internet- und Telefonnutzung</a:t>
+            </a:r>
+          </a:p>
+          <a:p>
+            <a:r>
+              <a:rPr lang="de-DE" dirty="0"/>
+              <a:t>Unpünktlichkeit</a:t>
+            </a:r>
+          </a:p>
+          <a:p>
+            <a:r>
+              <a:rPr lang="de-DE" dirty="0"/>
+              <a:t>Belästigung/Beleidung</a:t>
+            </a:r>
+          </a:p>
+          <a:p>
+            <a:r>
+              <a:rPr lang="de-DE" dirty="0"/>
+              <a:t>Falsche Erfassung von Arbeitszeiten</a:t>
             </a:r>
           </a:p>
         </p:txBody>
@@ -4148,7 +4251,7 @@
           <p:cNvPr id="4" name="Textplatzhalter 3">
             <a:extLst>
               <a:ext uri="{FF2B5EF4-FFF2-40B4-BE49-F238E27FC236}">
-                <a16:creationId xmlns:a16="http://schemas.microsoft.com/office/drawing/2014/main" id="{B701CF87-F836-3F89-F0E1-40851D44682F}"/>
+                <a16:creationId xmlns:a16="http://schemas.microsoft.com/office/drawing/2014/main" id="{8B9FF58A-4F75-3329-943E-CAF699A1D569}"/>
               </a:ext>
             </a:extLst>
           </p:cNvPr>
@@ -4164,7 +4267,24 @@
           <a:bodyPr/>
           <a:lstStyle/>
           <a:p>
-            <a:endParaRPr lang="de-DE"/>
+            <a:r>
+              <a:rPr lang="de-DE" dirty="0"/>
+              <a:t>Robin Kierstein</a:t>
+            </a:r>
+          </a:p>
+          <a:p>
+            <a:r>
+              <a:rPr lang="de-DE" dirty="0"/>
+              <a:t>Vgl. </a:t>
+            </a:r>
+            <a:r>
+              <a:rPr lang="de-DE" dirty="0" err="1"/>
+              <a:t>Reiserer</a:t>
+            </a:r>
+            <a:r>
+              <a:rPr lang="de-DE" dirty="0"/>
+              <a:t>, K. (2014), S. 124 f.</a:t>
+            </a:r>
           </a:p>
         </p:txBody>
       </p:sp>
@@ -4173,7 +4293,7 @@
           <p:cNvPr id="5" name="Textplatzhalter 4">
             <a:extLst>
               <a:ext uri="{FF2B5EF4-FFF2-40B4-BE49-F238E27FC236}">
-                <a16:creationId xmlns:a16="http://schemas.microsoft.com/office/drawing/2014/main" id="{ED2335F2-110A-EA59-7323-9C05301362D1}"/>
+                <a16:creationId xmlns:a16="http://schemas.microsoft.com/office/drawing/2014/main" id="{57130E50-A7BA-D757-1FF0-BCDF5CC92D66}"/>
               </a:ext>
             </a:extLst>
           </p:cNvPr>
@@ -4196,7 +4316,7 @@
     </p:spTree>
     <p:extLst>
       <p:ext uri="{BB962C8B-B14F-4D97-AF65-F5344CB8AC3E}">
-        <p14:creationId xmlns:p14="http://schemas.microsoft.com/office/powerpoint/2010/main" val="3146841271"/>
+        <p14:creationId xmlns:p14="http://schemas.microsoft.com/office/powerpoint/2010/main" val="3570997825"/>
       </p:ext>
     </p:extLst>
   </p:cSld>
@@ -4236,6 +4356,1352 @@
           <p:cNvPr id="2" name="Titel 1">
             <a:extLst>
               <a:ext uri="{FF2B5EF4-FFF2-40B4-BE49-F238E27FC236}">
+                <a16:creationId xmlns:a16="http://schemas.microsoft.com/office/drawing/2014/main" id="{C14BF76C-D149-200F-6851-70577A9B201E}"/>
+              </a:ext>
+            </a:extLst>
+          </p:cNvPr>
+          <p:cNvSpPr>
+            <a:spLocks noGrp="1"/>
+          </p:cNvSpPr>
+          <p:nvPr>
+            <p:ph type="title"/>
+          </p:nvPr>
+        </p:nvSpPr>
+        <p:spPr>
+          <a:xfrm>
+            <a:off x="573088" y="188913"/>
+            <a:ext cx="8074025" cy="738664"/>
+          </a:xfrm>
+        </p:spPr>
+        <p:txBody>
+          <a:bodyPr/>
+          <a:lstStyle/>
+          <a:p>
+            <a:r>
+              <a:rPr lang="de-DE" dirty="0"/>
+              <a:t>Die außerordentliche Kündigung</a:t>
+            </a:r>
+            <a:br>
+              <a:rPr lang="de-DE" dirty="0"/>
+            </a:br>
+            <a:r>
+              <a:rPr lang="de-DE" b="0" dirty="0"/>
+              <a:t>Praxisbeispiel</a:t>
+            </a:r>
+          </a:p>
+        </p:txBody>
+      </p:sp>
+      <p:sp>
+        <p:nvSpPr>
+          <p:cNvPr id="3" name="Inhaltsplatzhalter 2">
+            <a:extLst>
+              <a:ext uri="{FF2B5EF4-FFF2-40B4-BE49-F238E27FC236}">
+                <a16:creationId xmlns:a16="http://schemas.microsoft.com/office/drawing/2014/main" id="{FEB7943B-FDD4-5162-9A03-D3A0B1159440}"/>
+              </a:ext>
+            </a:extLst>
+          </p:cNvPr>
+          <p:cNvSpPr>
+            <a:spLocks noGrp="1"/>
+          </p:cNvSpPr>
+          <p:nvPr>
+            <p:ph idx="1"/>
+          </p:nvPr>
+        </p:nvSpPr>
+        <p:spPr/>
+        <p:txBody>
+          <a:bodyPr/>
+          <a:lstStyle/>
+          <a:p>
+            <a:r>
+              <a:rPr lang="de-DE" dirty="0"/>
+              <a:t>Fritz Fischer arbeitet im Home-Office</a:t>
+            </a:r>
+          </a:p>
+          <a:p>
+            <a:r>
+              <a:rPr lang="de-DE" dirty="0"/>
+              <a:t>Erfassung von Arbeitszeit und Pausen durch Formular mit Unterschrift</a:t>
+            </a:r>
+          </a:p>
+          <a:p>
+            <a:r>
+              <a:rPr lang="de-DE" dirty="0"/>
+              <a:t>Eine Überprüfung zeigt fast 400 Überstunden über 3 Jahre</a:t>
+            </a:r>
+          </a:p>
+          <a:p>
+            <a:r>
+              <a:rPr lang="de-DE" dirty="0"/>
+              <a:t>Die Überstunden wurden nachweislich nicht geleistet</a:t>
+            </a:r>
+          </a:p>
+          <a:p>
+            <a:r>
+              <a:rPr lang="de-DE" dirty="0"/>
+              <a:t>Fritz Fischer ist uneinsichtig</a:t>
+            </a:r>
+          </a:p>
+          <a:p>
+            <a:r>
+              <a:rPr lang="de-DE" dirty="0"/>
+              <a:t>Was kann der Arbeitgeber tun?</a:t>
+            </a:r>
+          </a:p>
+        </p:txBody>
+      </p:sp>
+      <p:sp>
+        <p:nvSpPr>
+          <p:cNvPr id="4" name="Textplatzhalter 3">
+            <a:extLst>
+              <a:ext uri="{FF2B5EF4-FFF2-40B4-BE49-F238E27FC236}">
+                <a16:creationId xmlns:a16="http://schemas.microsoft.com/office/drawing/2014/main" id="{F36C306B-B48C-E425-2DCA-FBDA8707ECBC}"/>
+              </a:ext>
+            </a:extLst>
+          </p:cNvPr>
+          <p:cNvSpPr>
+            <a:spLocks noGrp="1"/>
+          </p:cNvSpPr>
+          <p:nvPr>
+            <p:ph type="body" sz="quarter" idx="11"/>
+          </p:nvPr>
+        </p:nvSpPr>
+        <p:spPr/>
+        <p:txBody>
+          <a:bodyPr/>
+          <a:lstStyle/>
+          <a:p>
+            <a:r>
+              <a:rPr lang="de-DE" dirty="0"/>
+              <a:t>Robin Kierstein</a:t>
+            </a:r>
+          </a:p>
+          <a:p>
+            <a:r>
+              <a:rPr lang="de-DE" sz="800" kern="0" dirty="0"/>
+              <a:t>Vgl. </a:t>
+            </a:r>
+            <a:r>
+              <a:rPr lang="de-DE" sz="800" kern="0" dirty="0" err="1"/>
+              <a:t>Wolmerath</a:t>
+            </a:r>
+            <a:r>
+              <a:rPr lang="de-DE" sz="800" kern="0" dirty="0"/>
+              <a:t>, M. (2022), S. 126</a:t>
+            </a:r>
+          </a:p>
+        </p:txBody>
+      </p:sp>
+      <p:sp>
+        <p:nvSpPr>
+          <p:cNvPr id="5" name="Textplatzhalter 4">
+            <a:extLst>
+              <a:ext uri="{FF2B5EF4-FFF2-40B4-BE49-F238E27FC236}">
+                <a16:creationId xmlns:a16="http://schemas.microsoft.com/office/drawing/2014/main" id="{95B34EED-C743-01E3-DB9E-687BAFAEFE5B}"/>
+              </a:ext>
+            </a:extLst>
+          </p:cNvPr>
+          <p:cNvSpPr>
+            <a:spLocks noGrp="1"/>
+          </p:cNvSpPr>
+          <p:nvPr>
+            <p:ph type="body" sz="quarter" idx="12"/>
+          </p:nvPr>
+        </p:nvSpPr>
+        <p:spPr/>
+        <p:txBody>
+          <a:bodyPr/>
+          <a:lstStyle/>
+          <a:p>
+            <a:endParaRPr lang="de-DE"/>
+          </a:p>
+        </p:txBody>
+      </p:sp>
+    </p:spTree>
+    <p:extLst>
+      <p:ext uri="{BB962C8B-B14F-4D97-AF65-F5344CB8AC3E}">
+        <p14:creationId xmlns:p14="http://schemas.microsoft.com/office/powerpoint/2010/main" val="4222792710"/>
+      </p:ext>
+    </p:extLst>
+  </p:cSld>
+  <p:clrMapOvr>
+    <a:masterClrMapping/>
+  </p:clrMapOvr>
+  <mc:AlternateContent xmlns:mc="http://schemas.openxmlformats.org/markup-compatibility/2006" xmlns:p14="http://schemas.microsoft.com/office/powerpoint/2010/main">
+    <mc:Choice Requires="p14">
+      <p:transition p14:dur="10"/>
+    </mc:Choice>
+    <mc:Fallback xmlns="">
+      <p:transition/>
+    </mc:Fallback>
+  </mc:AlternateContent>
+</p:sld>
+</file>
+
+<file path=ppt/slides/slide13.xml><?xml version="1.0" encoding="utf-8"?>
+<p:sld xmlns:a="http://schemas.openxmlformats.org/drawingml/2006/main" xmlns:r="http://schemas.openxmlformats.org/officeDocument/2006/relationships" xmlns:p="http://schemas.openxmlformats.org/presentationml/2006/main">
+  <p:cSld>
+    <p:spTree>
+      <p:nvGrpSpPr>
+        <p:cNvPr id="1" name=""/>
+        <p:cNvGrpSpPr/>
+        <p:nvPr/>
+      </p:nvGrpSpPr>
+      <p:grpSpPr>
+        <a:xfrm>
+          <a:off x="0" y="0"/>
+          <a:ext cx="0" cy="0"/>
+          <a:chOff x="0" y="0"/>
+          <a:chExt cx="0" cy="0"/>
+        </a:xfrm>
+      </p:grpSpPr>
+      <p:sp>
+        <p:nvSpPr>
+          <p:cNvPr id="2" name="Titel 1">
+            <a:extLst>
+              <a:ext uri="{FF2B5EF4-FFF2-40B4-BE49-F238E27FC236}">
+                <a16:creationId xmlns:a16="http://schemas.microsoft.com/office/drawing/2014/main" id="{EE0B672C-CECB-0C42-387C-D6D2EC55FF00}"/>
+              </a:ext>
+            </a:extLst>
+          </p:cNvPr>
+          <p:cNvSpPr>
+            <a:spLocks noGrp="1"/>
+          </p:cNvSpPr>
+          <p:nvPr>
+            <p:ph type="title"/>
+          </p:nvPr>
+        </p:nvSpPr>
+        <p:spPr>
+          <a:xfrm>
+            <a:off x="573088" y="188913"/>
+            <a:ext cx="8074025" cy="738664"/>
+          </a:xfrm>
+        </p:spPr>
+        <p:txBody>
+          <a:bodyPr/>
+          <a:lstStyle/>
+          <a:p>
+            <a:r>
+              <a:rPr lang="de-DE" dirty="0"/>
+              <a:t>Die außerordentliche Kündigung</a:t>
+            </a:r>
+            <a:br>
+              <a:rPr lang="de-DE" dirty="0"/>
+            </a:br>
+            <a:r>
+              <a:rPr lang="de-DE" b="0" dirty="0"/>
+              <a:t>Praxisbeispiel - Lösung</a:t>
+            </a:r>
+            <a:endParaRPr lang="de-DE" dirty="0"/>
+          </a:p>
+        </p:txBody>
+      </p:sp>
+      <p:sp>
+        <p:nvSpPr>
+          <p:cNvPr id="3" name="Inhaltsplatzhalter 2">
+            <a:extLst>
+              <a:ext uri="{FF2B5EF4-FFF2-40B4-BE49-F238E27FC236}">
+                <a16:creationId xmlns:a16="http://schemas.microsoft.com/office/drawing/2014/main" id="{823ACE64-C49C-F335-EE7B-7229DA9969B8}"/>
+              </a:ext>
+            </a:extLst>
+          </p:cNvPr>
+          <p:cNvSpPr>
+            <a:spLocks noGrp="1"/>
+          </p:cNvSpPr>
+          <p:nvPr>
+            <p:ph idx="1"/>
+          </p:nvPr>
+        </p:nvSpPr>
+        <p:spPr/>
+        <p:txBody>
+          <a:bodyPr/>
+          <a:lstStyle/>
+          <a:p>
+            <a:r>
+              <a:rPr lang="de-DE" dirty="0"/>
+              <a:t>Der Arbeitgeber kündigt das Arbeitsverhältnis fristlos</a:t>
+            </a:r>
+          </a:p>
+          <a:p>
+            <a:r>
+              <a:rPr lang="de-DE" dirty="0"/>
+              <a:t>§626 BGB</a:t>
+            </a:r>
+          </a:p>
+        </p:txBody>
+      </p:sp>
+      <p:sp>
+        <p:nvSpPr>
+          <p:cNvPr id="4" name="Textplatzhalter 3">
+            <a:extLst>
+              <a:ext uri="{FF2B5EF4-FFF2-40B4-BE49-F238E27FC236}">
+                <a16:creationId xmlns:a16="http://schemas.microsoft.com/office/drawing/2014/main" id="{1857BB40-AA79-0A3C-37EE-018969AB6B7A}"/>
+              </a:ext>
+            </a:extLst>
+          </p:cNvPr>
+          <p:cNvSpPr>
+            <a:spLocks noGrp="1"/>
+          </p:cNvSpPr>
+          <p:nvPr>
+            <p:ph type="body" sz="quarter" idx="11"/>
+          </p:nvPr>
+        </p:nvSpPr>
+        <p:spPr/>
+        <p:txBody>
+          <a:bodyPr/>
+          <a:lstStyle/>
+          <a:p>
+            <a:r>
+              <a:rPr lang="de-DE" dirty="0"/>
+              <a:t>Robin Kierstein</a:t>
+            </a:r>
+          </a:p>
+          <a:p>
+            <a:r>
+              <a:rPr lang="de-DE" sz="800" kern="0" dirty="0"/>
+              <a:t>Vgl. </a:t>
+            </a:r>
+            <a:r>
+              <a:rPr lang="de-DE" sz="800" kern="0" dirty="0" err="1"/>
+              <a:t>Wolmerath</a:t>
+            </a:r>
+            <a:r>
+              <a:rPr lang="de-DE" sz="800" kern="0" dirty="0"/>
+              <a:t>, M. (2022), S. 126</a:t>
+            </a:r>
+          </a:p>
+        </p:txBody>
+      </p:sp>
+      <p:sp>
+        <p:nvSpPr>
+          <p:cNvPr id="5" name="Textplatzhalter 4">
+            <a:extLst>
+              <a:ext uri="{FF2B5EF4-FFF2-40B4-BE49-F238E27FC236}">
+                <a16:creationId xmlns:a16="http://schemas.microsoft.com/office/drawing/2014/main" id="{F28A51C6-B7CD-5B6C-DD91-9C13EC2ECF38}"/>
+              </a:ext>
+            </a:extLst>
+          </p:cNvPr>
+          <p:cNvSpPr>
+            <a:spLocks noGrp="1"/>
+          </p:cNvSpPr>
+          <p:nvPr>
+            <p:ph type="body" sz="quarter" idx="12"/>
+          </p:nvPr>
+        </p:nvSpPr>
+        <p:spPr/>
+        <p:txBody>
+          <a:bodyPr/>
+          <a:lstStyle/>
+          <a:p>
+            <a:endParaRPr lang="de-DE"/>
+          </a:p>
+        </p:txBody>
+      </p:sp>
+    </p:spTree>
+    <p:extLst>
+      <p:ext uri="{BB962C8B-B14F-4D97-AF65-F5344CB8AC3E}">
+        <p14:creationId xmlns:p14="http://schemas.microsoft.com/office/powerpoint/2010/main" val="465228522"/>
+      </p:ext>
+    </p:extLst>
+  </p:cSld>
+  <p:clrMapOvr>
+    <a:masterClrMapping/>
+  </p:clrMapOvr>
+  <mc:AlternateContent xmlns:mc="http://schemas.openxmlformats.org/markup-compatibility/2006" xmlns:p14="http://schemas.microsoft.com/office/powerpoint/2010/main">
+    <mc:Choice Requires="p14">
+      <p:transition p14:dur="10"/>
+    </mc:Choice>
+    <mc:Fallback xmlns="">
+      <p:transition/>
+    </mc:Fallback>
+  </mc:AlternateContent>
+</p:sld>
+</file>
+
+<file path=ppt/slides/slide14.xml><?xml version="1.0" encoding="utf-8"?>
+<p:sld xmlns:a="http://schemas.openxmlformats.org/drawingml/2006/main" xmlns:r="http://schemas.openxmlformats.org/officeDocument/2006/relationships" xmlns:p="http://schemas.openxmlformats.org/presentationml/2006/main">
+  <p:cSld>
+    <p:spTree>
+      <p:nvGrpSpPr>
+        <p:cNvPr id="1" name=""/>
+        <p:cNvGrpSpPr/>
+        <p:nvPr/>
+      </p:nvGrpSpPr>
+      <p:grpSpPr>
+        <a:xfrm>
+          <a:off x="0" y="0"/>
+          <a:ext cx="0" cy="0"/>
+          <a:chOff x="0" y="0"/>
+          <a:chExt cx="0" cy="0"/>
+        </a:xfrm>
+      </p:grpSpPr>
+      <p:sp>
+        <p:nvSpPr>
+          <p:cNvPr id="2" name="Titel 1">
+            <a:extLst>
+              <a:ext uri="{FF2B5EF4-FFF2-40B4-BE49-F238E27FC236}">
+                <a16:creationId xmlns:a16="http://schemas.microsoft.com/office/drawing/2014/main" id="{969F001F-8F34-E08B-4221-7B72D03A08C9}"/>
+              </a:ext>
+            </a:extLst>
+          </p:cNvPr>
+          <p:cNvSpPr>
+            <a:spLocks noGrp="1"/>
+          </p:cNvSpPr>
+          <p:nvPr>
+            <p:ph type="title"/>
+          </p:nvPr>
+        </p:nvSpPr>
+        <p:spPr>
+          <a:xfrm>
+            <a:off x="573088" y="188913"/>
+            <a:ext cx="8074025" cy="738664"/>
+          </a:xfrm>
+        </p:spPr>
+        <p:txBody>
+          <a:bodyPr/>
+          <a:lstStyle/>
+          <a:p>
+            <a:r>
+              <a:rPr lang="de-DE" dirty="0"/>
+              <a:t>Einseitige Beendigung des Arbeitsverhältnisses</a:t>
+            </a:r>
+            <a:br>
+              <a:rPr lang="de-DE" dirty="0"/>
+            </a:br>
+            <a:r>
+              <a:rPr lang="de-DE" b="0" dirty="0"/>
+              <a:t>Die Änderungskündigung</a:t>
+            </a:r>
+          </a:p>
+        </p:txBody>
+      </p:sp>
+      <p:sp>
+        <p:nvSpPr>
+          <p:cNvPr id="3" name="Inhaltsplatzhalter 2">
+            <a:extLst>
+              <a:ext uri="{FF2B5EF4-FFF2-40B4-BE49-F238E27FC236}">
+                <a16:creationId xmlns:a16="http://schemas.microsoft.com/office/drawing/2014/main" id="{191D54B7-2DE4-9583-CBD2-EF375384ACCC}"/>
+              </a:ext>
+            </a:extLst>
+          </p:cNvPr>
+          <p:cNvSpPr>
+            <a:spLocks noGrp="1"/>
+          </p:cNvSpPr>
+          <p:nvPr>
+            <p:ph idx="1"/>
+          </p:nvPr>
+        </p:nvSpPr>
+        <p:spPr/>
+        <p:txBody>
+          <a:bodyPr/>
+          <a:lstStyle/>
+          <a:p>
+            <a:r>
+              <a:rPr lang="de-DE" dirty="0"/>
+              <a:t>Kündigung wird mit einem Angebot verbunden</a:t>
+            </a:r>
+          </a:p>
+          <a:p>
+            <a:r>
+              <a:rPr lang="de-DE" dirty="0"/>
+              <a:t>Arbeitsverhältnis kann zu geänderten Konditionen fortgesetzt werden</a:t>
+            </a:r>
+          </a:p>
+          <a:p>
+            <a:r>
+              <a:rPr lang="de-DE" dirty="0"/>
+              <a:t>Gekündigter hat die Wahl</a:t>
+            </a:r>
+          </a:p>
+          <a:p>
+            <a:r>
+              <a:rPr lang="de-DE" dirty="0"/>
+              <a:t>Meist von Arbeitgeber verwendet</a:t>
+            </a:r>
+          </a:p>
+          <a:p>
+            <a:r>
+              <a:rPr lang="de-DE" dirty="0"/>
+              <a:t>Zugewiesene Arbeit muss mit Weisungsrecht übereinstimmen</a:t>
+            </a:r>
+          </a:p>
+          <a:p>
+            <a:r>
+              <a:rPr lang="de-DE" dirty="0"/>
+              <a:t>Bsp. Inhalt/Ort der Arbeitsleistung, Arbeitszeiten</a:t>
+            </a:r>
+          </a:p>
+        </p:txBody>
+      </p:sp>
+      <p:sp>
+        <p:nvSpPr>
+          <p:cNvPr id="4" name="Textplatzhalter 3">
+            <a:extLst>
+              <a:ext uri="{FF2B5EF4-FFF2-40B4-BE49-F238E27FC236}">
+                <a16:creationId xmlns:a16="http://schemas.microsoft.com/office/drawing/2014/main" id="{0AB1DAAC-D3E8-6919-1FDD-3A5CB2C3F336}"/>
+              </a:ext>
+            </a:extLst>
+          </p:cNvPr>
+          <p:cNvSpPr>
+            <a:spLocks noGrp="1"/>
+          </p:cNvSpPr>
+          <p:nvPr>
+            <p:ph type="body" sz="quarter" idx="11"/>
+          </p:nvPr>
+        </p:nvSpPr>
+        <p:spPr/>
+        <p:txBody>
+          <a:bodyPr/>
+          <a:lstStyle/>
+          <a:p>
+            <a:r>
+              <a:rPr lang="de-DE" dirty="0"/>
+              <a:t>Robin Kierstein</a:t>
+            </a:r>
+          </a:p>
+          <a:p>
+            <a:r>
+              <a:rPr lang="de-DE" dirty="0"/>
+              <a:t>Vgl. </a:t>
+            </a:r>
+            <a:r>
+              <a:rPr lang="de-DE" dirty="0" err="1"/>
+              <a:t>Reiserer</a:t>
+            </a:r>
+            <a:r>
+              <a:rPr lang="de-DE" dirty="0"/>
+              <a:t>, K. (2014), S. 267 f.</a:t>
+            </a:r>
+          </a:p>
+        </p:txBody>
+      </p:sp>
+      <p:sp>
+        <p:nvSpPr>
+          <p:cNvPr id="5" name="Textplatzhalter 4">
+            <a:extLst>
+              <a:ext uri="{FF2B5EF4-FFF2-40B4-BE49-F238E27FC236}">
+                <a16:creationId xmlns:a16="http://schemas.microsoft.com/office/drawing/2014/main" id="{B1E682C8-3859-4C8D-29D3-857A2681A671}"/>
+              </a:ext>
+            </a:extLst>
+          </p:cNvPr>
+          <p:cNvSpPr>
+            <a:spLocks noGrp="1"/>
+          </p:cNvSpPr>
+          <p:nvPr>
+            <p:ph type="body" sz="quarter" idx="12"/>
+          </p:nvPr>
+        </p:nvSpPr>
+        <p:spPr/>
+        <p:txBody>
+          <a:bodyPr/>
+          <a:lstStyle/>
+          <a:p>
+            <a:endParaRPr lang="de-DE"/>
+          </a:p>
+        </p:txBody>
+      </p:sp>
+    </p:spTree>
+    <p:extLst>
+      <p:ext uri="{BB962C8B-B14F-4D97-AF65-F5344CB8AC3E}">
+        <p14:creationId xmlns:p14="http://schemas.microsoft.com/office/powerpoint/2010/main" val="2187927598"/>
+      </p:ext>
+    </p:extLst>
+  </p:cSld>
+  <p:clrMapOvr>
+    <a:masterClrMapping/>
+  </p:clrMapOvr>
+  <mc:AlternateContent xmlns:mc="http://schemas.openxmlformats.org/markup-compatibility/2006" xmlns:p14="http://schemas.microsoft.com/office/powerpoint/2010/main">
+    <mc:Choice Requires="p14">
+      <p:transition p14:dur="10"/>
+    </mc:Choice>
+    <mc:Fallback xmlns="">
+      <p:transition/>
+    </mc:Fallback>
+  </mc:AlternateContent>
+</p:sld>
+</file>
+
+<file path=ppt/slides/slide15.xml><?xml version="1.0" encoding="utf-8"?>
+<p:sld xmlns:a="http://schemas.openxmlformats.org/drawingml/2006/main" xmlns:r="http://schemas.openxmlformats.org/officeDocument/2006/relationships" xmlns:p="http://schemas.openxmlformats.org/presentationml/2006/main">
+  <p:cSld>
+    <p:spTree>
+      <p:nvGrpSpPr>
+        <p:cNvPr id="1" name=""/>
+        <p:cNvGrpSpPr/>
+        <p:nvPr/>
+      </p:nvGrpSpPr>
+      <p:grpSpPr>
+        <a:xfrm>
+          <a:off x="0" y="0"/>
+          <a:ext cx="0" cy="0"/>
+          <a:chOff x="0" y="0"/>
+          <a:chExt cx="0" cy="0"/>
+        </a:xfrm>
+      </p:grpSpPr>
+      <p:sp>
+        <p:nvSpPr>
+          <p:cNvPr id="2" name="Titel 1">
+            <a:extLst>
+              <a:ext uri="{FF2B5EF4-FFF2-40B4-BE49-F238E27FC236}">
+                <a16:creationId xmlns:a16="http://schemas.microsoft.com/office/drawing/2014/main" id="{E49DB72B-C4EB-7DFB-FCE5-B18DEAD14B02}"/>
+              </a:ext>
+            </a:extLst>
+          </p:cNvPr>
+          <p:cNvSpPr>
+            <a:spLocks noGrp="1"/>
+          </p:cNvSpPr>
+          <p:nvPr>
+            <p:ph type="title"/>
+          </p:nvPr>
+        </p:nvSpPr>
+        <p:spPr>
+          <a:xfrm>
+            <a:off x="573088" y="188913"/>
+            <a:ext cx="8074025" cy="738664"/>
+          </a:xfrm>
+        </p:spPr>
+        <p:txBody>
+          <a:bodyPr/>
+          <a:lstStyle/>
+          <a:p>
+            <a:r>
+              <a:rPr lang="de-DE" dirty="0"/>
+              <a:t>Die Änderungskündigung</a:t>
+            </a:r>
+            <a:br>
+              <a:rPr lang="de-DE" dirty="0"/>
+            </a:br>
+            <a:r>
+              <a:rPr lang="de-DE" b="0" dirty="0"/>
+              <a:t>Praxisbeispiel</a:t>
+            </a:r>
+          </a:p>
+        </p:txBody>
+      </p:sp>
+      <p:sp>
+        <p:nvSpPr>
+          <p:cNvPr id="3" name="Inhaltsplatzhalter 2">
+            <a:extLst>
+              <a:ext uri="{FF2B5EF4-FFF2-40B4-BE49-F238E27FC236}">
+                <a16:creationId xmlns:a16="http://schemas.microsoft.com/office/drawing/2014/main" id="{826EED29-EBDF-7B9C-DFE7-759CD3AACE51}"/>
+              </a:ext>
+            </a:extLst>
+          </p:cNvPr>
+          <p:cNvSpPr>
+            <a:spLocks noGrp="1"/>
+          </p:cNvSpPr>
+          <p:nvPr>
+            <p:ph idx="1"/>
+          </p:nvPr>
+        </p:nvSpPr>
+        <p:spPr/>
+        <p:txBody>
+          <a:bodyPr/>
+          <a:lstStyle/>
+          <a:p>
+            <a:r>
+              <a:rPr lang="de-DE" dirty="0"/>
+              <a:t>Bärbel Bunt verwaltet den Fuhrpark</a:t>
+            </a:r>
+          </a:p>
+          <a:p>
+            <a:r>
+              <a:rPr lang="de-DE" dirty="0"/>
+              <a:t>Der Fuhrpark wird reduziert</a:t>
+            </a:r>
+          </a:p>
+          <a:p>
+            <a:r>
+              <a:rPr lang="de-DE" dirty="0"/>
+              <a:t>Der Arbeitsplatz von Bärbel Bunt fällt weg</a:t>
+            </a:r>
+          </a:p>
+          <a:p>
+            <a:r>
+              <a:rPr lang="de-DE" dirty="0"/>
+              <a:t>Im Einkauf muss eine Stelle besetzt werden</a:t>
+            </a:r>
+          </a:p>
+          <a:p>
+            <a:r>
+              <a:rPr lang="de-DE" dirty="0"/>
+              <a:t>Was kann der Arbeitgeber tun?</a:t>
+            </a:r>
+          </a:p>
+        </p:txBody>
+      </p:sp>
+      <p:sp>
+        <p:nvSpPr>
+          <p:cNvPr id="4" name="Textplatzhalter 3">
+            <a:extLst>
+              <a:ext uri="{FF2B5EF4-FFF2-40B4-BE49-F238E27FC236}">
+                <a16:creationId xmlns:a16="http://schemas.microsoft.com/office/drawing/2014/main" id="{18AEF6BA-FC40-F87B-282A-659F653A0FFD}"/>
+              </a:ext>
+            </a:extLst>
+          </p:cNvPr>
+          <p:cNvSpPr>
+            <a:spLocks noGrp="1"/>
+          </p:cNvSpPr>
+          <p:nvPr>
+            <p:ph type="body" sz="quarter" idx="11"/>
+          </p:nvPr>
+        </p:nvSpPr>
+        <p:spPr/>
+        <p:txBody>
+          <a:bodyPr/>
+          <a:lstStyle/>
+          <a:p>
+            <a:r>
+              <a:rPr lang="de-DE" dirty="0"/>
+              <a:t>Robin Kierstein</a:t>
+            </a:r>
+          </a:p>
+          <a:p>
+            <a:r>
+              <a:rPr lang="de-DE" sz="800" kern="0" dirty="0"/>
+              <a:t>Vgl. </a:t>
+            </a:r>
+            <a:r>
+              <a:rPr lang="de-DE" sz="800" kern="0" dirty="0" err="1"/>
+              <a:t>Wolmerath</a:t>
+            </a:r>
+            <a:r>
+              <a:rPr lang="de-DE" sz="800" kern="0" dirty="0"/>
+              <a:t>, M. (2022), S. 127</a:t>
+            </a:r>
+          </a:p>
+        </p:txBody>
+      </p:sp>
+      <p:sp>
+        <p:nvSpPr>
+          <p:cNvPr id="5" name="Textplatzhalter 4">
+            <a:extLst>
+              <a:ext uri="{FF2B5EF4-FFF2-40B4-BE49-F238E27FC236}">
+                <a16:creationId xmlns:a16="http://schemas.microsoft.com/office/drawing/2014/main" id="{39404A89-BCB6-ABD8-54D2-69CD120A00F0}"/>
+              </a:ext>
+            </a:extLst>
+          </p:cNvPr>
+          <p:cNvSpPr>
+            <a:spLocks noGrp="1"/>
+          </p:cNvSpPr>
+          <p:nvPr>
+            <p:ph type="body" sz="quarter" idx="12"/>
+          </p:nvPr>
+        </p:nvSpPr>
+        <p:spPr/>
+        <p:txBody>
+          <a:bodyPr/>
+          <a:lstStyle/>
+          <a:p>
+            <a:endParaRPr lang="de-DE"/>
+          </a:p>
+        </p:txBody>
+      </p:sp>
+    </p:spTree>
+    <p:extLst>
+      <p:ext uri="{BB962C8B-B14F-4D97-AF65-F5344CB8AC3E}">
+        <p14:creationId xmlns:p14="http://schemas.microsoft.com/office/powerpoint/2010/main" val="3734032137"/>
+      </p:ext>
+    </p:extLst>
+  </p:cSld>
+  <p:clrMapOvr>
+    <a:masterClrMapping/>
+  </p:clrMapOvr>
+  <mc:AlternateContent xmlns:mc="http://schemas.openxmlformats.org/markup-compatibility/2006" xmlns:p14="http://schemas.microsoft.com/office/powerpoint/2010/main">
+    <mc:Choice Requires="p14">
+      <p:transition p14:dur="10"/>
+    </mc:Choice>
+    <mc:Fallback xmlns="">
+      <p:transition/>
+    </mc:Fallback>
+  </mc:AlternateContent>
+</p:sld>
+</file>
+
+<file path=ppt/slides/slide16.xml><?xml version="1.0" encoding="utf-8"?>
+<p:sld xmlns:a="http://schemas.openxmlformats.org/drawingml/2006/main" xmlns:r="http://schemas.openxmlformats.org/officeDocument/2006/relationships" xmlns:p="http://schemas.openxmlformats.org/presentationml/2006/main">
+  <p:cSld>
+    <p:spTree>
+      <p:nvGrpSpPr>
+        <p:cNvPr id="1" name=""/>
+        <p:cNvGrpSpPr/>
+        <p:nvPr/>
+      </p:nvGrpSpPr>
+      <p:grpSpPr>
+        <a:xfrm>
+          <a:off x="0" y="0"/>
+          <a:ext cx="0" cy="0"/>
+          <a:chOff x="0" y="0"/>
+          <a:chExt cx="0" cy="0"/>
+        </a:xfrm>
+      </p:grpSpPr>
+      <p:sp>
+        <p:nvSpPr>
+          <p:cNvPr id="2" name="Titel 1">
+            <a:extLst>
+              <a:ext uri="{FF2B5EF4-FFF2-40B4-BE49-F238E27FC236}">
+                <a16:creationId xmlns:a16="http://schemas.microsoft.com/office/drawing/2014/main" id="{04A52144-D1B6-E230-5DCA-D24B8AD67DB2}"/>
+              </a:ext>
+            </a:extLst>
+          </p:cNvPr>
+          <p:cNvSpPr>
+            <a:spLocks noGrp="1"/>
+          </p:cNvSpPr>
+          <p:nvPr>
+            <p:ph type="title"/>
+          </p:nvPr>
+        </p:nvSpPr>
+        <p:spPr>
+          <a:xfrm>
+            <a:off x="573088" y="188913"/>
+            <a:ext cx="8074025" cy="738664"/>
+          </a:xfrm>
+        </p:spPr>
+        <p:txBody>
+          <a:bodyPr/>
+          <a:lstStyle/>
+          <a:p>
+            <a:r>
+              <a:rPr lang="de-DE" dirty="0"/>
+              <a:t>Die Änderungskündigung</a:t>
+            </a:r>
+            <a:br>
+              <a:rPr lang="de-DE" dirty="0"/>
+            </a:br>
+            <a:r>
+              <a:rPr lang="de-DE" b="0" dirty="0"/>
+              <a:t>Praxisbeispiel - Lösung</a:t>
+            </a:r>
+            <a:endParaRPr lang="de-DE" dirty="0"/>
+          </a:p>
+        </p:txBody>
+      </p:sp>
+      <p:sp>
+        <p:nvSpPr>
+          <p:cNvPr id="3" name="Inhaltsplatzhalter 2">
+            <a:extLst>
+              <a:ext uri="{FF2B5EF4-FFF2-40B4-BE49-F238E27FC236}">
+                <a16:creationId xmlns:a16="http://schemas.microsoft.com/office/drawing/2014/main" id="{4559B06D-8031-A763-F782-CBAAD42D58DD}"/>
+              </a:ext>
+            </a:extLst>
+          </p:cNvPr>
+          <p:cNvSpPr>
+            <a:spLocks noGrp="1"/>
+          </p:cNvSpPr>
+          <p:nvPr>
+            <p:ph idx="1"/>
+          </p:nvPr>
+        </p:nvSpPr>
+        <p:spPr/>
+        <p:txBody>
+          <a:bodyPr/>
+          <a:lstStyle/>
+          <a:p>
+            <a:r>
+              <a:rPr lang="de-DE" dirty="0"/>
+              <a:t>Der Arbeitgeber kündigt Bärbel Bunt</a:t>
+            </a:r>
+          </a:p>
+          <a:p>
+            <a:r>
+              <a:rPr lang="de-DE" dirty="0"/>
+              <a:t>Bärbel Bunt erhält das Angebot nun im Einkauf zu arbeiten</a:t>
+            </a:r>
+          </a:p>
+        </p:txBody>
+      </p:sp>
+      <p:sp>
+        <p:nvSpPr>
+          <p:cNvPr id="4" name="Textplatzhalter 3">
+            <a:extLst>
+              <a:ext uri="{FF2B5EF4-FFF2-40B4-BE49-F238E27FC236}">
+                <a16:creationId xmlns:a16="http://schemas.microsoft.com/office/drawing/2014/main" id="{13ACFA02-A874-392D-ECE2-536F86361D0D}"/>
+              </a:ext>
+            </a:extLst>
+          </p:cNvPr>
+          <p:cNvSpPr>
+            <a:spLocks noGrp="1"/>
+          </p:cNvSpPr>
+          <p:nvPr>
+            <p:ph type="body" sz="quarter" idx="11"/>
+          </p:nvPr>
+        </p:nvSpPr>
+        <p:spPr/>
+        <p:txBody>
+          <a:bodyPr/>
+          <a:lstStyle/>
+          <a:p>
+            <a:r>
+              <a:rPr lang="de-DE" dirty="0"/>
+              <a:t>Robin Kierstein</a:t>
+            </a:r>
+          </a:p>
+          <a:p>
+            <a:r>
+              <a:rPr lang="de-DE" sz="800" kern="0" dirty="0"/>
+              <a:t>Vgl. </a:t>
+            </a:r>
+            <a:r>
+              <a:rPr lang="de-DE" sz="800" kern="0" dirty="0" err="1"/>
+              <a:t>Wolmerath</a:t>
+            </a:r>
+            <a:r>
+              <a:rPr lang="de-DE" sz="800" kern="0" dirty="0"/>
+              <a:t>, M. (2022), S. 127</a:t>
+            </a:r>
+          </a:p>
+        </p:txBody>
+      </p:sp>
+      <p:sp>
+        <p:nvSpPr>
+          <p:cNvPr id="5" name="Textplatzhalter 4">
+            <a:extLst>
+              <a:ext uri="{FF2B5EF4-FFF2-40B4-BE49-F238E27FC236}">
+                <a16:creationId xmlns:a16="http://schemas.microsoft.com/office/drawing/2014/main" id="{EBD41A99-271A-7C51-E4DE-2D7D2460594B}"/>
+              </a:ext>
+            </a:extLst>
+          </p:cNvPr>
+          <p:cNvSpPr>
+            <a:spLocks noGrp="1"/>
+          </p:cNvSpPr>
+          <p:nvPr>
+            <p:ph type="body" sz="quarter" idx="12"/>
+          </p:nvPr>
+        </p:nvSpPr>
+        <p:spPr/>
+        <p:txBody>
+          <a:bodyPr/>
+          <a:lstStyle/>
+          <a:p>
+            <a:endParaRPr lang="de-DE"/>
+          </a:p>
+        </p:txBody>
+      </p:sp>
+    </p:spTree>
+    <p:extLst>
+      <p:ext uri="{BB962C8B-B14F-4D97-AF65-F5344CB8AC3E}">
+        <p14:creationId xmlns:p14="http://schemas.microsoft.com/office/powerpoint/2010/main" val="2260448439"/>
+      </p:ext>
+    </p:extLst>
+  </p:cSld>
+  <p:clrMapOvr>
+    <a:masterClrMapping/>
+  </p:clrMapOvr>
+  <mc:AlternateContent xmlns:mc="http://schemas.openxmlformats.org/markup-compatibility/2006" xmlns:p14="http://schemas.microsoft.com/office/powerpoint/2010/main">
+    <mc:Choice Requires="p14">
+      <p:transition p14:dur="10"/>
+    </mc:Choice>
+    <mc:Fallback xmlns="">
+      <p:transition/>
+    </mc:Fallback>
+  </mc:AlternateContent>
+</p:sld>
+</file>
+
+<file path=ppt/slides/slide17.xml><?xml version="1.0" encoding="utf-8"?>
+<p:sld xmlns:a="http://schemas.openxmlformats.org/drawingml/2006/main" xmlns:r="http://schemas.openxmlformats.org/officeDocument/2006/relationships" xmlns:p="http://schemas.openxmlformats.org/presentationml/2006/main">
+  <p:cSld>
+    <p:spTree>
+      <p:nvGrpSpPr>
+        <p:cNvPr id="1" name=""/>
+        <p:cNvGrpSpPr/>
+        <p:nvPr/>
+      </p:nvGrpSpPr>
+      <p:grpSpPr>
+        <a:xfrm>
+          <a:off x="0" y="0"/>
+          <a:ext cx="0" cy="0"/>
+          <a:chOff x="0" y="0"/>
+          <a:chExt cx="0" cy="0"/>
+        </a:xfrm>
+      </p:grpSpPr>
+      <p:sp>
+        <p:nvSpPr>
+          <p:cNvPr id="2" name="Titel 1">
+            <a:extLst>
+              <a:ext uri="{FF2B5EF4-FFF2-40B4-BE49-F238E27FC236}">
+                <a16:creationId xmlns:a16="http://schemas.microsoft.com/office/drawing/2014/main" id="{5B33E5F4-4FBB-7220-E68C-B067FC3F35EF}"/>
+              </a:ext>
+            </a:extLst>
+          </p:cNvPr>
+          <p:cNvSpPr>
+            <a:spLocks noGrp="1"/>
+          </p:cNvSpPr>
+          <p:nvPr>
+            <p:ph type="title"/>
+          </p:nvPr>
+        </p:nvSpPr>
+        <p:spPr>
+          <a:xfrm>
+            <a:off x="573088" y="188913"/>
+            <a:ext cx="8074025" cy="738664"/>
+          </a:xfrm>
+        </p:spPr>
+        <p:txBody>
+          <a:bodyPr/>
+          <a:lstStyle/>
+          <a:p>
+            <a:r>
+              <a:rPr lang="de-DE" dirty="0"/>
+              <a:t>Die Änderungskündigung</a:t>
+            </a:r>
+            <a:br>
+              <a:rPr lang="de-DE" dirty="0"/>
+            </a:br>
+            <a:r>
+              <a:rPr lang="de-DE" b="0" dirty="0"/>
+              <a:t>Praxisbeispiel 2</a:t>
+            </a:r>
+          </a:p>
+        </p:txBody>
+      </p:sp>
+      <p:sp>
+        <p:nvSpPr>
+          <p:cNvPr id="3" name="Inhaltsplatzhalter 2">
+            <a:extLst>
+              <a:ext uri="{FF2B5EF4-FFF2-40B4-BE49-F238E27FC236}">
+                <a16:creationId xmlns:a16="http://schemas.microsoft.com/office/drawing/2014/main" id="{E8B3C4E7-E9B2-C6AB-182C-CE287B000958}"/>
+              </a:ext>
+            </a:extLst>
+          </p:cNvPr>
+          <p:cNvSpPr>
+            <a:spLocks noGrp="1"/>
+          </p:cNvSpPr>
+          <p:nvPr>
+            <p:ph idx="1"/>
+          </p:nvPr>
+        </p:nvSpPr>
+        <p:spPr/>
+        <p:txBody>
+          <a:bodyPr/>
+          <a:lstStyle/>
+          <a:p>
+            <a:r>
+              <a:rPr lang="de-DE" dirty="0"/>
+              <a:t>Der neue Geschäftsführer kommt mit seiner Assistentin Martina Meier nicht zurecht</a:t>
+            </a:r>
+          </a:p>
+          <a:p>
+            <a:r>
+              <a:rPr lang="de-DE" dirty="0"/>
+              <a:t>Sie ist als „Assistentin der Geschäftsführung“ eingestellt</a:t>
+            </a:r>
+          </a:p>
+          <a:p>
+            <a:r>
+              <a:rPr lang="de-DE" dirty="0"/>
+              <a:t>Die Geschäftsführung will Martina Meier als Teamleitung einstellen</a:t>
+            </a:r>
+          </a:p>
+          <a:p>
+            <a:r>
+              <a:rPr lang="de-DE" dirty="0"/>
+              <a:t>Was kann die Geschäftsführung tun?</a:t>
+            </a:r>
+          </a:p>
+        </p:txBody>
+      </p:sp>
+      <p:sp>
+        <p:nvSpPr>
+          <p:cNvPr id="4" name="Textplatzhalter 3">
+            <a:extLst>
+              <a:ext uri="{FF2B5EF4-FFF2-40B4-BE49-F238E27FC236}">
+                <a16:creationId xmlns:a16="http://schemas.microsoft.com/office/drawing/2014/main" id="{B701CF87-F836-3F89-F0E1-40851D44682F}"/>
+              </a:ext>
+            </a:extLst>
+          </p:cNvPr>
+          <p:cNvSpPr>
+            <a:spLocks noGrp="1"/>
+          </p:cNvSpPr>
+          <p:nvPr>
+            <p:ph type="body" sz="quarter" idx="11"/>
+          </p:nvPr>
+        </p:nvSpPr>
+        <p:spPr/>
+        <p:txBody>
+          <a:bodyPr/>
+          <a:lstStyle/>
+          <a:p>
+            <a:r>
+              <a:rPr lang="de-DE" dirty="0"/>
+              <a:t>Robin Kierstein</a:t>
+            </a:r>
+          </a:p>
+          <a:p>
+            <a:r>
+              <a:rPr lang="de-DE" sz="800" kern="0" dirty="0"/>
+              <a:t>Vgl. </a:t>
+            </a:r>
+            <a:r>
+              <a:rPr lang="de-DE" sz="800" kern="0" dirty="0" err="1"/>
+              <a:t>Wolmerath</a:t>
+            </a:r>
+            <a:r>
+              <a:rPr lang="de-DE" sz="800" kern="0" dirty="0"/>
+              <a:t>, M. (2022), S. 127</a:t>
+            </a:r>
+          </a:p>
+        </p:txBody>
+      </p:sp>
+      <p:sp>
+        <p:nvSpPr>
+          <p:cNvPr id="5" name="Textplatzhalter 4">
+            <a:extLst>
+              <a:ext uri="{FF2B5EF4-FFF2-40B4-BE49-F238E27FC236}">
+                <a16:creationId xmlns:a16="http://schemas.microsoft.com/office/drawing/2014/main" id="{ED2335F2-110A-EA59-7323-9C05301362D1}"/>
+              </a:ext>
+            </a:extLst>
+          </p:cNvPr>
+          <p:cNvSpPr>
+            <a:spLocks noGrp="1"/>
+          </p:cNvSpPr>
+          <p:nvPr>
+            <p:ph type="body" sz="quarter" idx="12"/>
+          </p:nvPr>
+        </p:nvSpPr>
+        <p:spPr/>
+        <p:txBody>
+          <a:bodyPr/>
+          <a:lstStyle/>
+          <a:p>
+            <a:endParaRPr lang="de-DE"/>
+          </a:p>
+        </p:txBody>
+      </p:sp>
+    </p:spTree>
+    <p:extLst>
+      <p:ext uri="{BB962C8B-B14F-4D97-AF65-F5344CB8AC3E}">
+        <p14:creationId xmlns:p14="http://schemas.microsoft.com/office/powerpoint/2010/main" val="3146841271"/>
+      </p:ext>
+    </p:extLst>
+  </p:cSld>
+  <p:clrMapOvr>
+    <a:masterClrMapping/>
+  </p:clrMapOvr>
+  <mc:AlternateContent xmlns:mc="http://schemas.openxmlformats.org/markup-compatibility/2006" xmlns:p14="http://schemas.microsoft.com/office/powerpoint/2010/main">
+    <mc:Choice Requires="p14">
+      <p:transition p14:dur="10"/>
+    </mc:Choice>
+    <mc:Fallback xmlns="">
+      <p:transition/>
+    </mc:Fallback>
+  </mc:AlternateContent>
+</p:sld>
+</file>
+
+<file path=ppt/slides/slide18.xml><?xml version="1.0" encoding="utf-8"?>
+<p:sld xmlns:a="http://schemas.openxmlformats.org/drawingml/2006/main" xmlns:r="http://schemas.openxmlformats.org/officeDocument/2006/relationships" xmlns:p="http://schemas.openxmlformats.org/presentationml/2006/main">
+  <p:cSld>
+    <p:spTree>
+      <p:nvGrpSpPr>
+        <p:cNvPr id="1" name=""/>
+        <p:cNvGrpSpPr/>
+        <p:nvPr/>
+      </p:nvGrpSpPr>
+      <p:grpSpPr>
+        <a:xfrm>
+          <a:off x="0" y="0"/>
+          <a:ext cx="0" cy="0"/>
+          <a:chOff x="0" y="0"/>
+          <a:chExt cx="0" cy="0"/>
+        </a:xfrm>
+      </p:grpSpPr>
+      <p:sp>
+        <p:nvSpPr>
+          <p:cNvPr id="2" name="Titel 1">
+            <a:extLst>
+              <a:ext uri="{FF2B5EF4-FFF2-40B4-BE49-F238E27FC236}">
+                <a16:creationId xmlns:a16="http://schemas.microsoft.com/office/drawing/2014/main" id="{8F65686A-1479-9972-5958-510DCF75FB10}"/>
+              </a:ext>
+            </a:extLst>
+          </p:cNvPr>
+          <p:cNvSpPr>
+            <a:spLocks noGrp="1"/>
+          </p:cNvSpPr>
+          <p:nvPr>
+            <p:ph type="title"/>
+          </p:nvPr>
+        </p:nvSpPr>
+        <p:spPr>
+          <a:xfrm>
+            <a:off x="573088" y="188913"/>
+            <a:ext cx="8074025" cy="738664"/>
+          </a:xfrm>
+        </p:spPr>
+        <p:txBody>
+          <a:bodyPr/>
+          <a:lstStyle/>
+          <a:p>
+            <a:r>
+              <a:rPr lang="de-DE" dirty="0"/>
+              <a:t>Die Änderungskündigung</a:t>
+            </a:r>
+            <a:br>
+              <a:rPr lang="de-DE" dirty="0"/>
+            </a:br>
+            <a:r>
+              <a:rPr lang="de-DE" b="0" dirty="0"/>
+              <a:t>Praxisbeispiel 2 - Lösung</a:t>
+            </a:r>
+            <a:endParaRPr lang="de-DE" dirty="0"/>
+          </a:p>
+        </p:txBody>
+      </p:sp>
+      <p:sp>
+        <p:nvSpPr>
+          <p:cNvPr id="3" name="Inhaltsplatzhalter 2">
+            <a:extLst>
+              <a:ext uri="{FF2B5EF4-FFF2-40B4-BE49-F238E27FC236}">
+                <a16:creationId xmlns:a16="http://schemas.microsoft.com/office/drawing/2014/main" id="{0CBAF0AB-B6A6-B451-9181-756FE201D517}"/>
+              </a:ext>
+            </a:extLst>
+          </p:cNvPr>
+          <p:cNvSpPr>
+            <a:spLocks noGrp="1"/>
+          </p:cNvSpPr>
+          <p:nvPr>
+            <p:ph idx="1"/>
+          </p:nvPr>
+        </p:nvSpPr>
+        <p:spPr/>
+        <p:txBody>
+          <a:bodyPr/>
+          <a:lstStyle/>
+          <a:p>
+            <a:r>
+              <a:rPr lang="de-DE" dirty="0"/>
+              <a:t>Weisungsrecht im Arbeitsvertrag als „Assistentin der Geschäftsführung“</a:t>
+            </a:r>
+          </a:p>
+          <a:p>
+            <a:r>
+              <a:rPr lang="de-DE" dirty="0"/>
+              <a:t>2 Möglichkeiten</a:t>
+            </a:r>
+          </a:p>
+          <a:p>
+            <a:r>
+              <a:rPr lang="de-DE" dirty="0"/>
+              <a:t>Arbeitsvertrag muss geändert werden</a:t>
+            </a:r>
+          </a:p>
+          <a:p>
+            <a:r>
+              <a:rPr lang="de-DE" dirty="0"/>
+              <a:t>Eine Änderungskündigung ist nötig</a:t>
+            </a:r>
+          </a:p>
+        </p:txBody>
+      </p:sp>
+      <p:sp>
+        <p:nvSpPr>
+          <p:cNvPr id="4" name="Textplatzhalter 3">
+            <a:extLst>
+              <a:ext uri="{FF2B5EF4-FFF2-40B4-BE49-F238E27FC236}">
+                <a16:creationId xmlns:a16="http://schemas.microsoft.com/office/drawing/2014/main" id="{992BDD72-4F37-009F-9802-FF1031373C97}"/>
+              </a:ext>
+            </a:extLst>
+          </p:cNvPr>
+          <p:cNvSpPr>
+            <a:spLocks noGrp="1"/>
+          </p:cNvSpPr>
+          <p:nvPr>
+            <p:ph type="body" sz="quarter" idx="11"/>
+          </p:nvPr>
+        </p:nvSpPr>
+        <p:spPr/>
+        <p:txBody>
+          <a:bodyPr/>
+          <a:lstStyle/>
+          <a:p>
+            <a:r>
+              <a:rPr lang="de-DE" dirty="0"/>
+              <a:t>Robin Kierstein</a:t>
+            </a:r>
+          </a:p>
+          <a:p>
+            <a:r>
+              <a:rPr lang="de-DE" sz="800" kern="0" dirty="0"/>
+              <a:t>Vgl. </a:t>
+            </a:r>
+            <a:r>
+              <a:rPr lang="de-DE" sz="800" kern="0" dirty="0" err="1"/>
+              <a:t>Wolmerath</a:t>
+            </a:r>
+            <a:r>
+              <a:rPr lang="de-DE" sz="800" kern="0" dirty="0"/>
+              <a:t>, M. (2022), S. 127</a:t>
+            </a:r>
+          </a:p>
+        </p:txBody>
+      </p:sp>
+      <p:sp>
+        <p:nvSpPr>
+          <p:cNvPr id="5" name="Textplatzhalter 4">
+            <a:extLst>
+              <a:ext uri="{FF2B5EF4-FFF2-40B4-BE49-F238E27FC236}">
+                <a16:creationId xmlns:a16="http://schemas.microsoft.com/office/drawing/2014/main" id="{A02617C1-E2E1-4C57-C309-663726E43322}"/>
+              </a:ext>
+            </a:extLst>
+          </p:cNvPr>
+          <p:cNvSpPr>
+            <a:spLocks noGrp="1"/>
+          </p:cNvSpPr>
+          <p:nvPr>
+            <p:ph type="body" sz="quarter" idx="12"/>
+          </p:nvPr>
+        </p:nvSpPr>
+        <p:spPr/>
+        <p:txBody>
+          <a:bodyPr/>
+          <a:lstStyle/>
+          <a:p>
+            <a:endParaRPr lang="de-DE"/>
+          </a:p>
+        </p:txBody>
+      </p:sp>
+    </p:spTree>
+    <p:extLst>
+      <p:ext uri="{BB962C8B-B14F-4D97-AF65-F5344CB8AC3E}">
+        <p14:creationId xmlns:p14="http://schemas.microsoft.com/office/powerpoint/2010/main" val="1929006246"/>
+      </p:ext>
+    </p:extLst>
+  </p:cSld>
+  <p:clrMapOvr>
+    <a:masterClrMapping/>
+  </p:clrMapOvr>
+  <mc:AlternateContent xmlns:mc="http://schemas.openxmlformats.org/markup-compatibility/2006" xmlns:p14="http://schemas.microsoft.com/office/powerpoint/2010/main">
+    <mc:Choice Requires="p14">
+      <p:transition p14:dur="10"/>
+    </mc:Choice>
+    <mc:Fallback xmlns="">
+      <p:transition/>
+    </mc:Fallback>
+  </mc:AlternateContent>
+</p:sld>
+</file>
+
+<file path=ppt/slides/slide19.xml><?xml version="1.0" encoding="utf-8"?>
+<p:sld xmlns:a="http://schemas.openxmlformats.org/drawingml/2006/main" xmlns:r="http://schemas.openxmlformats.org/officeDocument/2006/relationships" xmlns:p="http://schemas.openxmlformats.org/presentationml/2006/main">
+  <p:cSld>
+    <p:spTree>
+      <p:nvGrpSpPr>
+        <p:cNvPr id="1" name=""/>
+        <p:cNvGrpSpPr/>
+        <p:nvPr/>
+      </p:nvGrpSpPr>
+      <p:grpSpPr>
+        <a:xfrm>
+          <a:off x="0" y="0"/>
+          <a:ext cx="0" cy="0"/>
+          <a:chOff x="0" y="0"/>
+          <a:chExt cx="0" cy="0"/>
+        </a:xfrm>
+      </p:grpSpPr>
+      <p:sp>
+        <p:nvSpPr>
+          <p:cNvPr id="2" name="Titel 1">
+            <a:extLst>
+              <a:ext uri="{FF2B5EF4-FFF2-40B4-BE49-F238E27FC236}">
                 <a16:creationId xmlns:a16="http://schemas.microsoft.com/office/drawing/2014/main" id="{86588928-102E-0A0F-7C5C-0A04408E9452}"/>
               </a:ext>
             </a:extLst>
@@ -4250,7 +5716,7 @@
         <p:spPr>
           <a:xfrm>
             <a:off x="573088" y="188913"/>
-            <a:ext cx="8074025" cy="369332"/>
+            <a:ext cx="8074025" cy="738664"/>
           </a:xfrm>
         </p:spPr>
         <p:txBody>
@@ -4261,6 +5727,14 @@
               <a:rPr lang="de-DE" dirty="0"/>
               <a:t>Die Änderungskündigung</a:t>
             </a:r>
+            <a:br>
+              <a:rPr lang="de-DE" dirty="0"/>
+            </a:br>
+            <a:r>
+              <a:rPr lang="de-DE" b="0" dirty="0"/>
+              <a:t>Möglichkeiten</a:t>
+            </a:r>
+            <a:endParaRPr lang="de-DE" dirty="0"/>
           </a:p>
         </p:txBody>
       </p:sp>
@@ -4359,7 +5833,24 @@
           <a:bodyPr/>
           <a:lstStyle/>
           <a:p>
-            <a:endParaRPr lang="de-DE"/>
+            <a:r>
+              <a:rPr lang="de-DE" dirty="0"/>
+              <a:t>Robin Kierstein</a:t>
+            </a:r>
+          </a:p>
+          <a:p>
+            <a:r>
+              <a:rPr lang="de-DE" sz="800" kern="0" dirty="0"/>
+              <a:t>Vgl. </a:t>
+            </a:r>
+            <a:r>
+              <a:rPr lang="de-DE" sz="800" kern="0" dirty="0" err="1"/>
+              <a:t>Wolmerath</a:t>
+            </a:r>
+            <a:r>
+              <a:rPr lang="de-DE" sz="800" kern="0" dirty="0"/>
+              <a:t>, M. (2022), S. 127</a:t>
+            </a:r>
           </a:p>
         </p:txBody>
       </p:sp>
@@ -4431,7 +5922,7 @@
           <p:cNvPr id="2" name="Titel 1">
             <a:extLst>
               <a:ext uri="{FF2B5EF4-FFF2-40B4-BE49-F238E27FC236}">
-                <a16:creationId xmlns:a16="http://schemas.microsoft.com/office/drawing/2014/main" id="{3C986499-ADB5-AD72-E654-6DA44650BA35}"/>
+                <a16:creationId xmlns:a16="http://schemas.microsoft.com/office/drawing/2014/main" id="{B13839B6-4566-3A72-0E34-97149CA41424}"/>
               </a:ext>
             </a:extLst>
           </p:cNvPr>
@@ -4454,7 +5945,7 @@
           <a:p>
             <a:r>
               <a:rPr lang="de-DE" dirty="0"/>
-              <a:t>Einseitige Beendigung des Arbeitsverhältnisses</a:t>
+              <a:t>Wer sind wir? – Robin Kierstein</a:t>
             </a:r>
           </a:p>
         </p:txBody>
@@ -4464,7 +5955,7 @@
           <p:cNvPr id="3" name="Inhaltsplatzhalter 2">
             <a:extLst>
               <a:ext uri="{FF2B5EF4-FFF2-40B4-BE49-F238E27FC236}">
-                <a16:creationId xmlns:a16="http://schemas.microsoft.com/office/drawing/2014/main" id="{878F6DA1-B155-4AF2-536B-D768C3CB4D32}"/>
+                <a16:creationId xmlns:a16="http://schemas.microsoft.com/office/drawing/2014/main" id="{687754B0-200E-9862-A921-4BC4B124B15A}"/>
               </a:ext>
             </a:extLst>
           </p:cNvPr>
@@ -4482,34 +5973,19 @@
           <a:p>
             <a:r>
               <a:rPr lang="de-DE" dirty="0"/>
-              <a:t>Anfechtung</a:t>
-            </a:r>
-          </a:p>
-          <a:p>
-            <a:r>
-              <a:rPr lang="de-DE" dirty="0"/>
-              <a:t>Kündigung des Arbeitsvertrags</a:t>
-            </a:r>
-          </a:p>
-          <a:p>
-            <a:pPr lvl="1"/>
-            <a:r>
-              <a:rPr lang="de-DE" dirty="0"/>
-              <a:t>Regelfall</a:t>
-            </a:r>
-          </a:p>
-          <a:p>
-            <a:pPr lvl="1"/>
-            <a:r>
-              <a:rPr lang="de-DE" dirty="0"/>
-              <a:t>Besondere Ausnahmesituation</a:t>
-            </a:r>
-          </a:p>
-          <a:p>
-            <a:pPr lvl="1"/>
-            <a:r>
-              <a:rPr lang="de-DE" dirty="0"/>
-              <a:t>Änderungskündigung</a:t>
+              <a:t>24 Jahre alt</a:t>
+            </a:r>
+          </a:p>
+          <a:p>
+            <a:r>
+              <a:rPr lang="de-DE" dirty="0"/>
+              <a:t>Seit WS 19/20 an der FH SWF</a:t>
+            </a:r>
+          </a:p>
+          <a:p>
+            <a:r>
+              <a:rPr lang="de-DE" dirty="0"/>
+              <a:t>Seit SS 21 Wirtschaftsinformatiker</a:t>
             </a:r>
           </a:p>
         </p:txBody>
@@ -4519,7 +5995,7 @@
           <p:cNvPr id="4" name="Textplatzhalter 3">
             <a:extLst>
               <a:ext uri="{FF2B5EF4-FFF2-40B4-BE49-F238E27FC236}">
-                <a16:creationId xmlns:a16="http://schemas.microsoft.com/office/drawing/2014/main" id="{44199A47-FBB4-DA6B-DFC7-01CFB117FA86}"/>
+                <a16:creationId xmlns:a16="http://schemas.microsoft.com/office/drawing/2014/main" id="{C611F010-C8BE-AA6D-22D7-B1BB7304C3D6}"/>
               </a:ext>
             </a:extLst>
           </p:cNvPr>
@@ -4535,7 +6011,10 @@
           <a:bodyPr/>
           <a:lstStyle/>
           <a:p>
-            <a:endParaRPr lang="de-DE"/>
+            <a:r>
+              <a:rPr lang="de-DE" dirty="0"/>
+              <a:t>Robin Kierstein</a:t>
+            </a:r>
           </a:p>
         </p:txBody>
       </p:sp>
@@ -4544,7 +6023,7 @@
           <p:cNvPr id="5" name="Textplatzhalter 4">
             <a:extLst>
               <a:ext uri="{FF2B5EF4-FFF2-40B4-BE49-F238E27FC236}">
-                <a16:creationId xmlns:a16="http://schemas.microsoft.com/office/drawing/2014/main" id="{ED89A79B-2B79-117C-E866-05DF21A4E062}"/>
+                <a16:creationId xmlns:a16="http://schemas.microsoft.com/office/drawing/2014/main" id="{4AE4C072-0EF8-4F8C-C274-A21813F50CA6}"/>
               </a:ext>
             </a:extLst>
           </p:cNvPr>
@@ -4567,7 +6046,519 @@
     </p:spTree>
     <p:extLst>
       <p:ext uri="{BB962C8B-B14F-4D97-AF65-F5344CB8AC3E}">
-        <p14:creationId xmlns:p14="http://schemas.microsoft.com/office/powerpoint/2010/main" val="3692886023"/>
+        <p14:creationId xmlns:p14="http://schemas.microsoft.com/office/powerpoint/2010/main" val="3157813901"/>
+      </p:ext>
+    </p:extLst>
+  </p:cSld>
+  <p:clrMapOvr>
+    <a:masterClrMapping/>
+  </p:clrMapOvr>
+  <mc:AlternateContent xmlns:mc="http://schemas.openxmlformats.org/markup-compatibility/2006" xmlns:p14="http://schemas.microsoft.com/office/powerpoint/2010/main">
+    <mc:Choice Requires="p14">
+      <p:transition p14:dur="10"/>
+    </mc:Choice>
+    <mc:Fallback xmlns="">
+      <p:transition/>
+    </mc:Fallback>
+  </mc:AlternateContent>
+</p:sld>
+</file>
+
+<file path=ppt/slides/slide20.xml><?xml version="1.0" encoding="utf-8"?>
+<p:sld xmlns:a="http://schemas.openxmlformats.org/drawingml/2006/main" xmlns:r="http://schemas.openxmlformats.org/officeDocument/2006/relationships" xmlns:p="http://schemas.openxmlformats.org/presentationml/2006/main">
+  <p:cSld>
+    <p:spTree>
+      <p:nvGrpSpPr>
+        <p:cNvPr id="1" name=""/>
+        <p:cNvGrpSpPr/>
+        <p:nvPr/>
+      </p:nvGrpSpPr>
+      <p:grpSpPr>
+        <a:xfrm>
+          <a:off x="0" y="0"/>
+          <a:ext cx="0" cy="0"/>
+          <a:chOff x="0" y="0"/>
+          <a:chExt cx="0" cy="0"/>
+        </a:xfrm>
+      </p:grpSpPr>
+      <p:sp>
+        <p:nvSpPr>
+          <p:cNvPr id="2" name="Titel 1">
+            <a:extLst>
+              <a:ext uri="{FF2B5EF4-FFF2-40B4-BE49-F238E27FC236}">
+                <a16:creationId xmlns:a16="http://schemas.microsoft.com/office/drawing/2014/main" id="{002FAD61-4698-B027-EAC7-E85DC20E78A3}"/>
+              </a:ext>
+            </a:extLst>
+          </p:cNvPr>
+          <p:cNvSpPr>
+            <a:spLocks noGrp="1"/>
+          </p:cNvSpPr>
+          <p:nvPr>
+            <p:ph type="title"/>
+          </p:nvPr>
+        </p:nvSpPr>
+        <p:spPr>
+          <a:xfrm>
+            <a:off x="573088" y="188913"/>
+            <a:ext cx="8074025" cy="369332"/>
+          </a:xfrm>
+        </p:spPr>
+        <p:txBody>
+          <a:bodyPr/>
+          <a:lstStyle/>
+          <a:p>
+            <a:r>
+              <a:rPr lang="de-DE" dirty="0"/>
+              <a:t>Quellen</a:t>
+            </a:r>
+          </a:p>
+        </p:txBody>
+      </p:sp>
+      <p:sp>
+        <p:nvSpPr>
+          <p:cNvPr id="3" name="Inhaltsplatzhalter 2">
+            <a:extLst>
+              <a:ext uri="{FF2B5EF4-FFF2-40B4-BE49-F238E27FC236}">
+                <a16:creationId xmlns:a16="http://schemas.microsoft.com/office/drawing/2014/main" id="{D028E2B9-B37A-A9F9-DDC0-0B089BC0DD81}"/>
+              </a:ext>
+            </a:extLst>
+          </p:cNvPr>
+          <p:cNvSpPr>
+            <a:spLocks noGrp="1"/>
+          </p:cNvSpPr>
+          <p:nvPr>
+            <p:ph idx="1"/>
+          </p:nvPr>
+        </p:nvSpPr>
+        <p:spPr/>
+        <p:txBody>
+          <a:bodyPr/>
+          <a:lstStyle/>
+          <a:p>
+            <a:endParaRPr lang="de-DE"/>
+          </a:p>
+        </p:txBody>
+      </p:sp>
+      <p:sp>
+        <p:nvSpPr>
+          <p:cNvPr id="4" name="Textplatzhalter 3">
+            <a:extLst>
+              <a:ext uri="{FF2B5EF4-FFF2-40B4-BE49-F238E27FC236}">
+                <a16:creationId xmlns:a16="http://schemas.microsoft.com/office/drawing/2014/main" id="{1EAF0E86-B6C4-E2E1-B54D-9866C4950C06}"/>
+              </a:ext>
+            </a:extLst>
+          </p:cNvPr>
+          <p:cNvSpPr>
+            <a:spLocks noGrp="1"/>
+          </p:cNvSpPr>
+          <p:nvPr>
+            <p:ph type="body" sz="quarter" idx="11"/>
+          </p:nvPr>
+        </p:nvSpPr>
+        <p:spPr/>
+        <p:txBody>
+          <a:bodyPr/>
+          <a:lstStyle/>
+          <a:p>
+            <a:endParaRPr lang="de-DE"/>
+          </a:p>
+        </p:txBody>
+      </p:sp>
+      <p:sp>
+        <p:nvSpPr>
+          <p:cNvPr id="5" name="Textplatzhalter 4">
+            <a:extLst>
+              <a:ext uri="{FF2B5EF4-FFF2-40B4-BE49-F238E27FC236}">
+                <a16:creationId xmlns:a16="http://schemas.microsoft.com/office/drawing/2014/main" id="{FF163A52-4090-4F05-6A46-3646FEAE5793}"/>
+              </a:ext>
+            </a:extLst>
+          </p:cNvPr>
+          <p:cNvSpPr>
+            <a:spLocks noGrp="1"/>
+          </p:cNvSpPr>
+          <p:nvPr>
+            <p:ph type="body" sz="quarter" idx="12"/>
+          </p:nvPr>
+        </p:nvSpPr>
+        <p:spPr/>
+        <p:txBody>
+          <a:bodyPr/>
+          <a:lstStyle/>
+          <a:p>
+            <a:endParaRPr lang="de-DE"/>
+          </a:p>
+        </p:txBody>
+      </p:sp>
+    </p:spTree>
+    <p:extLst>
+      <p:ext uri="{BB962C8B-B14F-4D97-AF65-F5344CB8AC3E}">
+        <p14:creationId xmlns:p14="http://schemas.microsoft.com/office/powerpoint/2010/main" val="1142766508"/>
+      </p:ext>
+    </p:extLst>
+  </p:cSld>
+  <p:clrMapOvr>
+    <a:masterClrMapping/>
+  </p:clrMapOvr>
+  <mc:AlternateContent xmlns:mc="http://schemas.openxmlformats.org/markup-compatibility/2006" xmlns:p14="http://schemas.microsoft.com/office/powerpoint/2010/main">
+    <mc:Choice Requires="p14">
+      <p:transition p14:dur="10"/>
+    </mc:Choice>
+    <mc:Fallback xmlns="">
+      <p:transition/>
+    </mc:Fallback>
+  </mc:AlternateContent>
+</p:sld>
+</file>
+
+<file path=ppt/slides/slide21.xml><?xml version="1.0" encoding="utf-8"?>
+<p:sld xmlns:a="http://schemas.openxmlformats.org/drawingml/2006/main" xmlns:r="http://schemas.openxmlformats.org/officeDocument/2006/relationships" xmlns:p="http://schemas.openxmlformats.org/presentationml/2006/main">
+  <p:cSld>
+    <p:spTree>
+      <p:nvGrpSpPr>
+        <p:cNvPr id="1" name=""/>
+        <p:cNvGrpSpPr/>
+        <p:nvPr/>
+      </p:nvGrpSpPr>
+      <p:grpSpPr>
+        <a:xfrm>
+          <a:off x="0" y="0"/>
+          <a:ext cx="0" cy="0"/>
+          <a:chOff x="0" y="0"/>
+          <a:chExt cx="0" cy="0"/>
+        </a:xfrm>
+      </p:grpSpPr>
+      <p:sp>
+        <p:nvSpPr>
+          <p:cNvPr id="2" name="Titel 1">
+            <a:extLst>
+              <a:ext uri="{FF2B5EF4-FFF2-40B4-BE49-F238E27FC236}">
+                <a16:creationId xmlns:a16="http://schemas.microsoft.com/office/drawing/2014/main" id="{A8116A1F-6758-C1D4-D214-77CF271CC276}"/>
+              </a:ext>
+            </a:extLst>
+          </p:cNvPr>
+          <p:cNvSpPr>
+            <a:spLocks noGrp="1"/>
+          </p:cNvSpPr>
+          <p:nvPr>
+            <p:ph type="title"/>
+          </p:nvPr>
+        </p:nvSpPr>
+        <p:spPr>
+          <a:xfrm>
+            <a:off x="573088" y="188913"/>
+            <a:ext cx="8074025" cy="369332"/>
+          </a:xfrm>
+        </p:spPr>
+        <p:txBody>
+          <a:bodyPr/>
+          <a:lstStyle/>
+          <a:p>
+            <a:r>
+              <a:rPr lang="de-DE" dirty="0"/>
+              <a:t>Brainstorming weitere Praxisfälle</a:t>
+            </a:r>
+          </a:p>
+        </p:txBody>
+      </p:sp>
+      <p:sp>
+        <p:nvSpPr>
+          <p:cNvPr id="3" name="Inhaltsplatzhalter 2">
+            <a:extLst>
+              <a:ext uri="{FF2B5EF4-FFF2-40B4-BE49-F238E27FC236}">
+                <a16:creationId xmlns:a16="http://schemas.microsoft.com/office/drawing/2014/main" id="{EF07B131-ACAB-E7DB-EF6A-BE359152C874}"/>
+              </a:ext>
+            </a:extLst>
+          </p:cNvPr>
+          <p:cNvSpPr>
+            <a:spLocks noGrp="1"/>
+          </p:cNvSpPr>
+          <p:nvPr>
+            <p:ph idx="1"/>
+          </p:nvPr>
+        </p:nvSpPr>
+        <p:spPr/>
+        <p:txBody>
+          <a:bodyPr/>
+          <a:lstStyle/>
+          <a:p>
+            <a:r>
+              <a:rPr lang="de-DE" sz="1200" dirty="0" err="1"/>
+              <a:t>Reiserer</a:t>
+            </a:r>
+            <a:r>
+              <a:rPr lang="de-DE" sz="1200" dirty="0"/>
+              <a:t> S.47, </a:t>
+            </a:r>
+            <a:r>
+              <a:rPr lang="de-DE" sz="1200" dirty="0">
+                <a:effectLst/>
+                <a:latin typeface="Arial" panose="020B0604020202020204" pitchFamily="34" charset="0"/>
+              </a:rPr>
+              <a:t>Im Arbeitsvertrag (kein Kleinbetrieb, keine Probezeit, kein Aushilfsarbeitsverhältnis) ist für beide</a:t>
+            </a:r>
+            <a:br>
+              <a:rPr lang="de-DE" sz="1200" dirty="0"/>
+            </a:br>
+            <a:r>
+              <a:rPr lang="de-DE" sz="1200" dirty="0">
+                <a:effectLst/>
+                <a:latin typeface="Arial" panose="020B0604020202020204" pitchFamily="34" charset="0"/>
+              </a:rPr>
+              <a:t>Parteien eine dreiwöchige Kündigungsfrist vereinbart. Diese Vereinbarung ist unwirksam. Es gilt die</a:t>
+            </a:r>
+            <a:br>
+              <a:rPr lang="de-DE" sz="1200" dirty="0"/>
+            </a:br>
+            <a:r>
+              <a:rPr lang="de-DE" sz="1200" dirty="0">
+                <a:effectLst/>
+                <a:latin typeface="Arial" panose="020B0604020202020204" pitchFamily="34" charset="0"/>
+              </a:rPr>
+              <a:t>gesetzliche Grundkündigungsfrist.</a:t>
+            </a:r>
+          </a:p>
+          <a:p>
+            <a:r>
+              <a:rPr lang="de-DE" sz="1200" dirty="0" err="1"/>
+              <a:t>Reiserer</a:t>
+            </a:r>
+            <a:r>
+              <a:rPr lang="de-DE" sz="1200" dirty="0"/>
+              <a:t> S.49, </a:t>
+            </a:r>
+            <a:r>
+              <a:rPr lang="de-DE" sz="1200" dirty="0">
+                <a:effectLst/>
+                <a:latin typeface="Arial" panose="020B0604020202020204" pitchFamily="34" charset="0"/>
+              </a:rPr>
+              <a:t>Arbeitnehmer A arbeitet seit einem Jahr bei Arbeitgeber B. Er erhält am 1. März eine schriftliche</a:t>
+            </a:r>
+            <a:br>
+              <a:rPr lang="de-DE" sz="1200" dirty="0"/>
+            </a:br>
+            <a:r>
+              <a:rPr lang="de-DE" sz="1200" dirty="0">
+                <a:effectLst/>
+                <a:latin typeface="Arial" panose="020B0604020202020204" pitchFamily="34" charset="0"/>
+              </a:rPr>
+              <a:t>Kündigungserklärung zum 31. März. Die Kündigungsfrist beginnt am 2. März zu laufen und beendet</a:t>
+            </a:r>
+            <a:br>
+              <a:rPr lang="de-DE" sz="1200" dirty="0"/>
+            </a:br>
+            <a:r>
+              <a:rPr lang="de-DE" sz="1200" dirty="0">
+                <a:effectLst/>
+                <a:latin typeface="Arial" panose="020B0604020202020204" pitchFamily="34" charset="0"/>
+              </a:rPr>
+              <a:t>das Arbeitsverhältnis zum 31. März.</a:t>
+            </a:r>
+          </a:p>
+          <a:p>
+            <a:r>
+              <a:rPr lang="de-DE" sz="1200" dirty="0" err="1"/>
+              <a:t>Reiserer</a:t>
+            </a:r>
+            <a:r>
+              <a:rPr lang="de-DE" sz="1200" dirty="0"/>
+              <a:t> S. 55, </a:t>
+            </a:r>
+            <a:r>
+              <a:rPr lang="de-DE" sz="1200" dirty="0">
+                <a:effectLst/>
+                <a:latin typeface="Arial" panose="020B0604020202020204" pitchFamily="34" charset="0"/>
+              </a:rPr>
+              <a:t>Im Betrieb B sind fünf vollzeitbeschäftigte Arbeitnehmer, zwei Auszubildende, zwei Mitarbeiter mit</a:t>
+            </a:r>
+            <a:br>
+              <a:rPr lang="de-DE" sz="1200" dirty="0"/>
+            </a:br>
+            <a:r>
+              <a:rPr lang="de-DE" sz="1200" dirty="0">
+                <a:effectLst/>
+                <a:latin typeface="Arial" panose="020B0604020202020204" pitchFamily="34" charset="0"/>
+              </a:rPr>
+              <a:t>einer wöchentlichen Arbeitszeit von 18 Stunden, ein Mitarbeiter mit einer wöchentlichen Arbeitszeit</a:t>
+            </a:r>
+            <a:br>
+              <a:rPr lang="de-DE" sz="1200" dirty="0"/>
+            </a:br>
+            <a:r>
+              <a:rPr lang="de-DE" sz="1200" dirty="0">
+                <a:effectLst/>
+                <a:latin typeface="Arial" panose="020B0604020202020204" pitchFamily="34" charset="0"/>
+              </a:rPr>
+              <a:t>von 25 Stunden und ein Leiharbeitnehmer beschäftigt, welcher auf einem Arbeitsplatz tätig ist, der</a:t>
+            </a:r>
+            <a:br>
+              <a:rPr lang="de-DE" sz="1200" dirty="0"/>
+            </a:br>
+            <a:r>
+              <a:rPr lang="de-DE" sz="1200" dirty="0">
+                <a:effectLst/>
+                <a:latin typeface="Arial" panose="020B0604020202020204" pitchFamily="34" charset="0"/>
+              </a:rPr>
+              <a:t>ständig mit einem Leiharbeitnehmer besetzt wird.</a:t>
+            </a:r>
+            <a:br>
+              <a:rPr lang="de-DE" sz="1200" dirty="0"/>
+            </a:br>
+            <a:r>
+              <a:rPr lang="de-DE" sz="1200" dirty="0">
+                <a:effectLst/>
+                <a:latin typeface="Arial" panose="020B0604020202020204" pitchFamily="34" charset="0"/>
+              </a:rPr>
+              <a:t>Zusammengerechnet sind somit im Betrieb B 11 Personen eingesetzt. </a:t>
+            </a:r>
+            <a:r>
+              <a:rPr lang="de-DE" sz="1200" dirty="0">
+                <a:effectLst/>
+                <a:latin typeface="Times New Roman" panose="02020603050405020304" pitchFamily="18" charset="0"/>
+              </a:rPr>
+              <a:t>Aber nur 7,75 Arbeitnehmer</a:t>
+            </a:r>
+            <a:br>
+              <a:rPr lang="de-DE" sz="1200" dirty="0"/>
+            </a:br>
+            <a:r>
+              <a:rPr lang="de-DE" sz="1200" dirty="0">
+                <a:effectLst/>
+                <a:latin typeface="Arial" panose="020B0604020202020204" pitchFamily="34" charset="0"/>
+              </a:rPr>
+              <a:t>(5 Vollzeitarbeitnehmer = 5, zwei Teilzeitarbeitnehmer (18 Stunden) × 0,5 = 1, ein Teilzeitarbeit-</a:t>
+            </a:r>
+            <a:br>
+              <a:rPr lang="de-DE" sz="1200" dirty="0"/>
+            </a:br>
+            <a:r>
+              <a:rPr lang="de-DE" sz="1200" dirty="0" err="1">
+                <a:effectLst/>
+                <a:latin typeface="Arial" panose="020B0604020202020204" pitchFamily="34" charset="0"/>
+              </a:rPr>
+              <a:t>nehmer</a:t>
+            </a:r>
+            <a:r>
+              <a:rPr lang="de-DE" sz="1200" dirty="0">
+                <a:effectLst/>
+                <a:latin typeface="Arial" panose="020B0604020202020204" pitchFamily="34" charset="0"/>
+              </a:rPr>
+              <a:t> (25 Stunden) × 0,75 = 0,75, 1 Leiharbeitnehmer × 1 = 1; insgesamt somit 7,75 </a:t>
+            </a:r>
+            <a:r>
+              <a:rPr lang="de-DE" sz="1200" dirty="0" err="1">
+                <a:effectLst/>
+                <a:latin typeface="Arial" panose="020B0604020202020204" pitchFamily="34" charset="0"/>
+              </a:rPr>
+              <a:t>Arbeitneh</a:t>
+            </a:r>
+            <a:r>
+              <a:rPr lang="de-DE" sz="1200" dirty="0">
+                <a:effectLst/>
+                <a:latin typeface="Arial" panose="020B0604020202020204" pitchFamily="34" charset="0"/>
+              </a:rPr>
+              <a:t>-</a:t>
+            </a:r>
+            <a:br>
+              <a:rPr lang="de-DE" sz="1200" dirty="0"/>
+            </a:br>
+            <a:r>
+              <a:rPr lang="de-DE" sz="1200" dirty="0" err="1">
+                <a:effectLst/>
+                <a:latin typeface="Arial" panose="020B0604020202020204" pitchFamily="34" charset="0"/>
+              </a:rPr>
+              <a:t>mer</a:t>
+            </a:r>
+            <a:r>
+              <a:rPr lang="de-DE" sz="1200" dirty="0">
+                <a:effectLst/>
+                <a:latin typeface="Arial" panose="020B0604020202020204" pitchFamily="34" charset="0"/>
+              </a:rPr>
+              <a:t>). Somit besteht im Betrieb B </a:t>
+            </a:r>
+            <a:r>
+              <a:rPr lang="de-DE" sz="1200" dirty="0">
+                <a:effectLst/>
+                <a:latin typeface="Times New Roman" panose="02020603050405020304" pitchFamily="18" charset="0"/>
+              </a:rPr>
+              <a:t>kein </a:t>
+            </a:r>
+            <a:r>
+              <a:rPr lang="de-DE" sz="1200" dirty="0">
+                <a:effectLst/>
+                <a:latin typeface="Arial" panose="020B0604020202020204" pitchFamily="34" charset="0"/>
+              </a:rPr>
+              <a:t>Kündigungsschutz.</a:t>
+            </a:r>
+          </a:p>
+          <a:p>
+            <a:r>
+              <a:rPr lang="de-DE" sz="1200" kern="0" dirty="0" err="1"/>
+              <a:t>Wolmerath</a:t>
+            </a:r>
+            <a:r>
+              <a:rPr lang="de-DE" sz="1200" kern="0" dirty="0"/>
+              <a:t> S.109/110</a:t>
+            </a:r>
+          </a:p>
+          <a:p>
+            <a:endParaRPr lang="de-DE" sz="1000" dirty="0"/>
+          </a:p>
+        </p:txBody>
+      </p:sp>
+      <p:sp>
+        <p:nvSpPr>
+          <p:cNvPr id="4" name="Textplatzhalter 3">
+            <a:extLst>
+              <a:ext uri="{FF2B5EF4-FFF2-40B4-BE49-F238E27FC236}">
+                <a16:creationId xmlns:a16="http://schemas.microsoft.com/office/drawing/2014/main" id="{E5112E00-371D-B848-9B1E-71CB925A001B}"/>
+              </a:ext>
+            </a:extLst>
+          </p:cNvPr>
+          <p:cNvSpPr>
+            <a:spLocks noGrp="1"/>
+          </p:cNvSpPr>
+          <p:nvPr>
+            <p:ph type="body" sz="quarter" idx="11"/>
+          </p:nvPr>
+        </p:nvSpPr>
+        <p:spPr/>
+        <p:txBody>
+          <a:bodyPr/>
+          <a:lstStyle/>
+          <a:p>
+            <a:endParaRPr lang="de-DE"/>
+          </a:p>
+        </p:txBody>
+      </p:sp>
+      <p:sp>
+        <p:nvSpPr>
+          <p:cNvPr id="5" name="Textplatzhalter 4">
+            <a:extLst>
+              <a:ext uri="{FF2B5EF4-FFF2-40B4-BE49-F238E27FC236}">
+                <a16:creationId xmlns:a16="http://schemas.microsoft.com/office/drawing/2014/main" id="{F00F28C1-54AF-4B4B-27AF-EE1B543A6A21}"/>
+              </a:ext>
+            </a:extLst>
+          </p:cNvPr>
+          <p:cNvSpPr>
+            <a:spLocks noGrp="1"/>
+          </p:cNvSpPr>
+          <p:nvPr>
+            <p:ph type="body" sz="quarter" idx="12"/>
+          </p:nvPr>
+        </p:nvSpPr>
+        <p:spPr/>
+        <p:txBody>
+          <a:bodyPr/>
+          <a:lstStyle/>
+          <a:p>
+            <a:endParaRPr lang="de-DE"/>
+          </a:p>
+        </p:txBody>
+      </p:sp>
+    </p:spTree>
+    <p:extLst>
+      <p:ext uri="{BB962C8B-B14F-4D97-AF65-F5344CB8AC3E}">
+        <p14:creationId xmlns:p14="http://schemas.microsoft.com/office/powerpoint/2010/main" val="2007050509"/>
       </p:ext>
     </p:extLst>
   </p:cSld>
@@ -4607,7 +6598,7 @@
           <p:cNvPr id="2" name="Titel 1">
             <a:extLst>
               <a:ext uri="{FF2B5EF4-FFF2-40B4-BE49-F238E27FC236}">
-                <a16:creationId xmlns:a16="http://schemas.microsoft.com/office/drawing/2014/main" id="{7C56FBD6-3829-612C-58B0-95AE57C2D902}"/>
+                <a16:creationId xmlns:a16="http://schemas.microsoft.com/office/drawing/2014/main" id="{3C986499-ADB5-AD72-E654-6DA44650BA35}"/>
               </a:ext>
             </a:extLst>
           </p:cNvPr>
@@ -4630,7 +6621,7 @@
           <a:p>
             <a:r>
               <a:rPr lang="de-DE" dirty="0"/>
-              <a:t>Anfechtung</a:t>
+              <a:t>Einseitige Beendigung des Arbeitsverhältnisses</a:t>
             </a:r>
           </a:p>
         </p:txBody>
@@ -4640,7 +6631,7 @@
           <p:cNvPr id="3" name="Inhaltsplatzhalter 2">
             <a:extLst>
               <a:ext uri="{FF2B5EF4-FFF2-40B4-BE49-F238E27FC236}">
-                <a16:creationId xmlns:a16="http://schemas.microsoft.com/office/drawing/2014/main" id="{CB5D3B4B-BCF3-0B2A-7177-74340007813C}"/>
+                <a16:creationId xmlns:a16="http://schemas.microsoft.com/office/drawing/2014/main" id="{878F6DA1-B155-4AF2-536B-D768C3CB4D32}"/>
               </a:ext>
             </a:extLst>
           </p:cNvPr>
@@ -4658,50 +6649,35 @@
           <a:p>
             <a:r>
               <a:rPr lang="de-DE" dirty="0"/>
-              <a:t>Gründe für eine Anfechtung</a:t>
+              <a:t>Anfechtung</a:t>
+            </a:r>
+          </a:p>
+          <a:p>
+            <a:r>
+              <a:rPr lang="de-DE" dirty="0"/>
+              <a:t>Kündigung des Arbeitsvertrags</a:t>
             </a:r>
           </a:p>
           <a:p>
             <a:pPr lvl="1"/>
             <a:r>
               <a:rPr lang="de-DE" dirty="0"/>
-              <a:t>Irrtum</a:t>
+              <a:t>Regelfall</a:t>
             </a:r>
           </a:p>
           <a:p>
             <a:pPr lvl="1"/>
             <a:r>
               <a:rPr lang="de-DE" dirty="0"/>
-              <a:t>Arglistige Täuschung</a:t>
+              <a:t>Besondere Ausnahmesituation</a:t>
             </a:r>
           </a:p>
           <a:p>
             <a:pPr lvl="1"/>
             <a:r>
               <a:rPr lang="de-DE" dirty="0"/>
-              <a:t>Widerrechtliche Drohung</a:t>
-            </a:r>
-          </a:p>
-          <a:p>
-            <a:r>
-              <a:rPr lang="de-DE" dirty="0"/>
-              <a:t>Die Anfechtungserklärung ist eine empfangsbedürftige Willenserklärung</a:t>
-            </a:r>
-          </a:p>
-          <a:p>
-            <a:r>
-              <a:rPr lang="de-DE" dirty="0"/>
-              <a:t>Der Vertrag ist von Anfang an nichtig</a:t>
-            </a:r>
-          </a:p>
-          <a:p>
-            <a:r>
-              <a:rPr lang="de-DE" dirty="0"/>
-              <a:t>Bereits ausgetauschte Leistungen bleiben unangetastet</a:t>
-            </a:r>
-          </a:p>
-          <a:p>
-            <a:endParaRPr lang="de-DE" dirty="0"/>
+              <a:t>Änderungskündigung</a:t>
+            </a:r>
           </a:p>
         </p:txBody>
       </p:sp>
@@ -4710,7 +6686,7 @@
           <p:cNvPr id="4" name="Textplatzhalter 3">
             <a:extLst>
               <a:ext uri="{FF2B5EF4-FFF2-40B4-BE49-F238E27FC236}">
-                <a16:creationId xmlns:a16="http://schemas.microsoft.com/office/drawing/2014/main" id="{F452B019-7CBF-2C24-22F0-AE6C5378F888}"/>
+                <a16:creationId xmlns:a16="http://schemas.microsoft.com/office/drawing/2014/main" id="{44199A47-FBB4-DA6B-DFC7-01CFB117FA86}"/>
               </a:ext>
             </a:extLst>
           </p:cNvPr>
@@ -4726,7 +6702,10 @@
           <a:bodyPr/>
           <a:lstStyle/>
           <a:p>
-            <a:endParaRPr lang="de-DE"/>
+            <a:r>
+              <a:rPr lang="de-DE" dirty="0"/>
+              <a:t>Robin Kierstein</a:t>
+            </a:r>
           </a:p>
         </p:txBody>
       </p:sp>
@@ -4735,7 +6714,7 @@
           <p:cNvPr id="5" name="Textplatzhalter 4">
             <a:extLst>
               <a:ext uri="{FF2B5EF4-FFF2-40B4-BE49-F238E27FC236}">
-                <a16:creationId xmlns:a16="http://schemas.microsoft.com/office/drawing/2014/main" id="{B7E37FF2-D26E-346D-7388-058A44150F7E}"/>
+                <a16:creationId xmlns:a16="http://schemas.microsoft.com/office/drawing/2014/main" id="{ED89A79B-2B79-117C-E866-05DF21A4E062}"/>
               </a:ext>
             </a:extLst>
           </p:cNvPr>
@@ -4751,14 +6730,14 @@
           <a:bodyPr/>
           <a:lstStyle/>
           <a:p>
-            <a:endParaRPr lang="de-DE"/>
+            <a:endParaRPr lang="de-DE" dirty="0"/>
           </a:p>
         </p:txBody>
       </p:sp>
     </p:spTree>
     <p:extLst>
       <p:ext uri="{BB962C8B-B14F-4D97-AF65-F5344CB8AC3E}">
-        <p14:creationId xmlns:p14="http://schemas.microsoft.com/office/powerpoint/2010/main" val="4193895642"/>
+        <p14:creationId xmlns:p14="http://schemas.microsoft.com/office/powerpoint/2010/main" val="3692886023"/>
       </p:ext>
     </p:extLst>
   </p:cSld>
@@ -4798,6 +6777,610 @@
           <p:cNvPr id="2" name="Titel 1">
             <a:extLst>
               <a:ext uri="{FF2B5EF4-FFF2-40B4-BE49-F238E27FC236}">
+                <a16:creationId xmlns:a16="http://schemas.microsoft.com/office/drawing/2014/main" id="{7C56FBD6-3829-612C-58B0-95AE57C2D902}"/>
+              </a:ext>
+            </a:extLst>
+          </p:cNvPr>
+          <p:cNvSpPr>
+            <a:spLocks noGrp="1"/>
+          </p:cNvSpPr>
+          <p:nvPr>
+            <p:ph type="title"/>
+          </p:nvPr>
+        </p:nvSpPr>
+        <p:spPr>
+          <a:xfrm>
+            <a:off x="573088" y="188913"/>
+            <a:ext cx="8074025" cy="738664"/>
+          </a:xfrm>
+        </p:spPr>
+        <p:txBody>
+          <a:bodyPr/>
+          <a:lstStyle/>
+          <a:p>
+            <a:r>
+              <a:rPr lang="de-DE" dirty="0"/>
+              <a:t>Einseitige Beendigung des Arbeitsverhältnisses</a:t>
+            </a:r>
+            <a:br>
+              <a:rPr lang="de-DE" dirty="0"/>
+            </a:br>
+            <a:r>
+              <a:rPr lang="de-DE" b="0" dirty="0"/>
+              <a:t>Anfechtung</a:t>
+            </a:r>
+          </a:p>
+        </p:txBody>
+      </p:sp>
+      <p:sp>
+        <p:nvSpPr>
+          <p:cNvPr id="3" name="Inhaltsplatzhalter 2">
+            <a:extLst>
+              <a:ext uri="{FF2B5EF4-FFF2-40B4-BE49-F238E27FC236}">
+                <a16:creationId xmlns:a16="http://schemas.microsoft.com/office/drawing/2014/main" id="{CB5D3B4B-BCF3-0B2A-7177-74340007813C}"/>
+              </a:ext>
+            </a:extLst>
+          </p:cNvPr>
+          <p:cNvSpPr>
+            <a:spLocks noGrp="1"/>
+          </p:cNvSpPr>
+          <p:nvPr>
+            <p:ph idx="1"/>
+          </p:nvPr>
+        </p:nvSpPr>
+        <p:spPr/>
+        <p:txBody>
+          <a:bodyPr/>
+          <a:lstStyle/>
+          <a:p>
+            <a:r>
+              <a:rPr lang="de-DE" dirty="0"/>
+              <a:t>Gründe für eine Anfechtung</a:t>
+            </a:r>
+          </a:p>
+          <a:p>
+            <a:pPr lvl="1"/>
+            <a:r>
+              <a:rPr lang="de-DE" dirty="0"/>
+              <a:t>Irrtum</a:t>
+            </a:r>
+          </a:p>
+          <a:p>
+            <a:pPr lvl="1"/>
+            <a:r>
+              <a:rPr lang="de-DE" dirty="0"/>
+              <a:t>Arglistige Täuschung</a:t>
+            </a:r>
+          </a:p>
+          <a:p>
+            <a:pPr lvl="1"/>
+            <a:r>
+              <a:rPr lang="de-DE" dirty="0"/>
+              <a:t>Widerrechtliche Drohung</a:t>
+            </a:r>
+          </a:p>
+          <a:p>
+            <a:r>
+              <a:rPr lang="de-DE" dirty="0"/>
+              <a:t>Die Anfechtungserklärung ist eine empfangsbedürftige Willenserklärung</a:t>
+            </a:r>
+          </a:p>
+          <a:p>
+            <a:r>
+              <a:rPr lang="de-DE" dirty="0"/>
+              <a:t>Der Vertrag ist von Anfang an nichtig</a:t>
+            </a:r>
+          </a:p>
+          <a:p>
+            <a:r>
+              <a:rPr lang="de-DE" dirty="0"/>
+              <a:t>Bereits ausgetauschte Leistungen bleiben unangetastet</a:t>
+            </a:r>
+          </a:p>
+          <a:p>
+            <a:endParaRPr lang="de-DE" dirty="0"/>
+          </a:p>
+        </p:txBody>
+      </p:sp>
+      <p:sp>
+        <p:nvSpPr>
+          <p:cNvPr id="4" name="Textplatzhalter 3">
+            <a:extLst>
+              <a:ext uri="{FF2B5EF4-FFF2-40B4-BE49-F238E27FC236}">
+                <a16:creationId xmlns:a16="http://schemas.microsoft.com/office/drawing/2014/main" id="{F452B019-7CBF-2C24-22F0-AE6C5378F888}"/>
+              </a:ext>
+            </a:extLst>
+          </p:cNvPr>
+          <p:cNvSpPr>
+            <a:spLocks noGrp="1"/>
+          </p:cNvSpPr>
+          <p:nvPr>
+            <p:ph type="body" sz="quarter" idx="11"/>
+          </p:nvPr>
+        </p:nvSpPr>
+        <p:spPr/>
+        <p:txBody>
+          <a:bodyPr/>
+          <a:lstStyle/>
+          <a:p>
+            <a:r>
+              <a:rPr lang="de-DE" dirty="0"/>
+              <a:t>Robin Kierstein	</a:t>
+            </a:r>
+          </a:p>
+          <a:p>
+            <a:r>
+              <a:rPr lang="de-DE" sz="800" kern="0" dirty="0"/>
+              <a:t>Vgl. </a:t>
+            </a:r>
+            <a:r>
+              <a:rPr lang="de-DE" sz="800" kern="0" dirty="0" err="1"/>
+              <a:t>Wolmerath</a:t>
+            </a:r>
+            <a:r>
+              <a:rPr lang="de-DE" sz="800" kern="0" dirty="0"/>
+              <a:t>, M. (2022), S. 111</a:t>
+            </a:r>
+          </a:p>
+        </p:txBody>
+      </p:sp>
+      <p:sp>
+        <p:nvSpPr>
+          <p:cNvPr id="5" name="Textplatzhalter 4">
+            <a:extLst>
+              <a:ext uri="{FF2B5EF4-FFF2-40B4-BE49-F238E27FC236}">
+                <a16:creationId xmlns:a16="http://schemas.microsoft.com/office/drawing/2014/main" id="{B7E37FF2-D26E-346D-7388-058A44150F7E}"/>
+              </a:ext>
+            </a:extLst>
+          </p:cNvPr>
+          <p:cNvSpPr>
+            <a:spLocks noGrp="1"/>
+          </p:cNvSpPr>
+          <p:nvPr>
+            <p:ph type="body" sz="quarter" idx="12"/>
+          </p:nvPr>
+        </p:nvSpPr>
+        <p:spPr/>
+        <p:txBody>
+          <a:bodyPr/>
+          <a:lstStyle/>
+          <a:p>
+            <a:endParaRPr lang="de-DE"/>
+          </a:p>
+        </p:txBody>
+      </p:sp>
+    </p:spTree>
+    <p:extLst>
+      <p:ext uri="{BB962C8B-B14F-4D97-AF65-F5344CB8AC3E}">
+        <p14:creationId xmlns:p14="http://schemas.microsoft.com/office/powerpoint/2010/main" val="4193895642"/>
+      </p:ext>
+    </p:extLst>
+  </p:cSld>
+  <p:clrMapOvr>
+    <a:masterClrMapping/>
+  </p:clrMapOvr>
+  <mc:AlternateContent xmlns:mc="http://schemas.openxmlformats.org/markup-compatibility/2006" xmlns:p14="http://schemas.microsoft.com/office/powerpoint/2010/main">
+    <mc:Choice Requires="p14">
+      <p:transition p14:dur="10"/>
+    </mc:Choice>
+    <mc:Fallback xmlns="">
+      <p:transition/>
+    </mc:Fallback>
+  </mc:AlternateContent>
+</p:sld>
+</file>
+
+<file path=ppt/slides/slide5.xml><?xml version="1.0" encoding="utf-8"?>
+<p:sld xmlns:a="http://schemas.openxmlformats.org/drawingml/2006/main" xmlns:r="http://schemas.openxmlformats.org/officeDocument/2006/relationships" xmlns:p="http://schemas.openxmlformats.org/presentationml/2006/main">
+  <p:cSld>
+    <p:spTree>
+      <p:nvGrpSpPr>
+        <p:cNvPr id="1" name=""/>
+        <p:cNvGrpSpPr/>
+        <p:nvPr/>
+      </p:nvGrpSpPr>
+      <p:grpSpPr>
+        <a:xfrm>
+          <a:off x="0" y="0"/>
+          <a:ext cx="0" cy="0"/>
+          <a:chOff x="0" y="0"/>
+          <a:chExt cx="0" cy="0"/>
+        </a:xfrm>
+      </p:grpSpPr>
+      <p:sp>
+        <p:nvSpPr>
+          <p:cNvPr id="2" name="Titel 1">
+            <a:extLst>
+              <a:ext uri="{FF2B5EF4-FFF2-40B4-BE49-F238E27FC236}">
+                <a16:creationId xmlns:a16="http://schemas.microsoft.com/office/drawing/2014/main" id="{C5CE4113-43A3-C5DB-C051-101917157300}"/>
+              </a:ext>
+            </a:extLst>
+          </p:cNvPr>
+          <p:cNvSpPr>
+            <a:spLocks noGrp="1"/>
+          </p:cNvSpPr>
+          <p:nvPr>
+            <p:ph type="title"/>
+          </p:nvPr>
+        </p:nvSpPr>
+        <p:spPr>
+          <a:xfrm>
+            <a:off x="573088" y="188913"/>
+            <a:ext cx="8074025" cy="738664"/>
+          </a:xfrm>
+        </p:spPr>
+        <p:txBody>
+          <a:bodyPr/>
+          <a:lstStyle/>
+          <a:p>
+            <a:r>
+              <a:rPr lang="de-DE" dirty="0"/>
+              <a:t>Anfechtung</a:t>
+            </a:r>
+            <a:br>
+              <a:rPr lang="de-DE" dirty="0"/>
+            </a:br>
+            <a:r>
+              <a:rPr lang="de-DE" b="0" dirty="0"/>
+              <a:t>Praxisbeispiel</a:t>
+            </a:r>
+          </a:p>
+        </p:txBody>
+      </p:sp>
+      <p:sp>
+        <p:nvSpPr>
+          <p:cNvPr id="3" name="Inhaltsplatzhalter 2">
+            <a:extLst>
+              <a:ext uri="{FF2B5EF4-FFF2-40B4-BE49-F238E27FC236}">
+                <a16:creationId xmlns:a16="http://schemas.microsoft.com/office/drawing/2014/main" id="{0C4E52D7-CCDA-3095-C6D5-9F9BCA84CA61}"/>
+              </a:ext>
+            </a:extLst>
+          </p:cNvPr>
+          <p:cNvSpPr>
+            <a:spLocks noGrp="1"/>
+          </p:cNvSpPr>
+          <p:nvPr>
+            <p:ph idx="1"/>
+          </p:nvPr>
+        </p:nvSpPr>
+        <p:spPr/>
+        <p:txBody>
+          <a:bodyPr/>
+          <a:lstStyle/>
+          <a:p>
+            <a:r>
+              <a:rPr lang="de-DE" dirty="0"/>
+              <a:t>Arbeitgeber fordert eigenhändig handgeschriebenen Lebenslauf</a:t>
+            </a:r>
+          </a:p>
+          <a:p>
+            <a:r>
+              <a:rPr lang="de-DE" dirty="0"/>
+              <a:t>Schwerbehinderter Bewerber schreibt seinen Lebenslauf nicht eigenständig</a:t>
+            </a:r>
+          </a:p>
+          <a:p>
+            <a:r>
+              <a:rPr lang="de-DE" dirty="0"/>
+              <a:t>Der Bewerber wird eingestellt</a:t>
+            </a:r>
+          </a:p>
+          <a:p>
+            <a:r>
+              <a:rPr lang="de-DE" dirty="0"/>
+              <a:t>Ein Schriftvergleichsgutachten deckt den Sachverhalt auf</a:t>
+            </a:r>
+          </a:p>
+          <a:p>
+            <a:r>
+              <a:rPr lang="de-DE" dirty="0"/>
+              <a:t>Was kann der Arbeitgeber tun?</a:t>
+            </a:r>
+          </a:p>
+        </p:txBody>
+      </p:sp>
+      <p:sp>
+        <p:nvSpPr>
+          <p:cNvPr id="4" name="Textplatzhalter 3">
+            <a:extLst>
+              <a:ext uri="{FF2B5EF4-FFF2-40B4-BE49-F238E27FC236}">
+                <a16:creationId xmlns:a16="http://schemas.microsoft.com/office/drawing/2014/main" id="{8CC88C64-23E3-5B4D-718D-DDFEFBCD1599}"/>
+              </a:ext>
+            </a:extLst>
+          </p:cNvPr>
+          <p:cNvSpPr>
+            <a:spLocks noGrp="1"/>
+          </p:cNvSpPr>
+          <p:nvPr>
+            <p:ph type="body" sz="quarter" idx="11"/>
+          </p:nvPr>
+        </p:nvSpPr>
+        <p:spPr/>
+        <p:txBody>
+          <a:bodyPr/>
+          <a:lstStyle/>
+          <a:p>
+            <a:r>
+              <a:rPr lang="de-DE" dirty="0"/>
+              <a:t>Robin Kierstein</a:t>
+            </a:r>
+          </a:p>
+          <a:p>
+            <a:r>
+              <a:rPr lang="de-DE" dirty="0"/>
+              <a:t>Vgl. </a:t>
+            </a:r>
+            <a:r>
+              <a:rPr lang="de-DE" dirty="0" err="1"/>
+              <a:t>Reiserer</a:t>
+            </a:r>
+            <a:r>
+              <a:rPr lang="de-DE" dirty="0"/>
+              <a:t>, K. (2014), S. 10</a:t>
+            </a:r>
+          </a:p>
+        </p:txBody>
+      </p:sp>
+      <p:sp>
+        <p:nvSpPr>
+          <p:cNvPr id="5" name="Textplatzhalter 4">
+            <a:extLst>
+              <a:ext uri="{FF2B5EF4-FFF2-40B4-BE49-F238E27FC236}">
+                <a16:creationId xmlns:a16="http://schemas.microsoft.com/office/drawing/2014/main" id="{776D4840-014B-580F-0972-1478381B3BFD}"/>
+              </a:ext>
+            </a:extLst>
+          </p:cNvPr>
+          <p:cNvSpPr>
+            <a:spLocks noGrp="1"/>
+          </p:cNvSpPr>
+          <p:nvPr>
+            <p:ph type="body" sz="quarter" idx="12"/>
+          </p:nvPr>
+        </p:nvSpPr>
+        <p:spPr/>
+        <p:txBody>
+          <a:bodyPr/>
+          <a:lstStyle/>
+          <a:p>
+            <a:endParaRPr lang="de-DE"/>
+          </a:p>
+        </p:txBody>
+      </p:sp>
+    </p:spTree>
+    <p:extLst>
+      <p:ext uri="{BB962C8B-B14F-4D97-AF65-F5344CB8AC3E}">
+        <p14:creationId xmlns:p14="http://schemas.microsoft.com/office/powerpoint/2010/main" val="2085049054"/>
+      </p:ext>
+    </p:extLst>
+  </p:cSld>
+  <p:clrMapOvr>
+    <a:masterClrMapping/>
+  </p:clrMapOvr>
+  <mc:AlternateContent xmlns:mc="http://schemas.openxmlformats.org/markup-compatibility/2006" xmlns:p14="http://schemas.microsoft.com/office/powerpoint/2010/main">
+    <mc:Choice Requires="p14">
+      <p:transition p14:dur="10"/>
+    </mc:Choice>
+    <mc:Fallback xmlns="">
+      <p:transition/>
+    </mc:Fallback>
+  </mc:AlternateContent>
+</p:sld>
+</file>
+
+<file path=ppt/slides/slide6.xml><?xml version="1.0" encoding="utf-8"?>
+<p:sld xmlns:a="http://schemas.openxmlformats.org/drawingml/2006/main" xmlns:r="http://schemas.openxmlformats.org/officeDocument/2006/relationships" xmlns:p="http://schemas.openxmlformats.org/presentationml/2006/main">
+  <p:cSld>
+    <p:spTree>
+      <p:nvGrpSpPr>
+        <p:cNvPr id="1" name=""/>
+        <p:cNvGrpSpPr/>
+        <p:nvPr/>
+      </p:nvGrpSpPr>
+      <p:grpSpPr>
+        <a:xfrm>
+          <a:off x="0" y="0"/>
+          <a:ext cx="0" cy="0"/>
+          <a:chOff x="0" y="0"/>
+          <a:chExt cx="0" cy="0"/>
+        </a:xfrm>
+      </p:grpSpPr>
+      <p:sp>
+        <p:nvSpPr>
+          <p:cNvPr id="2" name="Titel 1">
+            <a:extLst>
+              <a:ext uri="{FF2B5EF4-FFF2-40B4-BE49-F238E27FC236}">
+                <a16:creationId xmlns:a16="http://schemas.microsoft.com/office/drawing/2014/main" id="{40FC93F0-C49E-FEF0-4C0E-47910E34211E}"/>
+              </a:ext>
+            </a:extLst>
+          </p:cNvPr>
+          <p:cNvSpPr>
+            <a:spLocks noGrp="1"/>
+          </p:cNvSpPr>
+          <p:nvPr>
+            <p:ph type="title"/>
+          </p:nvPr>
+        </p:nvSpPr>
+        <p:spPr>
+          <a:xfrm>
+            <a:off x="573088" y="188913"/>
+            <a:ext cx="8074025" cy="738664"/>
+          </a:xfrm>
+        </p:spPr>
+        <p:txBody>
+          <a:bodyPr/>
+          <a:lstStyle/>
+          <a:p>
+            <a:r>
+              <a:rPr lang="de-DE" dirty="0"/>
+              <a:t>Anfechtung</a:t>
+            </a:r>
+            <a:br>
+              <a:rPr lang="de-DE" dirty="0"/>
+            </a:br>
+            <a:r>
+              <a:rPr lang="de-DE" b="0" dirty="0"/>
+              <a:t>Praxisbeispiel - Lösung</a:t>
+            </a:r>
+            <a:endParaRPr lang="de-DE" dirty="0"/>
+          </a:p>
+        </p:txBody>
+      </p:sp>
+      <p:sp>
+        <p:nvSpPr>
+          <p:cNvPr id="3" name="Inhaltsplatzhalter 2">
+            <a:extLst>
+              <a:ext uri="{FF2B5EF4-FFF2-40B4-BE49-F238E27FC236}">
+                <a16:creationId xmlns:a16="http://schemas.microsoft.com/office/drawing/2014/main" id="{9392357A-3A25-F0F6-11EA-2F672EC20FD6}"/>
+              </a:ext>
+            </a:extLst>
+          </p:cNvPr>
+          <p:cNvSpPr>
+            <a:spLocks noGrp="1"/>
+          </p:cNvSpPr>
+          <p:nvPr>
+            <p:ph idx="1"/>
+          </p:nvPr>
+        </p:nvSpPr>
+        <p:spPr/>
+        <p:txBody>
+          <a:bodyPr/>
+          <a:lstStyle/>
+          <a:p>
+            <a:r>
+              <a:rPr lang="de-DE" dirty="0"/>
+              <a:t>Der Arbeitsvertrag kann vom Arbeitgeber angefochten werden</a:t>
+            </a:r>
+          </a:p>
+          <a:p>
+            <a:r>
+              <a:rPr lang="de-DE" dirty="0"/>
+              <a:t>Grund: Arglistige Täuschung</a:t>
+            </a:r>
+          </a:p>
+          <a:p>
+            <a:r>
+              <a:rPr lang="de-DE" dirty="0"/>
+              <a:t>Die Behinderung spielt für eine Anfechtung keine Rolle</a:t>
+            </a:r>
+          </a:p>
+          <a:p>
+            <a:pPr marL="0" indent="0">
+              <a:buNone/>
+            </a:pPr>
+            <a:endParaRPr lang="de-DE" dirty="0"/>
+          </a:p>
+        </p:txBody>
+      </p:sp>
+      <p:sp>
+        <p:nvSpPr>
+          <p:cNvPr id="4" name="Textplatzhalter 3">
+            <a:extLst>
+              <a:ext uri="{FF2B5EF4-FFF2-40B4-BE49-F238E27FC236}">
+                <a16:creationId xmlns:a16="http://schemas.microsoft.com/office/drawing/2014/main" id="{85DBD613-AA92-919D-1BC2-14729C18C978}"/>
+              </a:ext>
+            </a:extLst>
+          </p:cNvPr>
+          <p:cNvSpPr>
+            <a:spLocks noGrp="1"/>
+          </p:cNvSpPr>
+          <p:nvPr>
+            <p:ph type="body" sz="quarter" idx="11"/>
+          </p:nvPr>
+        </p:nvSpPr>
+        <p:spPr/>
+        <p:txBody>
+          <a:bodyPr/>
+          <a:lstStyle/>
+          <a:p>
+            <a:r>
+              <a:rPr lang="de-DE" dirty="0"/>
+              <a:t>Robin Kierstein</a:t>
+            </a:r>
+          </a:p>
+          <a:p>
+            <a:r>
+              <a:rPr lang="de-DE" dirty="0"/>
+              <a:t>Vgl. </a:t>
+            </a:r>
+            <a:r>
+              <a:rPr lang="de-DE" dirty="0" err="1"/>
+              <a:t>Reiserer</a:t>
+            </a:r>
+            <a:r>
+              <a:rPr lang="de-DE" dirty="0"/>
+              <a:t>, K. (2014), S. 10</a:t>
+            </a:r>
+          </a:p>
+        </p:txBody>
+      </p:sp>
+      <p:sp>
+        <p:nvSpPr>
+          <p:cNvPr id="5" name="Textplatzhalter 4">
+            <a:extLst>
+              <a:ext uri="{FF2B5EF4-FFF2-40B4-BE49-F238E27FC236}">
+                <a16:creationId xmlns:a16="http://schemas.microsoft.com/office/drawing/2014/main" id="{20A6492E-7704-1FC2-A842-F11F964B0F83}"/>
+              </a:ext>
+            </a:extLst>
+          </p:cNvPr>
+          <p:cNvSpPr>
+            <a:spLocks noGrp="1"/>
+          </p:cNvSpPr>
+          <p:nvPr>
+            <p:ph type="body" sz="quarter" idx="12"/>
+          </p:nvPr>
+        </p:nvSpPr>
+        <p:spPr/>
+        <p:txBody>
+          <a:bodyPr/>
+          <a:lstStyle/>
+          <a:p>
+            <a:endParaRPr lang="de-DE"/>
+          </a:p>
+        </p:txBody>
+      </p:sp>
+    </p:spTree>
+    <p:extLst>
+      <p:ext uri="{BB962C8B-B14F-4D97-AF65-F5344CB8AC3E}">
+        <p14:creationId xmlns:p14="http://schemas.microsoft.com/office/powerpoint/2010/main" val="1471201565"/>
+      </p:ext>
+    </p:extLst>
+  </p:cSld>
+  <p:clrMapOvr>
+    <a:masterClrMapping/>
+  </p:clrMapOvr>
+  <mc:AlternateContent xmlns:mc="http://schemas.openxmlformats.org/markup-compatibility/2006" xmlns:p14="http://schemas.microsoft.com/office/powerpoint/2010/main">
+    <mc:Choice Requires="p14">
+      <p:transition p14:dur="10"/>
+    </mc:Choice>
+    <mc:Fallback xmlns="">
+      <p:transition/>
+    </mc:Fallback>
+  </mc:AlternateContent>
+</p:sld>
+</file>
+
+<file path=ppt/slides/slide7.xml><?xml version="1.0" encoding="utf-8"?>
+<p:sld xmlns:a="http://schemas.openxmlformats.org/drawingml/2006/main" xmlns:r="http://schemas.openxmlformats.org/officeDocument/2006/relationships" xmlns:p="http://schemas.openxmlformats.org/presentationml/2006/main">
+  <p:cSld>
+    <p:spTree>
+      <p:nvGrpSpPr>
+        <p:cNvPr id="1" name=""/>
+        <p:cNvGrpSpPr/>
+        <p:nvPr/>
+      </p:nvGrpSpPr>
+      <p:grpSpPr>
+        <a:xfrm>
+          <a:off x="0" y="0"/>
+          <a:ext cx="0" cy="0"/>
+          <a:chOff x="0" y="0"/>
+          <a:chExt cx="0" cy="0"/>
+        </a:xfrm>
+      </p:grpSpPr>
+      <p:sp>
+        <p:nvSpPr>
+          <p:cNvPr id="2" name="Titel 1">
+            <a:extLst>
+              <a:ext uri="{FF2B5EF4-FFF2-40B4-BE49-F238E27FC236}">
                 <a16:creationId xmlns:a16="http://schemas.microsoft.com/office/drawing/2014/main" id="{E1A4F0AD-C668-F246-66C9-8EAE78096972}"/>
               </a:ext>
             </a:extLst>
@@ -4812,7 +7395,7 @@
         <p:spPr>
           <a:xfrm>
             <a:off x="573088" y="188913"/>
-            <a:ext cx="8074025" cy="369332"/>
+            <a:ext cx="8074025" cy="738664"/>
           </a:xfrm>
         </p:spPr>
         <p:txBody>
@@ -4821,6 +7404,13 @@
           <a:p>
             <a:r>
               <a:rPr lang="de-DE" dirty="0"/>
+              <a:t>Einseitige Beendigung des Arbeitsverhältnisses</a:t>
+            </a:r>
+            <a:br>
+              <a:rPr lang="de-DE" dirty="0"/>
+            </a:br>
+            <a:r>
+              <a:rPr lang="de-DE" b="0" dirty="0"/>
               <a:t>Kündigung des Arbeitsvertrags</a:t>
             </a:r>
           </a:p>
@@ -5086,7 +7676,24 @@
           <a:bodyPr/>
           <a:lstStyle/>
           <a:p>
-            <a:endParaRPr lang="de-DE"/>
+            <a:r>
+              <a:rPr lang="de-DE" dirty="0"/>
+              <a:t>Robin Kierstein</a:t>
+            </a:r>
+          </a:p>
+          <a:p>
+            <a:r>
+              <a:rPr lang="de-DE" sz="800" kern="0" dirty="0"/>
+              <a:t>Vgl. </a:t>
+            </a:r>
+            <a:r>
+              <a:rPr lang="de-DE" sz="800" kern="0" dirty="0" err="1"/>
+              <a:t>Wolmerath</a:t>
+            </a:r>
+            <a:r>
+              <a:rPr lang="de-DE" sz="800" kern="0" dirty="0"/>
+              <a:t>, M. (2022), S. 112</a:t>
+            </a:r>
           </a:p>
         </p:txBody>
       </p:sp>
@@ -5139,7 +7746,7 @@
 </p:sld>
 </file>
 
-<file path=ppt/slides/slide5.xml><?xml version="1.0" encoding="utf-8"?>
+<file path=ppt/slides/slide8.xml><?xml version="1.0" encoding="utf-8"?>
 <p:sld xmlns:a="http://schemas.openxmlformats.org/drawingml/2006/main" xmlns:r="http://schemas.openxmlformats.org/officeDocument/2006/relationships" xmlns:p="http://schemas.openxmlformats.org/presentationml/2006/main">
   <p:cSld>
     <p:spTree>
@@ -5175,7 +7782,7 @@
         <p:spPr>
           <a:xfrm>
             <a:off x="573088" y="188913"/>
-            <a:ext cx="8074025" cy="369332"/>
+            <a:ext cx="8074025" cy="738664"/>
           </a:xfrm>
         </p:spPr>
         <p:txBody>
@@ -5184,6 +7791,13 @@
           <a:p>
             <a:r>
               <a:rPr lang="de-DE" dirty="0"/>
+              <a:t>Einseitige Beendigung des Arbeitsverhältnisses</a:t>
+            </a:r>
+            <a:br>
+              <a:rPr lang="de-DE" dirty="0"/>
+            </a:br>
+            <a:r>
+              <a:rPr lang="de-DE" b="0" dirty="0"/>
               <a:t>Die ordentliche Kündigung</a:t>
             </a:r>
           </a:p>
@@ -5224,7 +7838,7 @@
           <a:p>
             <a:r>
               <a:rPr lang="de-DE" dirty="0"/>
-              <a:t>Abweichende Fristen durch z.B. Tarifverträge sind möglich</a:t>
+              <a:t>Längere Fristen durch z.B. Tarifverträge sind möglich</a:t>
             </a:r>
           </a:p>
           <a:p>
@@ -5277,7 +7891,24 @@
           <a:bodyPr/>
           <a:lstStyle/>
           <a:p>
-            <a:endParaRPr lang="de-DE"/>
+            <a:r>
+              <a:rPr lang="de-DE" dirty="0"/>
+              <a:t>Robin Kierstein</a:t>
+            </a:r>
+          </a:p>
+          <a:p>
+            <a:r>
+              <a:rPr lang="de-DE" dirty="0"/>
+              <a:t>Vgl. </a:t>
+            </a:r>
+            <a:r>
+              <a:rPr lang="de-DE" dirty="0" err="1"/>
+              <a:t>Reiserer</a:t>
+            </a:r>
+            <a:r>
+              <a:rPr lang="de-DE" dirty="0"/>
+              <a:t>, K. (2014), S. 43 f.</a:t>
+            </a:r>
           </a:p>
         </p:txBody>
       </p:sp>
@@ -5327,7 +7958,7 @@
 </p:sld>
 </file>
 
-<file path=ppt/slides/slide6.xml><?xml version="1.0" encoding="utf-8"?>
+<file path=ppt/slides/slide9.xml><?xml version="1.0" encoding="utf-8"?>
 <p:sld xmlns:a="http://schemas.openxmlformats.org/drawingml/2006/main" xmlns:r="http://schemas.openxmlformats.org/officeDocument/2006/relationships" xmlns:p="http://schemas.openxmlformats.org/presentationml/2006/main">
   <p:cSld>
     <p:spTree>
@@ -5363,7 +7994,7 @@
         <p:spPr>
           <a:xfrm>
             <a:off x="573088" y="188913"/>
-            <a:ext cx="8074025" cy="369332"/>
+            <a:ext cx="8074025" cy="738664"/>
           </a:xfrm>
         </p:spPr>
         <p:txBody>
@@ -5372,6 +8003,13 @@
           <a:p>
             <a:r>
               <a:rPr lang="de-DE" dirty="0"/>
+              <a:t>Die ordentliche Kündigung</a:t>
+            </a:r>
+            <a:br>
+              <a:rPr lang="de-DE" dirty="0"/>
+            </a:br>
+            <a:r>
+              <a:rPr lang="de-DE" b="0" dirty="0"/>
               <a:t>Kündigungsfristen</a:t>
             </a:r>
           </a:p>
@@ -6154,7 +8792,16 @@
           <a:bodyPr/>
           <a:lstStyle/>
           <a:p>
-            <a:endParaRPr lang="de-DE"/>
+            <a:r>
+              <a:rPr lang="de-DE" dirty="0"/>
+              <a:t>Robin Kierstein</a:t>
+            </a:r>
+          </a:p>
+          <a:p>
+            <a:r>
+              <a:rPr lang="de-DE" dirty="0"/>
+              <a:t>Vgl. §622 Abs. 2 BGB</a:t>
+            </a:r>
           </a:p>
         </p:txBody>
       </p:sp>
@@ -6162,512 +8809,6 @@
     <p:extLst>
       <p:ext uri="{BB962C8B-B14F-4D97-AF65-F5344CB8AC3E}">
         <p14:creationId xmlns:p14="http://schemas.microsoft.com/office/powerpoint/2010/main" val="4203972209"/>
-      </p:ext>
-    </p:extLst>
-  </p:cSld>
-  <p:clrMapOvr>
-    <a:masterClrMapping/>
-  </p:clrMapOvr>
-  <mc:AlternateContent xmlns:mc="http://schemas.openxmlformats.org/markup-compatibility/2006" xmlns:p14="http://schemas.microsoft.com/office/powerpoint/2010/main">
-    <mc:Choice Requires="p14">
-      <p:transition p14:dur="10"/>
-    </mc:Choice>
-    <mc:Fallback xmlns="">
-      <p:transition/>
-    </mc:Fallback>
-  </mc:AlternateContent>
-</p:sld>
-</file>
-
-<file path=ppt/slides/slide7.xml><?xml version="1.0" encoding="utf-8"?>
-<p:sld xmlns:a="http://schemas.openxmlformats.org/drawingml/2006/main" xmlns:r="http://schemas.openxmlformats.org/officeDocument/2006/relationships" xmlns:p="http://schemas.openxmlformats.org/presentationml/2006/main">
-  <p:cSld>
-    <p:spTree>
-      <p:nvGrpSpPr>
-        <p:cNvPr id="1" name=""/>
-        <p:cNvGrpSpPr/>
-        <p:nvPr/>
-      </p:nvGrpSpPr>
-      <p:grpSpPr>
-        <a:xfrm>
-          <a:off x="0" y="0"/>
-          <a:ext cx="0" cy="0"/>
-          <a:chOff x="0" y="0"/>
-          <a:chExt cx="0" cy="0"/>
-        </a:xfrm>
-      </p:grpSpPr>
-      <p:sp>
-        <p:nvSpPr>
-          <p:cNvPr id="2" name="Titel 1">
-            <a:extLst>
-              <a:ext uri="{FF2B5EF4-FFF2-40B4-BE49-F238E27FC236}">
-                <a16:creationId xmlns:a16="http://schemas.microsoft.com/office/drawing/2014/main" id="{6A337542-1EC9-FFF1-B800-7F0AF9DEF063}"/>
-              </a:ext>
-            </a:extLst>
-          </p:cNvPr>
-          <p:cNvSpPr>
-            <a:spLocks noGrp="1"/>
-          </p:cNvSpPr>
-          <p:nvPr>
-            <p:ph type="title"/>
-          </p:nvPr>
-        </p:nvSpPr>
-        <p:spPr>
-          <a:xfrm>
-            <a:off x="573088" y="188913"/>
-            <a:ext cx="8074025" cy="369332"/>
-          </a:xfrm>
-        </p:spPr>
-        <p:txBody>
-          <a:bodyPr/>
-          <a:lstStyle/>
-          <a:p>
-            <a:r>
-              <a:rPr lang="de-DE" dirty="0"/>
-              <a:t>Die außerordentliche Kündigung</a:t>
-            </a:r>
-          </a:p>
-        </p:txBody>
-      </p:sp>
-      <p:sp>
-        <p:nvSpPr>
-          <p:cNvPr id="3" name="Inhaltsplatzhalter 2">
-            <a:extLst>
-              <a:ext uri="{FF2B5EF4-FFF2-40B4-BE49-F238E27FC236}">
-                <a16:creationId xmlns:a16="http://schemas.microsoft.com/office/drawing/2014/main" id="{3EC28CAD-1760-126C-051D-69B192E95AD4}"/>
-              </a:ext>
-            </a:extLst>
-          </p:cNvPr>
-          <p:cNvSpPr>
-            <a:spLocks noGrp="1"/>
-          </p:cNvSpPr>
-          <p:nvPr>
-            <p:ph idx="1"/>
-          </p:nvPr>
-        </p:nvSpPr>
-        <p:spPr/>
-        <p:txBody>
-          <a:bodyPr/>
-          <a:lstStyle/>
-          <a:p>
-            <a:r>
-              <a:rPr lang="de-DE" dirty="0"/>
-              <a:t>Dreiwochenfrist zur Klageerhebung nach §4 S. 1 KSchG</a:t>
-            </a:r>
-          </a:p>
-          <a:p>
-            <a:r>
-              <a:rPr lang="de-DE" dirty="0"/>
-              <a:t>Keine Kündigungsfrist nach §626 Abs. 1 BGB</a:t>
-            </a:r>
-          </a:p>
-          <a:p>
-            <a:r>
-              <a:rPr lang="de-DE" dirty="0"/>
-              <a:t>Nur für Ausnahmefälle </a:t>
-            </a:r>
-          </a:p>
-          <a:p>
-            <a:r>
-              <a:rPr lang="de-DE" dirty="0"/>
-              <a:t>Anforderungen</a:t>
-            </a:r>
-          </a:p>
-          <a:p>
-            <a:pPr lvl="1"/>
-            <a:r>
-              <a:rPr lang="de-DE" dirty="0"/>
-              <a:t>Wichtige Gründe aufgrund derer der Regelfall nicht zumutbar ist</a:t>
-            </a:r>
-          </a:p>
-          <a:p>
-            <a:pPr lvl="1"/>
-            <a:r>
-              <a:rPr lang="de-DE" dirty="0"/>
-              <a:t>Muss innerhalb von zwei Wochen nach Kenntnisnahme erfolgen</a:t>
-            </a:r>
-          </a:p>
-        </p:txBody>
-      </p:sp>
-      <p:sp>
-        <p:nvSpPr>
-          <p:cNvPr id="4" name="Textplatzhalter 3">
-            <a:extLst>
-              <a:ext uri="{FF2B5EF4-FFF2-40B4-BE49-F238E27FC236}">
-                <a16:creationId xmlns:a16="http://schemas.microsoft.com/office/drawing/2014/main" id="{54EC0448-CE2D-5985-7764-ECD7171B00C2}"/>
-              </a:ext>
-            </a:extLst>
-          </p:cNvPr>
-          <p:cNvSpPr>
-            <a:spLocks noGrp="1"/>
-          </p:cNvSpPr>
-          <p:nvPr>
-            <p:ph type="body" sz="quarter" idx="11"/>
-          </p:nvPr>
-        </p:nvSpPr>
-        <p:spPr/>
-        <p:txBody>
-          <a:bodyPr/>
-          <a:lstStyle/>
-          <a:p>
-            <a:endParaRPr lang="de-DE"/>
-          </a:p>
-        </p:txBody>
-      </p:sp>
-      <p:sp>
-        <p:nvSpPr>
-          <p:cNvPr id="5" name="Textplatzhalter 4">
-            <a:extLst>
-              <a:ext uri="{FF2B5EF4-FFF2-40B4-BE49-F238E27FC236}">
-                <a16:creationId xmlns:a16="http://schemas.microsoft.com/office/drawing/2014/main" id="{F4311258-F132-0B51-55E2-3D8EB5D7FC17}"/>
-              </a:ext>
-            </a:extLst>
-          </p:cNvPr>
-          <p:cNvSpPr>
-            <a:spLocks noGrp="1"/>
-          </p:cNvSpPr>
-          <p:nvPr>
-            <p:ph type="body" sz="quarter" idx="12"/>
-          </p:nvPr>
-        </p:nvSpPr>
-        <p:spPr/>
-        <p:txBody>
-          <a:bodyPr/>
-          <a:lstStyle/>
-          <a:p>
-            <a:endParaRPr lang="de-DE"/>
-          </a:p>
-        </p:txBody>
-      </p:sp>
-    </p:spTree>
-    <p:extLst>
-      <p:ext uri="{BB962C8B-B14F-4D97-AF65-F5344CB8AC3E}">
-        <p14:creationId xmlns:p14="http://schemas.microsoft.com/office/powerpoint/2010/main" val="2227973568"/>
-      </p:ext>
-    </p:extLst>
-  </p:cSld>
-  <p:clrMapOvr>
-    <a:masterClrMapping/>
-  </p:clrMapOvr>
-  <mc:AlternateContent xmlns:mc="http://schemas.openxmlformats.org/markup-compatibility/2006" xmlns:p14="http://schemas.microsoft.com/office/powerpoint/2010/main">
-    <mc:Choice Requires="p14">
-      <p:transition p14:dur="10"/>
-    </mc:Choice>
-    <mc:Fallback xmlns="">
-      <p:transition/>
-    </mc:Fallback>
-  </mc:AlternateContent>
-</p:sld>
-</file>
-
-<file path=ppt/slides/slide8.xml><?xml version="1.0" encoding="utf-8"?>
-<p:sld xmlns:a="http://schemas.openxmlformats.org/drawingml/2006/main" xmlns:r="http://schemas.openxmlformats.org/officeDocument/2006/relationships" xmlns:p="http://schemas.openxmlformats.org/presentationml/2006/main">
-  <p:cSld>
-    <p:spTree>
-      <p:nvGrpSpPr>
-        <p:cNvPr id="1" name=""/>
-        <p:cNvGrpSpPr/>
-        <p:nvPr/>
-      </p:nvGrpSpPr>
-      <p:grpSpPr>
-        <a:xfrm>
-          <a:off x="0" y="0"/>
-          <a:ext cx="0" cy="0"/>
-          <a:chOff x="0" y="0"/>
-          <a:chExt cx="0" cy="0"/>
-        </a:xfrm>
-      </p:grpSpPr>
-      <p:sp>
-        <p:nvSpPr>
-          <p:cNvPr id="2" name="Titel 1">
-            <a:extLst>
-              <a:ext uri="{FF2B5EF4-FFF2-40B4-BE49-F238E27FC236}">
-                <a16:creationId xmlns:a16="http://schemas.microsoft.com/office/drawing/2014/main" id="{C14BF76C-D149-200F-6851-70577A9B201E}"/>
-              </a:ext>
-            </a:extLst>
-          </p:cNvPr>
-          <p:cNvSpPr>
-            <a:spLocks noGrp="1"/>
-          </p:cNvSpPr>
-          <p:nvPr>
-            <p:ph type="title"/>
-          </p:nvPr>
-        </p:nvSpPr>
-        <p:spPr>
-          <a:xfrm>
-            <a:off x="573088" y="188913"/>
-            <a:ext cx="8074025" cy="369332"/>
-          </a:xfrm>
-        </p:spPr>
-        <p:txBody>
-          <a:bodyPr/>
-          <a:lstStyle/>
-          <a:p>
-            <a:r>
-              <a:rPr lang="de-DE" dirty="0"/>
-              <a:t>Praxisbeispiel zur außerordentlichen Kündigung </a:t>
-            </a:r>
-          </a:p>
-        </p:txBody>
-      </p:sp>
-      <p:sp>
-        <p:nvSpPr>
-          <p:cNvPr id="3" name="Inhaltsplatzhalter 2">
-            <a:extLst>
-              <a:ext uri="{FF2B5EF4-FFF2-40B4-BE49-F238E27FC236}">
-                <a16:creationId xmlns:a16="http://schemas.microsoft.com/office/drawing/2014/main" id="{FEB7943B-FDD4-5162-9A03-D3A0B1159440}"/>
-              </a:ext>
-            </a:extLst>
-          </p:cNvPr>
-          <p:cNvSpPr>
-            <a:spLocks noGrp="1"/>
-          </p:cNvSpPr>
-          <p:nvPr>
-            <p:ph idx="1"/>
-          </p:nvPr>
-        </p:nvSpPr>
-        <p:spPr/>
-        <p:txBody>
-          <a:bodyPr/>
-          <a:lstStyle/>
-          <a:p>
-            <a:pPr marL="0" indent="0">
-              <a:buNone/>
-            </a:pPr>
-            <a:r>
-              <a:rPr lang="de-DE" sz="2000" dirty="0"/>
-              <a:t>Fritz Fischer arbeitet zu Hause im Home-Office. Seine Arbeitszeit erfasst er unter Verwendung eines Formulars, indem er dort den Beginn und das Ende seines jeweiligen Arbeitstages sowie die Pausen vermerkt. Mit seiner Unterschrift bestätigt er die Richtigkeit seiner Angaben. Bei einer Überprüfung der Arbeitszeiten wird festgestellt, dass Fritz Fischer über einen Zeitraum von drei Jahren 387 Überstunden vermerkt hat, die er nachweislich nicht geleistet hat. Auf den Arbeitszeitbetrug angesprochen zeigt er sich uneinsichtig und zuckt lediglich mit den Schultern. Daraufhin kündigt der Arbeitgeber das Arbeitsverhältnis fristlos gemäß §626 BGB.</a:t>
-            </a:r>
-          </a:p>
-        </p:txBody>
-      </p:sp>
-      <p:sp>
-        <p:nvSpPr>
-          <p:cNvPr id="4" name="Textplatzhalter 3">
-            <a:extLst>
-              <a:ext uri="{FF2B5EF4-FFF2-40B4-BE49-F238E27FC236}">
-                <a16:creationId xmlns:a16="http://schemas.microsoft.com/office/drawing/2014/main" id="{F36C306B-B48C-E425-2DCA-FBDA8707ECBC}"/>
-              </a:ext>
-            </a:extLst>
-          </p:cNvPr>
-          <p:cNvSpPr>
-            <a:spLocks noGrp="1"/>
-          </p:cNvSpPr>
-          <p:nvPr>
-            <p:ph type="body" sz="quarter" idx="11"/>
-          </p:nvPr>
-        </p:nvSpPr>
-        <p:spPr/>
-        <p:txBody>
-          <a:bodyPr/>
-          <a:lstStyle/>
-          <a:p>
-            <a:endParaRPr lang="de-DE"/>
-          </a:p>
-        </p:txBody>
-      </p:sp>
-      <p:sp>
-        <p:nvSpPr>
-          <p:cNvPr id="5" name="Textplatzhalter 4">
-            <a:extLst>
-              <a:ext uri="{FF2B5EF4-FFF2-40B4-BE49-F238E27FC236}">
-                <a16:creationId xmlns:a16="http://schemas.microsoft.com/office/drawing/2014/main" id="{95B34EED-C743-01E3-DB9E-687BAFAEFE5B}"/>
-              </a:ext>
-            </a:extLst>
-          </p:cNvPr>
-          <p:cNvSpPr>
-            <a:spLocks noGrp="1"/>
-          </p:cNvSpPr>
-          <p:nvPr>
-            <p:ph type="body" sz="quarter" idx="12"/>
-          </p:nvPr>
-        </p:nvSpPr>
-        <p:spPr/>
-        <p:txBody>
-          <a:bodyPr/>
-          <a:lstStyle/>
-          <a:p>
-            <a:endParaRPr lang="de-DE"/>
-          </a:p>
-        </p:txBody>
-      </p:sp>
-    </p:spTree>
-    <p:extLst>
-      <p:ext uri="{BB962C8B-B14F-4D97-AF65-F5344CB8AC3E}">
-        <p14:creationId xmlns:p14="http://schemas.microsoft.com/office/powerpoint/2010/main" val="4222792710"/>
-      </p:ext>
-    </p:extLst>
-  </p:cSld>
-  <p:clrMapOvr>
-    <a:masterClrMapping/>
-  </p:clrMapOvr>
-  <mc:AlternateContent xmlns:mc="http://schemas.openxmlformats.org/markup-compatibility/2006" xmlns:p14="http://schemas.microsoft.com/office/powerpoint/2010/main">
-    <mc:Choice Requires="p14">
-      <p:transition p14:dur="10"/>
-    </mc:Choice>
-    <mc:Fallback xmlns="">
-      <p:transition/>
-    </mc:Fallback>
-  </mc:AlternateContent>
-</p:sld>
-</file>
-
-<file path=ppt/slides/slide9.xml><?xml version="1.0" encoding="utf-8"?>
-<p:sld xmlns:a="http://schemas.openxmlformats.org/drawingml/2006/main" xmlns:r="http://schemas.openxmlformats.org/officeDocument/2006/relationships" xmlns:p="http://schemas.openxmlformats.org/presentationml/2006/main">
-  <p:cSld>
-    <p:spTree>
-      <p:nvGrpSpPr>
-        <p:cNvPr id="1" name=""/>
-        <p:cNvGrpSpPr/>
-        <p:nvPr/>
-      </p:nvGrpSpPr>
-      <p:grpSpPr>
-        <a:xfrm>
-          <a:off x="0" y="0"/>
-          <a:ext cx="0" cy="0"/>
-          <a:chOff x="0" y="0"/>
-          <a:chExt cx="0" cy="0"/>
-        </a:xfrm>
-      </p:grpSpPr>
-      <p:sp>
-        <p:nvSpPr>
-          <p:cNvPr id="2" name="Titel 1">
-            <a:extLst>
-              <a:ext uri="{FF2B5EF4-FFF2-40B4-BE49-F238E27FC236}">
-                <a16:creationId xmlns:a16="http://schemas.microsoft.com/office/drawing/2014/main" id="{969F001F-8F34-E08B-4221-7B72D03A08C9}"/>
-              </a:ext>
-            </a:extLst>
-          </p:cNvPr>
-          <p:cNvSpPr>
-            <a:spLocks noGrp="1"/>
-          </p:cNvSpPr>
-          <p:nvPr>
-            <p:ph type="title"/>
-          </p:nvPr>
-        </p:nvSpPr>
-        <p:spPr>
-          <a:xfrm>
-            <a:off x="573088" y="188913"/>
-            <a:ext cx="8074025" cy="369332"/>
-          </a:xfrm>
-        </p:spPr>
-        <p:txBody>
-          <a:bodyPr/>
-          <a:lstStyle/>
-          <a:p>
-            <a:r>
-              <a:rPr lang="de-DE" dirty="0"/>
-              <a:t>Die Änderungskündigung</a:t>
-            </a:r>
-          </a:p>
-        </p:txBody>
-      </p:sp>
-      <p:sp>
-        <p:nvSpPr>
-          <p:cNvPr id="3" name="Inhaltsplatzhalter 2">
-            <a:extLst>
-              <a:ext uri="{FF2B5EF4-FFF2-40B4-BE49-F238E27FC236}">
-                <a16:creationId xmlns:a16="http://schemas.microsoft.com/office/drawing/2014/main" id="{191D54B7-2DE4-9583-CBD2-EF375384ACCC}"/>
-              </a:ext>
-            </a:extLst>
-          </p:cNvPr>
-          <p:cNvSpPr>
-            <a:spLocks noGrp="1"/>
-          </p:cNvSpPr>
-          <p:nvPr>
-            <p:ph idx="1"/>
-          </p:nvPr>
-        </p:nvSpPr>
-        <p:spPr/>
-        <p:txBody>
-          <a:bodyPr/>
-          <a:lstStyle/>
-          <a:p>
-            <a:r>
-              <a:rPr lang="de-DE" dirty="0"/>
-              <a:t>Kündigung wird mit einem Angebot verbunden</a:t>
-            </a:r>
-          </a:p>
-          <a:p>
-            <a:r>
-              <a:rPr lang="de-DE" dirty="0"/>
-              <a:t>Arbeitsverhältnis kann zu geänderten Konditionen fortgesetzt werden</a:t>
-            </a:r>
-          </a:p>
-          <a:p>
-            <a:r>
-              <a:rPr lang="de-DE" dirty="0"/>
-              <a:t>Gekündigter hat die Wahl</a:t>
-            </a:r>
-          </a:p>
-          <a:p>
-            <a:r>
-              <a:rPr lang="de-DE" dirty="0"/>
-              <a:t>Meist von Arbeitgeber verwendet</a:t>
-            </a:r>
-          </a:p>
-          <a:p>
-            <a:r>
-              <a:rPr lang="de-DE" dirty="0"/>
-              <a:t>Nötig wenn zugewiesene Arbeit nicht mit Weisungsrecht übereinstimmt</a:t>
-            </a:r>
-          </a:p>
-        </p:txBody>
-      </p:sp>
-      <p:sp>
-        <p:nvSpPr>
-          <p:cNvPr id="4" name="Textplatzhalter 3">
-            <a:extLst>
-              <a:ext uri="{FF2B5EF4-FFF2-40B4-BE49-F238E27FC236}">
-                <a16:creationId xmlns:a16="http://schemas.microsoft.com/office/drawing/2014/main" id="{0AB1DAAC-D3E8-6919-1FDD-3A5CB2C3F336}"/>
-              </a:ext>
-            </a:extLst>
-          </p:cNvPr>
-          <p:cNvSpPr>
-            <a:spLocks noGrp="1"/>
-          </p:cNvSpPr>
-          <p:nvPr>
-            <p:ph type="body" sz="quarter" idx="11"/>
-          </p:nvPr>
-        </p:nvSpPr>
-        <p:spPr/>
-        <p:txBody>
-          <a:bodyPr/>
-          <a:lstStyle/>
-          <a:p>
-            <a:endParaRPr lang="de-DE"/>
-          </a:p>
-        </p:txBody>
-      </p:sp>
-      <p:sp>
-        <p:nvSpPr>
-          <p:cNvPr id="5" name="Textplatzhalter 4">
-            <a:extLst>
-              <a:ext uri="{FF2B5EF4-FFF2-40B4-BE49-F238E27FC236}">
-                <a16:creationId xmlns:a16="http://schemas.microsoft.com/office/drawing/2014/main" id="{B1E682C8-3859-4C8D-29D3-857A2681A671}"/>
-              </a:ext>
-            </a:extLst>
-          </p:cNvPr>
-          <p:cNvSpPr>
-            <a:spLocks noGrp="1"/>
-          </p:cNvSpPr>
-          <p:nvPr>
-            <p:ph type="body" sz="quarter" idx="12"/>
-          </p:nvPr>
-        </p:nvSpPr>
-        <p:spPr/>
-        <p:txBody>
-          <a:bodyPr/>
-          <a:lstStyle/>
-          <a:p>
-            <a:endParaRPr lang="de-DE"/>
-          </a:p>
-        </p:txBody>
-      </p:sp>
-    </p:spTree>
-    <p:extLst>
-      <p:ext uri="{BB962C8B-B14F-4D97-AF65-F5344CB8AC3E}">
-        <p14:creationId xmlns:p14="http://schemas.microsoft.com/office/powerpoint/2010/main" val="2187927598"/>
       </p:ext>
     </p:extLst>
   </p:cSld>
@@ -6929,14 +9070,14 @@
         <a:effectLst/>
         <a:extLst>
           <a:ext uri="{909E8E84-426E-40dd-AFC4-6F175D3DCCD1}">
-            <a14:hiddenFill xmlns="" xmlns:a14="http://schemas.microsoft.com/office/drawing/2010/main">
+            <a14:hiddenFill xmlns:a14="http://schemas.microsoft.com/office/drawing/2010/main" xmlns="">
               <a:solidFill>
                 <a:schemeClr val="accent2"/>
               </a:solidFill>
             </a14:hiddenFill>
           </a:ext>
           <a:ext uri="{AF507438-7753-43e0-B8FC-AC1667EBCBE1}">
-            <a14:hiddenEffects xmlns="" xmlns:a14="http://schemas.microsoft.com/office/drawing/2010/main">
+            <a14:hiddenEffects xmlns:a14="http://schemas.microsoft.com/office/drawing/2010/main" xmlns="">
               <a:effectLst>
                 <a:outerShdw blurRad="63500" dist="35921" dir="2700000" algn="ctr" rotWithShape="0">
                   <a:schemeClr val="bg2"/>
@@ -7009,14 +9150,14 @@
         <a:effectLst/>
         <a:extLst>
           <a:ext uri="{909E8E84-426E-40dd-AFC4-6F175D3DCCD1}">
-            <a14:hiddenFill xmlns="" xmlns:a14="http://schemas.microsoft.com/office/drawing/2010/main">
+            <a14:hiddenFill xmlns:a14="http://schemas.microsoft.com/office/drawing/2010/main" xmlns="">
               <a:solidFill>
                 <a:schemeClr val="accent2"/>
               </a:solidFill>
             </a14:hiddenFill>
           </a:ext>
           <a:ext uri="{AF507438-7753-43e0-B8FC-AC1667EBCBE1}">
-            <a14:hiddenEffects xmlns="" xmlns:a14="http://schemas.microsoft.com/office/drawing/2010/main">
+            <a14:hiddenEffects xmlns:a14="http://schemas.microsoft.com/office/drawing/2010/main" xmlns="">
               <a:effectLst>
                 <a:outerShdw blurRad="63500" dist="35921" dir="2700000" algn="ctr" rotWithShape="0">
                   <a:schemeClr val="bg2"/>

--- a/Führung Folien Robin.pptx
+++ b/Führung Folien Robin.pptx
@@ -303,14 +303,14 @@
           <a:effectLst/>
           <a:extLst>
             <a:ext uri="{909E8E84-426E-40dd-AFC4-6F175D3DCCD1}">
-              <a14:hiddenFill xmlns:a14="http://schemas.microsoft.com/office/drawing/2010/main" xmlns="">
+              <a14:hiddenFill xmlns="" xmlns:a14="http://schemas.microsoft.com/office/drawing/2010/main">
                 <a:solidFill>
                   <a:schemeClr val="accent1"/>
                 </a:solidFill>
               </a14:hiddenFill>
             </a:ext>
             <a:ext uri="{91240B29-F687-4f45-9708-019B960494DF}">
-              <a14:hiddenLine xmlns:a14="http://schemas.microsoft.com/office/drawing/2010/main" xmlns="" w="9525">
+              <a14:hiddenLine xmlns="" xmlns:a14="http://schemas.microsoft.com/office/drawing/2010/main" w="9525">
                 <a:solidFill>
                   <a:schemeClr val="tx1"/>
                 </a:solidFill>
@@ -320,7 +320,7 @@
               </a14:hiddenLine>
             </a:ext>
             <a:ext uri="{AF507438-7753-43e0-B8FC-AC1667EBCBE1}">
-              <a14:hiddenEffects xmlns:a14="http://schemas.microsoft.com/office/drawing/2010/main" xmlns="">
+              <a14:hiddenEffects xmlns="" xmlns:a14="http://schemas.microsoft.com/office/drawing/2010/main">
                 <a:effectLst>
                   <a:outerShdw blurRad="63500" dist="38099" dir="2700000" algn="ctr" rotWithShape="0">
                     <a:schemeClr val="bg2">
@@ -331,7 +331,7 @@
               </a14:hiddenEffects>
             </a:ext>
             <a:ext uri="{FAA26D3D-D897-4be2-8F04-BA451C77F1D7}">
-              <ma14:placeholderFlag xmlns:ma14="http://schemas.microsoft.com/office/mac/drawingml/2011/main" xmlns="" val="1"/>
+              <ma14:placeholderFlag xmlns="" xmlns:ma14="http://schemas.microsoft.com/office/mac/drawingml/2011/main" val="1"/>
             </a:ext>
           </a:extLst>
         </p:spPr>
@@ -385,14 +385,14 @@
           <a:effectLst/>
           <a:extLst>
             <a:ext uri="{909E8E84-426E-40dd-AFC4-6F175D3DCCD1}">
-              <a14:hiddenFill xmlns:a14="http://schemas.microsoft.com/office/drawing/2010/main" xmlns="">
+              <a14:hiddenFill xmlns="" xmlns:a14="http://schemas.microsoft.com/office/drawing/2010/main">
                 <a:solidFill>
                   <a:schemeClr val="accent1"/>
                 </a:solidFill>
               </a14:hiddenFill>
             </a:ext>
             <a:ext uri="{91240B29-F687-4f45-9708-019B960494DF}">
-              <a14:hiddenLine xmlns:a14="http://schemas.microsoft.com/office/drawing/2010/main" xmlns="" w="9525">
+              <a14:hiddenLine xmlns="" xmlns:a14="http://schemas.microsoft.com/office/drawing/2010/main" w="9525">
                 <a:solidFill>
                   <a:schemeClr val="tx1"/>
                 </a:solidFill>
@@ -402,7 +402,7 @@
               </a14:hiddenLine>
             </a:ext>
             <a:ext uri="{AF507438-7753-43e0-B8FC-AC1667EBCBE1}">
-              <a14:hiddenEffects xmlns:a14="http://schemas.microsoft.com/office/drawing/2010/main" xmlns="">
+              <a14:hiddenEffects xmlns="" xmlns:a14="http://schemas.microsoft.com/office/drawing/2010/main">
                 <a:effectLst>
                   <a:outerShdw blurRad="63500" dist="38099" dir="2700000" algn="ctr" rotWithShape="0">
                     <a:schemeClr val="bg2">
@@ -413,7 +413,7 @@
               </a14:hiddenEffects>
             </a:ext>
             <a:ext uri="{FAA26D3D-D897-4be2-8F04-BA451C77F1D7}">
-              <ma14:placeholderFlag xmlns:ma14="http://schemas.microsoft.com/office/mac/drawingml/2011/main" xmlns="" val="1"/>
+              <ma14:placeholderFlag xmlns="" xmlns:ma14="http://schemas.microsoft.com/office/mac/drawingml/2011/main" val="1"/>
             </a:ext>
           </a:extLst>
         </p:spPr>
@@ -467,14 +467,14 @@
           <a:effectLst/>
           <a:extLst>
             <a:ext uri="{909E8E84-426E-40dd-AFC4-6F175D3DCCD1}">
-              <a14:hiddenFill xmlns:a14="http://schemas.microsoft.com/office/drawing/2010/main" xmlns="">
+              <a14:hiddenFill xmlns="" xmlns:a14="http://schemas.microsoft.com/office/drawing/2010/main">
                 <a:solidFill>
                   <a:schemeClr val="accent1"/>
                 </a:solidFill>
               </a14:hiddenFill>
             </a:ext>
             <a:ext uri="{91240B29-F687-4f45-9708-019B960494DF}">
-              <a14:hiddenLine xmlns:a14="http://schemas.microsoft.com/office/drawing/2010/main" xmlns="" w="9525">
+              <a14:hiddenLine xmlns="" xmlns:a14="http://schemas.microsoft.com/office/drawing/2010/main" w="9525">
                 <a:solidFill>
                   <a:schemeClr val="tx1"/>
                 </a:solidFill>
@@ -484,7 +484,7 @@
               </a14:hiddenLine>
             </a:ext>
             <a:ext uri="{AF507438-7753-43e0-B8FC-AC1667EBCBE1}">
-              <a14:hiddenEffects xmlns:a14="http://schemas.microsoft.com/office/drawing/2010/main" xmlns="">
+              <a14:hiddenEffects xmlns="" xmlns:a14="http://schemas.microsoft.com/office/drawing/2010/main">
                 <a:effectLst>
                   <a:outerShdw blurRad="63500" dist="38099" dir="2700000" algn="ctr" rotWithShape="0">
                     <a:schemeClr val="bg2">
@@ -495,7 +495,7 @@
               </a14:hiddenEffects>
             </a:ext>
             <a:ext uri="{FAA26D3D-D897-4be2-8F04-BA451C77F1D7}">
-              <ma14:placeholderFlag xmlns:ma14="http://schemas.microsoft.com/office/mac/drawingml/2011/main" xmlns="" val="1"/>
+              <ma14:placeholderFlag xmlns="" xmlns:ma14="http://schemas.microsoft.com/office/mac/drawingml/2011/main" val="1"/>
             </a:ext>
           </a:extLst>
         </p:spPr>
@@ -549,14 +549,14 @@
           <a:effectLst/>
           <a:extLst>
             <a:ext uri="{909E8E84-426E-40dd-AFC4-6F175D3DCCD1}">
-              <a14:hiddenFill xmlns:a14="http://schemas.microsoft.com/office/drawing/2010/main" xmlns="">
+              <a14:hiddenFill xmlns="" xmlns:a14="http://schemas.microsoft.com/office/drawing/2010/main">
                 <a:solidFill>
                   <a:schemeClr val="accent1"/>
                 </a:solidFill>
               </a14:hiddenFill>
             </a:ext>
             <a:ext uri="{91240B29-F687-4f45-9708-019B960494DF}">
-              <a14:hiddenLine xmlns:a14="http://schemas.microsoft.com/office/drawing/2010/main" xmlns="" w="9525">
+              <a14:hiddenLine xmlns="" xmlns:a14="http://schemas.microsoft.com/office/drawing/2010/main" w="9525">
                 <a:solidFill>
                   <a:schemeClr val="tx1"/>
                 </a:solidFill>
@@ -566,7 +566,7 @@
               </a14:hiddenLine>
             </a:ext>
             <a:ext uri="{AF507438-7753-43e0-B8FC-AC1667EBCBE1}">
-              <a14:hiddenEffects xmlns:a14="http://schemas.microsoft.com/office/drawing/2010/main" xmlns="">
+              <a14:hiddenEffects xmlns="" xmlns:a14="http://schemas.microsoft.com/office/drawing/2010/main">
                 <a:effectLst>
                   <a:outerShdw blurRad="63500" dist="38099" dir="2700000" algn="ctr" rotWithShape="0">
                     <a:schemeClr val="bg2">
@@ -577,7 +577,7 @@
               </a14:hiddenEffects>
             </a:ext>
             <a:ext uri="{FAA26D3D-D897-4be2-8F04-BA451C77F1D7}">
-              <ma14:placeholderFlag xmlns:ma14="http://schemas.microsoft.com/office/mac/drawingml/2011/main" xmlns="" val="1"/>
+              <ma14:placeholderFlag xmlns="" xmlns:ma14="http://schemas.microsoft.com/office/mac/drawingml/2011/main" val="1"/>
             </a:ext>
           </a:extLst>
         </p:spPr>
@@ -673,7 +673,7 @@
           <a:effectLst/>
           <a:extLst>
             <a:ext uri="{AF507438-7753-43e0-B8FC-AC1667EBCBE1}">
-              <a14:hiddenEffects xmlns:a14="http://schemas.microsoft.com/office/drawing/2010/main" xmlns="">
+              <a14:hiddenEffects xmlns="" xmlns:a14="http://schemas.microsoft.com/office/drawing/2010/main">
                 <a:effectLst>
                   <a:outerShdw blurRad="63500" dist="38099" dir="2700000" algn="ctr" rotWithShape="0">
                     <a:srgbClr val="000000">
@@ -684,7 +684,7 @@
               </a14:hiddenEffects>
             </a:ext>
             <a:ext uri="{53640926-AAD7-44d8-BBD7-CCE9431645EC}">
-              <a14:shadowObscured xmlns:a14="http://schemas.microsoft.com/office/drawing/2010/main" xmlns="" val="1"/>
+              <a14:shadowObscured xmlns="" xmlns:a14="http://schemas.microsoft.com/office/drawing/2010/main" val="1"/>
             </a:ext>
           </a:extLst>
         </p:spPr>
@@ -714,14 +714,14 @@
           <a:effectLst/>
           <a:extLst>
             <a:ext uri="{909E8E84-426E-40dd-AFC4-6F175D3DCCD1}">
-              <a14:hiddenFill xmlns:a14="http://schemas.microsoft.com/office/drawing/2010/main" xmlns="">
+              <a14:hiddenFill xmlns="" xmlns:a14="http://schemas.microsoft.com/office/drawing/2010/main">
                 <a:solidFill>
                   <a:schemeClr val="accent1"/>
                 </a:solidFill>
               </a14:hiddenFill>
             </a:ext>
             <a:ext uri="{91240B29-F687-4f45-9708-019B960494DF}">
-              <a14:hiddenLine xmlns:a14="http://schemas.microsoft.com/office/drawing/2010/main" xmlns="" w="9525">
+              <a14:hiddenLine xmlns="" xmlns:a14="http://schemas.microsoft.com/office/drawing/2010/main" w="9525">
                 <a:solidFill>
                   <a:schemeClr val="tx1"/>
                 </a:solidFill>
@@ -731,7 +731,7 @@
               </a14:hiddenLine>
             </a:ext>
             <a:ext uri="{AF507438-7753-43e0-B8FC-AC1667EBCBE1}">
-              <a14:hiddenEffects xmlns:a14="http://schemas.microsoft.com/office/drawing/2010/main" xmlns="">
+              <a14:hiddenEffects xmlns="" xmlns:a14="http://schemas.microsoft.com/office/drawing/2010/main">
                 <a:effectLst>
                   <a:outerShdw blurRad="63500" dist="38099" dir="2700000" algn="ctr" rotWithShape="0">
                     <a:schemeClr val="bg2">
@@ -742,7 +742,7 @@
               </a14:hiddenEffects>
             </a:ext>
             <a:ext uri="{FAA26D3D-D897-4be2-8F04-BA451C77F1D7}">
-              <ma14:placeholderFlag xmlns:ma14="http://schemas.microsoft.com/office/mac/drawingml/2011/main" xmlns="" val="1"/>
+              <ma14:placeholderFlag xmlns="" xmlns:ma14="http://schemas.microsoft.com/office/mac/drawingml/2011/main" val="1"/>
             </a:ext>
           </a:extLst>
         </p:spPr>
@@ -926,7 +926,7 @@
           <a:ln/>
           <a:extLst>
             <a:ext uri="{FAA26D3D-D897-4be2-8F04-BA451C77F1D7}">
-              <ma14:placeholderFlag xmlns:ma14="http://schemas.microsoft.com/office/mac/drawingml/2011/main" xmlns="" val="1"/>
+              <ma14:placeholderFlag xmlns="" xmlns:ma14="http://schemas.microsoft.com/office/mac/drawingml/2011/main" val="1"/>
             </a:ext>
           </a:extLst>
         </p:spPr>
@@ -1160,14 +1160,14 @@
         <p:spPr>
           <a:extLst>
             <a:ext uri="{909E8E84-426E-40dd-AFC4-6F175D3DCCD1}">
-              <a14:hiddenFill xmlns:a14="http://schemas.microsoft.com/office/drawing/2010/main" xmlns="">
+              <a14:hiddenFill xmlns="" xmlns:a14="http://schemas.microsoft.com/office/drawing/2010/main">
                 <a:solidFill>
                   <a:schemeClr val="accent2"/>
                 </a:solidFill>
               </a14:hiddenFill>
             </a:ext>
             <a:ext uri="{91240B29-F687-4f45-9708-019B960494DF}">
-              <a14:hiddenLine xmlns:a14="http://schemas.microsoft.com/office/drawing/2010/main" xmlns="" w="9525">
+              <a14:hiddenLine xmlns="" xmlns:a14="http://schemas.microsoft.com/office/drawing/2010/main" w="9525">
                 <a:solidFill>
                   <a:schemeClr val="accent2"/>
                 </a:solidFill>
@@ -2550,14 +2550,14 @@
           <a:effectLst/>
           <a:extLst>
             <a:ext uri="{909E8E84-426E-40dd-AFC4-6F175D3DCCD1}">
-              <a14:hiddenFill xmlns:a14="http://schemas.microsoft.com/office/drawing/2010/main" xmlns="">
+              <a14:hiddenFill xmlns="" xmlns:a14="http://schemas.microsoft.com/office/drawing/2010/main">
                 <a:solidFill>
                   <a:schemeClr val="accent2"/>
                 </a:solidFill>
               </a14:hiddenFill>
             </a:ext>
             <a:ext uri="{AF507438-7753-43e0-B8FC-AC1667EBCBE1}">
-              <a14:hiddenEffects xmlns:a14="http://schemas.microsoft.com/office/drawing/2010/main" xmlns="">
+              <a14:hiddenEffects xmlns="" xmlns:a14="http://schemas.microsoft.com/office/drawing/2010/main">
                 <a:effectLst>
                   <a:outerShdw blurRad="63500" dist="35921" dir="2700000" algn="ctr" rotWithShape="0">
                     <a:schemeClr val="bg2"/>
@@ -2764,14 +2764,14 @@
           <a:effectLst/>
           <a:extLst>
             <a:ext uri="{909E8E84-426E-40dd-AFC4-6F175D3DCCD1}">
-              <a14:hiddenFill xmlns:a14="http://schemas.microsoft.com/office/drawing/2010/main" xmlns="">
+              <a14:hiddenFill xmlns="" xmlns:a14="http://schemas.microsoft.com/office/drawing/2010/main">
                 <a:solidFill>
                   <a:schemeClr val="accent1"/>
                 </a:solidFill>
               </a14:hiddenFill>
             </a:ext>
             <a:ext uri="{91240B29-F687-4f45-9708-019B960494DF}">
-              <a14:hiddenLine xmlns:a14="http://schemas.microsoft.com/office/drawing/2010/main" xmlns="" w="9525">
+              <a14:hiddenLine xmlns="" xmlns:a14="http://schemas.microsoft.com/office/drawing/2010/main" w="9525">
                 <a:solidFill>
                   <a:schemeClr val="tx1"/>
                 </a:solidFill>
@@ -2781,7 +2781,7 @@
               </a14:hiddenLine>
             </a:ext>
             <a:ext uri="{AF507438-7753-43e0-B8FC-AC1667EBCBE1}">
-              <a14:hiddenEffects xmlns:a14="http://schemas.microsoft.com/office/drawing/2010/main" xmlns="">
+              <a14:hiddenEffects xmlns="" xmlns:a14="http://schemas.microsoft.com/office/drawing/2010/main">
                 <a:effectLst>
                   <a:outerShdw blurRad="63500" dist="38099" dir="2700000" algn="ctr" rotWithShape="0">
                     <a:schemeClr val="bg2">
@@ -2792,7 +2792,7 @@
               </a14:hiddenEffects>
             </a:ext>
             <a:ext uri="{FAA26D3D-D897-4be2-8F04-BA451C77F1D7}">
-              <ma14:placeholderFlag xmlns:ma14="http://schemas.microsoft.com/office/mac/drawingml/2011/main" xmlns="" val="1"/>
+              <ma14:placeholderFlag xmlns="" xmlns:ma14="http://schemas.microsoft.com/office/mac/drawingml/2011/main" val="1"/>
             </a:ext>
           </a:extLst>
         </p:spPr>
@@ -2836,14 +2836,14 @@
           <a:effectLst/>
           <a:extLst>
             <a:ext uri="{909E8E84-426E-40dd-AFC4-6F175D3DCCD1}">
-              <a14:hiddenFill xmlns:a14="http://schemas.microsoft.com/office/drawing/2010/main" xmlns="">
+              <a14:hiddenFill xmlns="" xmlns:a14="http://schemas.microsoft.com/office/drawing/2010/main">
                 <a:solidFill>
                   <a:schemeClr val="accent1"/>
                 </a:solidFill>
               </a14:hiddenFill>
             </a:ext>
             <a:ext uri="{91240B29-F687-4f45-9708-019B960494DF}">
-              <a14:hiddenLine xmlns:a14="http://schemas.microsoft.com/office/drawing/2010/main" xmlns="" w="9525">
+              <a14:hiddenLine xmlns="" xmlns:a14="http://schemas.microsoft.com/office/drawing/2010/main" w="9525">
                 <a:solidFill>
                   <a:schemeClr val="tx1"/>
                 </a:solidFill>
@@ -2853,7 +2853,7 @@
               </a14:hiddenLine>
             </a:ext>
             <a:ext uri="{AF507438-7753-43e0-B8FC-AC1667EBCBE1}">
-              <a14:hiddenEffects xmlns:a14="http://schemas.microsoft.com/office/drawing/2010/main" xmlns="">
+              <a14:hiddenEffects xmlns="" xmlns:a14="http://schemas.microsoft.com/office/drawing/2010/main">
                 <a:effectLst>
                   <a:outerShdw blurRad="63500" dist="38099" dir="2700000" algn="ctr" rotWithShape="0">
                     <a:schemeClr val="bg2">
@@ -3153,14 +3153,14 @@
           <a:effectLst/>
           <a:extLst>
             <a:ext uri="{909E8E84-426E-40dd-AFC4-6F175D3DCCD1}">
-              <a14:hiddenFill xmlns:a14="http://schemas.microsoft.com/office/drawing/2010/main" xmlns="">
+              <a14:hiddenFill xmlns="" xmlns:a14="http://schemas.microsoft.com/office/drawing/2010/main">
                 <a:solidFill>
                   <a:schemeClr val="accent1"/>
                 </a:solidFill>
               </a14:hiddenFill>
             </a:ext>
             <a:ext uri="{91240B29-F687-4f45-9708-019B960494DF}">
-              <a14:hiddenLine xmlns:a14="http://schemas.microsoft.com/office/drawing/2010/main" xmlns="" w="9525">
+              <a14:hiddenLine xmlns="" xmlns:a14="http://schemas.microsoft.com/office/drawing/2010/main" w="9525">
                 <a:solidFill>
                   <a:schemeClr val="tx1"/>
                 </a:solidFill>
@@ -3170,7 +3170,7 @@
               </a14:hiddenLine>
             </a:ext>
             <a:ext uri="{AF507438-7753-43e0-B8FC-AC1667EBCBE1}">
-              <a14:hiddenEffects xmlns:a14="http://schemas.microsoft.com/office/drawing/2010/main" xmlns="">
+              <a14:hiddenEffects xmlns="" xmlns:a14="http://schemas.microsoft.com/office/drawing/2010/main">
                 <a:effectLst>
                   <a:outerShdw blurRad="63500" dist="38099" dir="2700000" algn="ctr" rotWithShape="0">
                     <a:schemeClr val="bg2">
@@ -3181,7 +3181,7 @@
               </a14:hiddenEffects>
             </a:ext>
             <a:ext uri="{FAA26D3D-D897-4be2-8F04-BA451C77F1D7}">
-              <ma14:placeholderFlag xmlns:ma14="http://schemas.microsoft.com/office/mac/drawingml/2011/main" xmlns="" val="1"/>
+              <ma14:placeholderFlag xmlns="" xmlns:ma14="http://schemas.microsoft.com/office/mac/drawingml/2011/main" val="1"/>
             </a:ext>
           </a:extLst>
         </p:spPr>
@@ -3750,14 +3750,14 @@
           <a:effectLst/>
           <a:extLst>
             <a:ext uri="{909E8E84-426E-40dd-AFC4-6F175D3DCCD1}">
-              <a14:hiddenFill xmlns:a14="http://schemas.microsoft.com/office/drawing/2010/main" xmlns="">
+              <a14:hiddenFill xmlns="" xmlns:a14="http://schemas.microsoft.com/office/drawing/2010/main">
                 <a:solidFill>
                   <a:schemeClr val="accent2"/>
                 </a:solidFill>
               </a14:hiddenFill>
             </a:ext>
             <a:ext uri="{91240B29-F687-4f45-9708-019B960494DF}">
-              <a14:hiddenLine xmlns:a14="http://schemas.microsoft.com/office/drawing/2010/main" xmlns="" w="9525">
+              <a14:hiddenLine xmlns="" xmlns:a14="http://schemas.microsoft.com/office/drawing/2010/main" w="9525">
                 <a:solidFill>
                   <a:schemeClr val="accent2"/>
                 </a:solidFill>
@@ -3767,7 +3767,7 @@
               </a14:hiddenLine>
             </a:ext>
             <a:ext uri="{AF507438-7753-43e0-B8FC-AC1667EBCBE1}">
-              <a14:hiddenEffects xmlns:a14="http://schemas.microsoft.com/office/drawing/2010/main" xmlns="">
+              <a14:hiddenEffects xmlns="" xmlns:a14="http://schemas.microsoft.com/office/drawing/2010/main">
                 <a:effectLst>
                   <a:outerShdw blurRad="63500" dist="38099" dir="2700000" algn="ctr" rotWithShape="0">
                     <a:schemeClr val="bg2">
@@ -3818,14 +3818,14 @@
           </a:xfrm>
           <a:extLst>
             <a:ext uri="{909E8E84-426E-40dd-AFC4-6F175D3DCCD1}">
-              <a14:hiddenFill xmlns:a14="http://schemas.microsoft.com/office/drawing/2010/main" xmlns="">
+              <a14:hiddenFill xmlns="" xmlns:a14="http://schemas.microsoft.com/office/drawing/2010/main">
                 <a:solidFill>
                   <a:schemeClr val="accent2"/>
                 </a:solidFill>
               </a14:hiddenFill>
             </a:ext>
             <a:ext uri="{91240B29-F687-4f45-9708-019B960494DF}">
-              <a14:hiddenLine xmlns:a14="http://schemas.microsoft.com/office/drawing/2010/main" xmlns="" w="9525">
+              <a14:hiddenLine xmlns="" xmlns:a14="http://schemas.microsoft.com/office/drawing/2010/main" w="9525">
                 <a:solidFill>
                   <a:schemeClr val="accent2"/>
                 </a:solidFill>
@@ -5985,7 +5985,7 @@
           <a:p>
             <a:r>
               <a:rPr lang="de-DE" dirty="0"/>
-              <a:t>Seit SS 21 Wirtschaftsinformatiker</a:t>
+              <a:t>Seit SS 21 im Bachelor Wirtschaftsinformatik</a:t>
             </a:r>
           </a:p>
         </p:txBody>
@@ -6135,7 +6135,36 @@
           <a:bodyPr/>
           <a:lstStyle/>
           <a:p>
-            <a:endParaRPr lang="de-DE"/>
+            <a:r>
+              <a:rPr lang="de-DE" dirty="0" err="1"/>
+              <a:t>Reiserer</a:t>
+            </a:r>
+            <a:r>
+              <a:rPr lang="de-DE" dirty="0"/>
+              <a:t>, K. (2014): Kündigung und Personalabbau, Berlin</a:t>
+            </a:r>
+          </a:p>
+          <a:p>
+            <a:r>
+              <a:rPr lang="de-DE" dirty="0" err="1"/>
+              <a:t>Wolmerath</a:t>
+            </a:r>
+            <a:r>
+              <a:rPr lang="de-DE" dirty="0"/>
+              <a:t>, M. (2022): Lernbuch Arbeitsrecht – Das Arbeitsverhältnis von seiner Anbahnung bis zu seiner Beendigung, 2. Auflage, Hamm</a:t>
+            </a:r>
+          </a:p>
+          <a:p>
+            <a:pPr marL="0" indent="0">
+              <a:buNone/>
+            </a:pPr>
+            <a:endParaRPr lang="de-DE" dirty="0"/>
+          </a:p>
+          <a:p>
+            <a:pPr marL="0" indent="0">
+              <a:buNone/>
+            </a:pPr>
+            <a:endParaRPr lang="de-DE" dirty="0"/>
           </a:p>
         </p:txBody>
       </p:sp>
@@ -7826,7 +7855,7 @@
           <a:p>
             <a:r>
               <a:rPr lang="de-DE" dirty="0"/>
-              <a:t>Wird in §622 BGB behandelt</a:t>
+              <a:t>Wird in§622 BGB behandelt</a:t>
             </a:r>
           </a:p>
           <a:p>
@@ -9070,14 +9099,14 @@
         <a:effectLst/>
         <a:extLst>
           <a:ext uri="{909E8E84-426E-40dd-AFC4-6F175D3DCCD1}">
-            <a14:hiddenFill xmlns:a14="http://schemas.microsoft.com/office/drawing/2010/main" xmlns="">
+            <a14:hiddenFill xmlns="" xmlns:a14="http://schemas.microsoft.com/office/drawing/2010/main">
               <a:solidFill>
                 <a:schemeClr val="accent2"/>
               </a:solidFill>
             </a14:hiddenFill>
           </a:ext>
           <a:ext uri="{AF507438-7753-43e0-B8FC-AC1667EBCBE1}">
-            <a14:hiddenEffects xmlns:a14="http://schemas.microsoft.com/office/drawing/2010/main" xmlns="">
+            <a14:hiddenEffects xmlns="" xmlns:a14="http://schemas.microsoft.com/office/drawing/2010/main">
               <a:effectLst>
                 <a:outerShdw blurRad="63500" dist="35921" dir="2700000" algn="ctr" rotWithShape="0">
                   <a:schemeClr val="bg2"/>
@@ -9150,14 +9179,14 @@
         <a:effectLst/>
         <a:extLst>
           <a:ext uri="{909E8E84-426E-40dd-AFC4-6F175D3DCCD1}">
-            <a14:hiddenFill xmlns:a14="http://schemas.microsoft.com/office/drawing/2010/main" xmlns="">
+            <a14:hiddenFill xmlns="" xmlns:a14="http://schemas.microsoft.com/office/drawing/2010/main">
               <a:solidFill>
                 <a:schemeClr val="accent2"/>
               </a:solidFill>
             </a14:hiddenFill>
           </a:ext>
           <a:ext uri="{AF507438-7753-43e0-B8FC-AC1667EBCBE1}">
-            <a14:hiddenEffects xmlns:a14="http://schemas.microsoft.com/office/drawing/2010/main" xmlns="">
+            <a14:hiddenEffects xmlns="" xmlns:a14="http://schemas.microsoft.com/office/drawing/2010/main">
               <a:effectLst>
                 <a:outerShdw blurRad="63500" dist="35921" dir="2700000" algn="ctr" rotWithShape="0">
                   <a:schemeClr val="bg2"/>

--- a/Führung Folien Robin.pptx
+++ b/Führung Folien Robin.pptx
@@ -253,6 +253,27 @@
 </p:presentation>
 </file>
 
+<file path=ppt/changesInfos/changesInfo1.xml><?xml version="1.0" encoding="utf-8"?>
+<pc:chgInfo xmlns:a="http://schemas.openxmlformats.org/drawingml/2006/main" xmlns:r="http://schemas.openxmlformats.org/officeDocument/2006/relationships" xmlns:ac="http://schemas.microsoft.com/office/drawing/2013/main/command" xmlns:pc="http://schemas.microsoft.com/office/powerpoint/2013/main/command">
+  <pc:docChgLst>
+    <pc:chgData name="Dehbia Kouadria" userId="24cf8942edd75162" providerId="LiveId" clId="{9CBF74F7-DA47-44F3-9321-6F065216C6A2}"/>
+    <pc:docChg chg="modSld sldOrd">
+      <pc:chgData name="Dehbia Kouadria" userId="24cf8942edd75162" providerId="LiveId" clId="{9CBF74F7-DA47-44F3-9321-6F065216C6A2}" dt="2023-04-15T14:36:12.197" v="1"/>
+      <pc:docMkLst>
+        <pc:docMk/>
+      </pc:docMkLst>
+      <pc:sldChg chg="ord">
+        <pc:chgData name="Dehbia Kouadria" userId="24cf8942edd75162" providerId="LiveId" clId="{9CBF74F7-DA47-44F3-9321-6F065216C6A2}" dt="2023-04-15T14:36:12.197" v="1"/>
+        <pc:sldMkLst>
+          <pc:docMk/>
+          <pc:sldMk cId="3692886023" sldId="404"/>
+        </pc:sldMkLst>
+      </pc:sldChg>
+    </pc:docChg>
+  </pc:docChgLst>
+</pc:chgInfo>
+</file>
+
 <file path=ppt/handoutMasters/handoutMaster1.xml><?xml version="1.0" encoding="utf-8"?>
 <p:handoutMaster xmlns:a="http://schemas.openxmlformats.org/drawingml/2006/main" xmlns:r="http://schemas.openxmlformats.org/officeDocument/2006/relationships" xmlns:p="http://schemas.openxmlformats.org/presentationml/2006/main">
   <p:cSld>
@@ -303,14 +324,14 @@
           <a:effectLst/>
           <a:extLst>
             <a:ext uri="{909E8E84-426E-40dd-AFC4-6F175D3DCCD1}">
-              <a14:hiddenFill xmlns="" xmlns:a14="http://schemas.microsoft.com/office/drawing/2010/main">
+              <a14:hiddenFill xmlns:a14="http://schemas.microsoft.com/office/drawing/2010/main" xmlns="">
                 <a:solidFill>
                   <a:schemeClr val="accent1"/>
                 </a:solidFill>
               </a14:hiddenFill>
             </a:ext>
             <a:ext uri="{91240B29-F687-4f45-9708-019B960494DF}">
-              <a14:hiddenLine xmlns="" xmlns:a14="http://schemas.microsoft.com/office/drawing/2010/main" w="9525">
+              <a14:hiddenLine xmlns:a14="http://schemas.microsoft.com/office/drawing/2010/main" xmlns="" w="9525">
                 <a:solidFill>
                   <a:schemeClr val="tx1"/>
                 </a:solidFill>
@@ -320,7 +341,7 @@
               </a14:hiddenLine>
             </a:ext>
             <a:ext uri="{AF507438-7753-43e0-B8FC-AC1667EBCBE1}">
-              <a14:hiddenEffects xmlns="" xmlns:a14="http://schemas.microsoft.com/office/drawing/2010/main">
+              <a14:hiddenEffects xmlns:a14="http://schemas.microsoft.com/office/drawing/2010/main" xmlns="">
                 <a:effectLst>
                   <a:outerShdw blurRad="63500" dist="38099" dir="2700000" algn="ctr" rotWithShape="0">
                     <a:schemeClr val="bg2">
@@ -331,7 +352,7 @@
               </a14:hiddenEffects>
             </a:ext>
             <a:ext uri="{FAA26D3D-D897-4be2-8F04-BA451C77F1D7}">
-              <ma14:placeholderFlag xmlns="" xmlns:ma14="http://schemas.microsoft.com/office/mac/drawingml/2011/main" val="1"/>
+              <ma14:placeholderFlag xmlns:ma14="http://schemas.microsoft.com/office/mac/drawingml/2011/main" xmlns="" val="1"/>
             </a:ext>
           </a:extLst>
         </p:spPr>
@@ -385,14 +406,14 @@
           <a:effectLst/>
           <a:extLst>
             <a:ext uri="{909E8E84-426E-40dd-AFC4-6F175D3DCCD1}">
-              <a14:hiddenFill xmlns="" xmlns:a14="http://schemas.microsoft.com/office/drawing/2010/main">
+              <a14:hiddenFill xmlns:a14="http://schemas.microsoft.com/office/drawing/2010/main" xmlns="">
                 <a:solidFill>
                   <a:schemeClr val="accent1"/>
                 </a:solidFill>
               </a14:hiddenFill>
             </a:ext>
             <a:ext uri="{91240B29-F687-4f45-9708-019B960494DF}">
-              <a14:hiddenLine xmlns="" xmlns:a14="http://schemas.microsoft.com/office/drawing/2010/main" w="9525">
+              <a14:hiddenLine xmlns:a14="http://schemas.microsoft.com/office/drawing/2010/main" xmlns="" w="9525">
                 <a:solidFill>
                   <a:schemeClr val="tx1"/>
                 </a:solidFill>
@@ -402,7 +423,7 @@
               </a14:hiddenLine>
             </a:ext>
             <a:ext uri="{AF507438-7753-43e0-B8FC-AC1667EBCBE1}">
-              <a14:hiddenEffects xmlns="" xmlns:a14="http://schemas.microsoft.com/office/drawing/2010/main">
+              <a14:hiddenEffects xmlns:a14="http://schemas.microsoft.com/office/drawing/2010/main" xmlns="">
                 <a:effectLst>
                   <a:outerShdw blurRad="63500" dist="38099" dir="2700000" algn="ctr" rotWithShape="0">
                     <a:schemeClr val="bg2">
@@ -413,7 +434,7 @@
               </a14:hiddenEffects>
             </a:ext>
             <a:ext uri="{FAA26D3D-D897-4be2-8F04-BA451C77F1D7}">
-              <ma14:placeholderFlag xmlns="" xmlns:ma14="http://schemas.microsoft.com/office/mac/drawingml/2011/main" val="1"/>
+              <ma14:placeholderFlag xmlns:ma14="http://schemas.microsoft.com/office/mac/drawingml/2011/main" xmlns="" val="1"/>
             </a:ext>
           </a:extLst>
         </p:spPr>
@@ -467,14 +488,14 @@
           <a:effectLst/>
           <a:extLst>
             <a:ext uri="{909E8E84-426E-40dd-AFC4-6F175D3DCCD1}">
-              <a14:hiddenFill xmlns="" xmlns:a14="http://schemas.microsoft.com/office/drawing/2010/main">
+              <a14:hiddenFill xmlns:a14="http://schemas.microsoft.com/office/drawing/2010/main" xmlns="">
                 <a:solidFill>
                   <a:schemeClr val="accent1"/>
                 </a:solidFill>
               </a14:hiddenFill>
             </a:ext>
             <a:ext uri="{91240B29-F687-4f45-9708-019B960494DF}">
-              <a14:hiddenLine xmlns="" xmlns:a14="http://schemas.microsoft.com/office/drawing/2010/main" w="9525">
+              <a14:hiddenLine xmlns:a14="http://schemas.microsoft.com/office/drawing/2010/main" xmlns="" w="9525">
                 <a:solidFill>
                   <a:schemeClr val="tx1"/>
                 </a:solidFill>
@@ -484,7 +505,7 @@
               </a14:hiddenLine>
             </a:ext>
             <a:ext uri="{AF507438-7753-43e0-B8FC-AC1667EBCBE1}">
-              <a14:hiddenEffects xmlns="" xmlns:a14="http://schemas.microsoft.com/office/drawing/2010/main">
+              <a14:hiddenEffects xmlns:a14="http://schemas.microsoft.com/office/drawing/2010/main" xmlns="">
                 <a:effectLst>
                   <a:outerShdw blurRad="63500" dist="38099" dir="2700000" algn="ctr" rotWithShape="0">
                     <a:schemeClr val="bg2">
@@ -495,7 +516,7 @@
               </a14:hiddenEffects>
             </a:ext>
             <a:ext uri="{FAA26D3D-D897-4be2-8F04-BA451C77F1D7}">
-              <ma14:placeholderFlag xmlns="" xmlns:ma14="http://schemas.microsoft.com/office/mac/drawingml/2011/main" val="1"/>
+              <ma14:placeholderFlag xmlns:ma14="http://schemas.microsoft.com/office/mac/drawingml/2011/main" xmlns="" val="1"/>
             </a:ext>
           </a:extLst>
         </p:spPr>
@@ -549,14 +570,14 @@
           <a:effectLst/>
           <a:extLst>
             <a:ext uri="{909E8E84-426E-40dd-AFC4-6F175D3DCCD1}">
-              <a14:hiddenFill xmlns="" xmlns:a14="http://schemas.microsoft.com/office/drawing/2010/main">
+              <a14:hiddenFill xmlns:a14="http://schemas.microsoft.com/office/drawing/2010/main" xmlns="">
                 <a:solidFill>
                   <a:schemeClr val="accent1"/>
                 </a:solidFill>
               </a14:hiddenFill>
             </a:ext>
             <a:ext uri="{91240B29-F687-4f45-9708-019B960494DF}">
-              <a14:hiddenLine xmlns="" xmlns:a14="http://schemas.microsoft.com/office/drawing/2010/main" w="9525">
+              <a14:hiddenLine xmlns:a14="http://schemas.microsoft.com/office/drawing/2010/main" xmlns="" w="9525">
                 <a:solidFill>
                   <a:schemeClr val="tx1"/>
                 </a:solidFill>
@@ -566,7 +587,7 @@
               </a14:hiddenLine>
             </a:ext>
             <a:ext uri="{AF507438-7753-43e0-B8FC-AC1667EBCBE1}">
-              <a14:hiddenEffects xmlns="" xmlns:a14="http://schemas.microsoft.com/office/drawing/2010/main">
+              <a14:hiddenEffects xmlns:a14="http://schemas.microsoft.com/office/drawing/2010/main" xmlns="">
                 <a:effectLst>
                   <a:outerShdw blurRad="63500" dist="38099" dir="2700000" algn="ctr" rotWithShape="0">
                     <a:schemeClr val="bg2">
@@ -577,7 +598,7 @@
               </a14:hiddenEffects>
             </a:ext>
             <a:ext uri="{FAA26D3D-D897-4be2-8F04-BA451C77F1D7}">
-              <ma14:placeholderFlag xmlns="" xmlns:ma14="http://schemas.microsoft.com/office/mac/drawingml/2011/main" val="1"/>
+              <ma14:placeholderFlag xmlns:ma14="http://schemas.microsoft.com/office/mac/drawingml/2011/main" xmlns="" val="1"/>
             </a:ext>
           </a:extLst>
         </p:spPr>
@@ -673,7 +694,7 @@
           <a:effectLst/>
           <a:extLst>
             <a:ext uri="{AF507438-7753-43e0-B8FC-AC1667EBCBE1}">
-              <a14:hiddenEffects xmlns="" xmlns:a14="http://schemas.microsoft.com/office/drawing/2010/main">
+              <a14:hiddenEffects xmlns:a14="http://schemas.microsoft.com/office/drawing/2010/main" xmlns="">
                 <a:effectLst>
                   <a:outerShdw blurRad="63500" dist="38099" dir="2700000" algn="ctr" rotWithShape="0">
                     <a:srgbClr val="000000">
@@ -684,7 +705,7 @@
               </a14:hiddenEffects>
             </a:ext>
             <a:ext uri="{53640926-AAD7-44d8-BBD7-CCE9431645EC}">
-              <a14:shadowObscured xmlns="" xmlns:a14="http://schemas.microsoft.com/office/drawing/2010/main" val="1"/>
+              <a14:shadowObscured xmlns:a14="http://schemas.microsoft.com/office/drawing/2010/main" xmlns="" val="1"/>
             </a:ext>
           </a:extLst>
         </p:spPr>
@@ -714,14 +735,14 @@
           <a:effectLst/>
           <a:extLst>
             <a:ext uri="{909E8E84-426E-40dd-AFC4-6F175D3DCCD1}">
-              <a14:hiddenFill xmlns="" xmlns:a14="http://schemas.microsoft.com/office/drawing/2010/main">
+              <a14:hiddenFill xmlns:a14="http://schemas.microsoft.com/office/drawing/2010/main" xmlns="">
                 <a:solidFill>
                   <a:schemeClr val="accent1"/>
                 </a:solidFill>
               </a14:hiddenFill>
             </a:ext>
             <a:ext uri="{91240B29-F687-4f45-9708-019B960494DF}">
-              <a14:hiddenLine xmlns="" xmlns:a14="http://schemas.microsoft.com/office/drawing/2010/main" w="9525">
+              <a14:hiddenLine xmlns:a14="http://schemas.microsoft.com/office/drawing/2010/main" xmlns="" w="9525">
                 <a:solidFill>
                   <a:schemeClr val="tx1"/>
                 </a:solidFill>
@@ -731,7 +752,7 @@
               </a14:hiddenLine>
             </a:ext>
             <a:ext uri="{AF507438-7753-43e0-B8FC-AC1667EBCBE1}">
-              <a14:hiddenEffects xmlns="" xmlns:a14="http://schemas.microsoft.com/office/drawing/2010/main">
+              <a14:hiddenEffects xmlns:a14="http://schemas.microsoft.com/office/drawing/2010/main" xmlns="">
                 <a:effectLst>
                   <a:outerShdw blurRad="63500" dist="38099" dir="2700000" algn="ctr" rotWithShape="0">
                     <a:schemeClr val="bg2">
@@ -742,7 +763,7 @@
               </a14:hiddenEffects>
             </a:ext>
             <a:ext uri="{FAA26D3D-D897-4be2-8F04-BA451C77F1D7}">
-              <ma14:placeholderFlag xmlns="" xmlns:ma14="http://schemas.microsoft.com/office/mac/drawingml/2011/main" val="1"/>
+              <ma14:placeholderFlag xmlns:ma14="http://schemas.microsoft.com/office/mac/drawingml/2011/main" xmlns="" val="1"/>
             </a:ext>
           </a:extLst>
         </p:spPr>
@@ -926,7 +947,7 @@
           <a:ln/>
           <a:extLst>
             <a:ext uri="{FAA26D3D-D897-4be2-8F04-BA451C77F1D7}">
-              <ma14:placeholderFlag xmlns="" xmlns:ma14="http://schemas.microsoft.com/office/mac/drawingml/2011/main" val="1"/>
+              <ma14:placeholderFlag xmlns:ma14="http://schemas.microsoft.com/office/mac/drawingml/2011/main" xmlns="" val="1"/>
             </a:ext>
           </a:extLst>
         </p:spPr>
@@ -1160,14 +1181,14 @@
         <p:spPr>
           <a:extLst>
             <a:ext uri="{909E8E84-426E-40dd-AFC4-6F175D3DCCD1}">
-              <a14:hiddenFill xmlns="" xmlns:a14="http://schemas.microsoft.com/office/drawing/2010/main">
+              <a14:hiddenFill xmlns:a14="http://schemas.microsoft.com/office/drawing/2010/main" xmlns="">
                 <a:solidFill>
                   <a:schemeClr val="accent2"/>
                 </a:solidFill>
               </a14:hiddenFill>
             </a:ext>
             <a:ext uri="{91240B29-F687-4f45-9708-019B960494DF}">
-              <a14:hiddenLine xmlns="" xmlns:a14="http://schemas.microsoft.com/office/drawing/2010/main" w="9525">
+              <a14:hiddenLine xmlns:a14="http://schemas.microsoft.com/office/drawing/2010/main" xmlns="" w="9525">
                 <a:solidFill>
                   <a:schemeClr val="accent2"/>
                 </a:solidFill>
@@ -2550,14 +2571,14 @@
           <a:effectLst/>
           <a:extLst>
             <a:ext uri="{909E8E84-426E-40dd-AFC4-6F175D3DCCD1}">
-              <a14:hiddenFill xmlns="" xmlns:a14="http://schemas.microsoft.com/office/drawing/2010/main">
+              <a14:hiddenFill xmlns:a14="http://schemas.microsoft.com/office/drawing/2010/main" xmlns="">
                 <a:solidFill>
                   <a:schemeClr val="accent2"/>
                 </a:solidFill>
               </a14:hiddenFill>
             </a:ext>
             <a:ext uri="{AF507438-7753-43e0-B8FC-AC1667EBCBE1}">
-              <a14:hiddenEffects xmlns="" xmlns:a14="http://schemas.microsoft.com/office/drawing/2010/main">
+              <a14:hiddenEffects xmlns:a14="http://schemas.microsoft.com/office/drawing/2010/main" xmlns="">
                 <a:effectLst>
                   <a:outerShdw blurRad="63500" dist="35921" dir="2700000" algn="ctr" rotWithShape="0">
                     <a:schemeClr val="bg2"/>
@@ -2764,14 +2785,14 @@
           <a:effectLst/>
           <a:extLst>
             <a:ext uri="{909E8E84-426E-40dd-AFC4-6F175D3DCCD1}">
-              <a14:hiddenFill xmlns="" xmlns:a14="http://schemas.microsoft.com/office/drawing/2010/main">
+              <a14:hiddenFill xmlns:a14="http://schemas.microsoft.com/office/drawing/2010/main" xmlns="">
                 <a:solidFill>
                   <a:schemeClr val="accent1"/>
                 </a:solidFill>
               </a14:hiddenFill>
             </a:ext>
             <a:ext uri="{91240B29-F687-4f45-9708-019B960494DF}">
-              <a14:hiddenLine xmlns="" xmlns:a14="http://schemas.microsoft.com/office/drawing/2010/main" w="9525">
+              <a14:hiddenLine xmlns:a14="http://schemas.microsoft.com/office/drawing/2010/main" xmlns="" w="9525">
                 <a:solidFill>
                   <a:schemeClr val="tx1"/>
                 </a:solidFill>
@@ -2781,7 +2802,7 @@
               </a14:hiddenLine>
             </a:ext>
             <a:ext uri="{AF507438-7753-43e0-B8FC-AC1667EBCBE1}">
-              <a14:hiddenEffects xmlns="" xmlns:a14="http://schemas.microsoft.com/office/drawing/2010/main">
+              <a14:hiddenEffects xmlns:a14="http://schemas.microsoft.com/office/drawing/2010/main" xmlns="">
                 <a:effectLst>
                   <a:outerShdw blurRad="63500" dist="38099" dir="2700000" algn="ctr" rotWithShape="0">
                     <a:schemeClr val="bg2">
@@ -2792,7 +2813,7 @@
               </a14:hiddenEffects>
             </a:ext>
             <a:ext uri="{FAA26D3D-D897-4be2-8F04-BA451C77F1D7}">
-              <ma14:placeholderFlag xmlns="" xmlns:ma14="http://schemas.microsoft.com/office/mac/drawingml/2011/main" val="1"/>
+              <ma14:placeholderFlag xmlns:ma14="http://schemas.microsoft.com/office/mac/drawingml/2011/main" xmlns="" val="1"/>
             </a:ext>
           </a:extLst>
         </p:spPr>
@@ -2836,14 +2857,14 @@
           <a:effectLst/>
           <a:extLst>
             <a:ext uri="{909E8E84-426E-40dd-AFC4-6F175D3DCCD1}">
-              <a14:hiddenFill xmlns="" xmlns:a14="http://schemas.microsoft.com/office/drawing/2010/main">
+              <a14:hiddenFill xmlns:a14="http://schemas.microsoft.com/office/drawing/2010/main" xmlns="">
                 <a:solidFill>
                   <a:schemeClr val="accent1"/>
                 </a:solidFill>
               </a14:hiddenFill>
             </a:ext>
             <a:ext uri="{91240B29-F687-4f45-9708-019B960494DF}">
-              <a14:hiddenLine xmlns="" xmlns:a14="http://schemas.microsoft.com/office/drawing/2010/main" w="9525">
+              <a14:hiddenLine xmlns:a14="http://schemas.microsoft.com/office/drawing/2010/main" xmlns="" w="9525">
                 <a:solidFill>
                   <a:schemeClr val="tx1"/>
                 </a:solidFill>
@@ -2853,7 +2874,7 @@
               </a14:hiddenLine>
             </a:ext>
             <a:ext uri="{AF507438-7753-43e0-B8FC-AC1667EBCBE1}">
-              <a14:hiddenEffects xmlns="" xmlns:a14="http://schemas.microsoft.com/office/drawing/2010/main">
+              <a14:hiddenEffects xmlns:a14="http://schemas.microsoft.com/office/drawing/2010/main" xmlns="">
                 <a:effectLst>
                   <a:outerShdw blurRad="63500" dist="38099" dir="2700000" algn="ctr" rotWithShape="0">
                     <a:schemeClr val="bg2">
@@ -3153,14 +3174,14 @@
           <a:effectLst/>
           <a:extLst>
             <a:ext uri="{909E8E84-426E-40dd-AFC4-6F175D3DCCD1}">
-              <a14:hiddenFill xmlns="" xmlns:a14="http://schemas.microsoft.com/office/drawing/2010/main">
+              <a14:hiddenFill xmlns:a14="http://schemas.microsoft.com/office/drawing/2010/main" xmlns="">
                 <a:solidFill>
                   <a:schemeClr val="accent1"/>
                 </a:solidFill>
               </a14:hiddenFill>
             </a:ext>
             <a:ext uri="{91240B29-F687-4f45-9708-019B960494DF}">
-              <a14:hiddenLine xmlns="" xmlns:a14="http://schemas.microsoft.com/office/drawing/2010/main" w="9525">
+              <a14:hiddenLine xmlns:a14="http://schemas.microsoft.com/office/drawing/2010/main" xmlns="" w="9525">
                 <a:solidFill>
                   <a:schemeClr val="tx1"/>
                 </a:solidFill>
@@ -3170,7 +3191,7 @@
               </a14:hiddenLine>
             </a:ext>
             <a:ext uri="{AF507438-7753-43e0-B8FC-AC1667EBCBE1}">
-              <a14:hiddenEffects xmlns="" xmlns:a14="http://schemas.microsoft.com/office/drawing/2010/main">
+              <a14:hiddenEffects xmlns:a14="http://schemas.microsoft.com/office/drawing/2010/main" xmlns="">
                 <a:effectLst>
                   <a:outerShdw blurRad="63500" dist="38099" dir="2700000" algn="ctr" rotWithShape="0">
                     <a:schemeClr val="bg2">
@@ -3181,7 +3202,7 @@
               </a14:hiddenEffects>
             </a:ext>
             <a:ext uri="{FAA26D3D-D897-4be2-8F04-BA451C77F1D7}">
-              <ma14:placeholderFlag xmlns="" xmlns:ma14="http://schemas.microsoft.com/office/mac/drawingml/2011/main" val="1"/>
+              <ma14:placeholderFlag xmlns:ma14="http://schemas.microsoft.com/office/mac/drawingml/2011/main" xmlns="" val="1"/>
             </a:ext>
           </a:extLst>
         </p:spPr>
@@ -3750,14 +3771,14 @@
           <a:effectLst/>
           <a:extLst>
             <a:ext uri="{909E8E84-426E-40dd-AFC4-6F175D3DCCD1}">
-              <a14:hiddenFill xmlns="" xmlns:a14="http://schemas.microsoft.com/office/drawing/2010/main">
+              <a14:hiddenFill xmlns:a14="http://schemas.microsoft.com/office/drawing/2010/main" xmlns="">
                 <a:solidFill>
                   <a:schemeClr val="accent2"/>
                 </a:solidFill>
               </a14:hiddenFill>
             </a:ext>
             <a:ext uri="{91240B29-F687-4f45-9708-019B960494DF}">
-              <a14:hiddenLine xmlns="" xmlns:a14="http://schemas.microsoft.com/office/drawing/2010/main" w="9525">
+              <a14:hiddenLine xmlns:a14="http://schemas.microsoft.com/office/drawing/2010/main" xmlns="" w="9525">
                 <a:solidFill>
                   <a:schemeClr val="accent2"/>
                 </a:solidFill>
@@ -3767,7 +3788,7 @@
               </a14:hiddenLine>
             </a:ext>
             <a:ext uri="{AF507438-7753-43e0-B8FC-AC1667EBCBE1}">
-              <a14:hiddenEffects xmlns="" xmlns:a14="http://schemas.microsoft.com/office/drawing/2010/main">
+              <a14:hiddenEffects xmlns:a14="http://schemas.microsoft.com/office/drawing/2010/main" xmlns="">
                 <a:effectLst>
                   <a:outerShdw blurRad="63500" dist="38099" dir="2700000" algn="ctr" rotWithShape="0">
                     <a:schemeClr val="bg2">
@@ -3818,14 +3839,14 @@
           </a:xfrm>
           <a:extLst>
             <a:ext uri="{909E8E84-426E-40dd-AFC4-6F175D3DCCD1}">
-              <a14:hiddenFill xmlns="" xmlns:a14="http://schemas.microsoft.com/office/drawing/2010/main">
+              <a14:hiddenFill xmlns:a14="http://schemas.microsoft.com/office/drawing/2010/main" xmlns="">
                 <a:solidFill>
                   <a:schemeClr val="accent2"/>
                 </a:solidFill>
               </a14:hiddenFill>
             </a:ext>
             <a:ext uri="{91240B29-F687-4f45-9708-019B960494DF}">
-              <a14:hiddenLine xmlns="" xmlns:a14="http://schemas.microsoft.com/office/drawing/2010/main" w="9525">
+              <a14:hiddenLine xmlns:a14="http://schemas.microsoft.com/office/drawing/2010/main" xmlns="" w="9525">
                 <a:solidFill>
                   <a:schemeClr val="accent2"/>
                 </a:solidFill>
@@ -9099,14 +9120,14 @@
         <a:effectLst/>
         <a:extLst>
           <a:ext uri="{909E8E84-426E-40dd-AFC4-6F175D3DCCD1}">
-            <a14:hiddenFill xmlns="" xmlns:a14="http://schemas.microsoft.com/office/drawing/2010/main">
+            <a14:hiddenFill xmlns:a14="http://schemas.microsoft.com/office/drawing/2010/main" xmlns="">
               <a:solidFill>
                 <a:schemeClr val="accent2"/>
               </a:solidFill>
             </a14:hiddenFill>
           </a:ext>
           <a:ext uri="{AF507438-7753-43e0-B8FC-AC1667EBCBE1}">
-            <a14:hiddenEffects xmlns="" xmlns:a14="http://schemas.microsoft.com/office/drawing/2010/main">
+            <a14:hiddenEffects xmlns:a14="http://schemas.microsoft.com/office/drawing/2010/main" xmlns="">
               <a:effectLst>
                 <a:outerShdw blurRad="63500" dist="35921" dir="2700000" algn="ctr" rotWithShape="0">
                   <a:schemeClr val="bg2"/>
@@ -9179,14 +9200,14 @@
         <a:effectLst/>
         <a:extLst>
           <a:ext uri="{909E8E84-426E-40dd-AFC4-6F175D3DCCD1}">
-            <a14:hiddenFill xmlns="" xmlns:a14="http://schemas.microsoft.com/office/drawing/2010/main">
+            <a14:hiddenFill xmlns:a14="http://schemas.microsoft.com/office/drawing/2010/main" xmlns="">
               <a:solidFill>
                 <a:schemeClr val="accent2"/>
               </a:solidFill>
             </a14:hiddenFill>
           </a:ext>
           <a:ext uri="{AF507438-7753-43e0-B8FC-AC1667EBCBE1}">
-            <a14:hiddenEffects xmlns="" xmlns:a14="http://schemas.microsoft.com/office/drawing/2010/main">
+            <a14:hiddenEffects xmlns:a14="http://schemas.microsoft.com/office/drawing/2010/main" xmlns="">
               <a:effectLst>
                 <a:outerShdw blurRad="63500" dist="35921" dir="2700000" algn="ctr" rotWithShape="0">
                   <a:schemeClr val="bg2"/>
